--- a/lectures/1806overview.pptx
+++ b/lectures/1806overview.pptx
@@ -7,18 +7,19 @@
   <p:sldIdLst>
     <p:sldId id="256" r:id="rId2"/>
     <p:sldId id="260" r:id="rId3"/>
-    <p:sldId id="257" r:id="rId4"/>
-    <p:sldId id="258" r:id="rId5"/>
-    <p:sldId id="259" r:id="rId6"/>
-    <p:sldId id="261" r:id="rId7"/>
-    <p:sldId id="262" r:id="rId8"/>
-    <p:sldId id="268" r:id="rId9"/>
-    <p:sldId id="266" r:id="rId10"/>
-    <p:sldId id="264" r:id="rId11"/>
-    <p:sldId id="265" r:id="rId12"/>
-    <p:sldId id="263" r:id="rId13"/>
-    <p:sldId id="267" r:id="rId14"/>
-    <p:sldId id="269" r:id="rId15"/>
+    <p:sldId id="270" r:id="rId4"/>
+    <p:sldId id="257" r:id="rId5"/>
+    <p:sldId id="258" r:id="rId6"/>
+    <p:sldId id="259" r:id="rId7"/>
+    <p:sldId id="261" r:id="rId8"/>
+    <p:sldId id="262" r:id="rId9"/>
+    <p:sldId id="268" r:id="rId10"/>
+    <p:sldId id="266" r:id="rId11"/>
+    <p:sldId id="264" r:id="rId12"/>
+    <p:sldId id="265" r:id="rId13"/>
+    <p:sldId id="263" r:id="rId14"/>
+    <p:sldId id="267" r:id="rId15"/>
+    <p:sldId id="269" r:id="rId16"/>
   </p:sldIdLst>
   <p:sldSz cx="9144000" cy="6858000" type="screen4x3"/>
   <p:notesSz cx="6858000" cy="9144000"/>
@@ -119,7 +120,7 @@
   </p:defaultTextStyle>
   <p:extLst>
     <p:ext uri="{EFAFB233-063F-42B5-8137-9DF3F51BA10A}">
-      <p15:sldGuideLst xmlns:p15="http://schemas.microsoft.com/office/powerpoint/2012/main" xmlns="">
+      <p15:sldGuideLst xmlns="" xmlns:p15="http://schemas.microsoft.com/office/powerpoint/2012/main">
         <p15:guide id="1" orient="horz" pos="2160">
           <p15:clr>
             <a:srgbClr val="A4A3A4"/>
@@ -317,7 +318,7 @@
           <a:p>
             <a:fld id="{0DBCF7F0-66B2-E246-9655-E9BA5C294290}" type="datetimeFigureOut">
               <a:rPr lang="en-US" smtClean="0"/>
-              <a:t>2/6/18</a:t>
+              <a:t>2/7/18</a:t>
             </a:fld>
             <a:endParaRPr lang="en-US"/>
           </a:p>
@@ -487,7 +488,7 @@
           <a:p>
             <a:fld id="{0DBCF7F0-66B2-E246-9655-E9BA5C294290}" type="datetimeFigureOut">
               <a:rPr lang="en-US" smtClean="0"/>
-              <a:t>2/6/18</a:t>
+              <a:t>2/7/18</a:t>
             </a:fld>
             <a:endParaRPr lang="en-US"/>
           </a:p>
@@ -667,7 +668,7 @@
           <a:p>
             <a:fld id="{0DBCF7F0-66B2-E246-9655-E9BA5C294290}" type="datetimeFigureOut">
               <a:rPr lang="en-US" smtClean="0"/>
-              <a:t>2/6/18</a:t>
+              <a:t>2/7/18</a:t>
             </a:fld>
             <a:endParaRPr lang="en-US"/>
           </a:p>
@@ -837,7 +838,7 @@
           <a:p>
             <a:fld id="{0DBCF7F0-66B2-E246-9655-E9BA5C294290}" type="datetimeFigureOut">
               <a:rPr lang="en-US" smtClean="0"/>
-              <a:t>2/6/18</a:t>
+              <a:t>2/7/18</a:t>
             </a:fld>
             <a:endParaRPr lang="en-US"/>
           </a:p>
@@ -1083,7 +1084,7 @@
           <a:p>
             <a:fld id="{0DBCF7F0-66B2-E246-9655-E9BA5C294290}" type="datetimeFigureOut">
               <a:rPr lang="en-US" smtClean="0"/>
-              <a:t>2/6/18</a:t>
+              <a:t>2/7/18</a:t>
             </a:fld>
             <a:endParaRPr lang="en-US"/>
           </a:p>
@@ -1371,7 +1372,7 @@
           <a:p>
             <a:fld id="{0DBCF7F0-66B2-E246-9655-E9BA5C294290}" type="datetimeFigureOut">
               <a:rPr lang="en-US" smtClean="0"/>
-              <a:t>2/6/18</a:t>
+              <a:t>2/7/18</a:t>
             </a:fld>
             <a:endParaRPr lang="en-US"/>
           </a:p>
@@ -1793,7 +1794,7 @@
           <a:p>
             <a:fld id="{0DBCF7F0-66B2-E246-9655-E9BA5C294290}" type="datetimeFigureOut">
               <a:rPr lang="en-US" smtClean="0"/>
-              <a:t>2/6/18</a:t>
+              <a:t>2/7/18</a:t>
             </a:fld>
             <a:endParaRPr lang="en-US"/>
           </a:p>
@@ -1911,7 +1912,7 @@
           <a:p>
             <a:fld id="{0DBCF7F0-66B2-E246-9655-E9BA5C294290}" type="datetimeFigureOut">
               <a:rPr lang="en-US" smtClean="0"/>
-              <a:t>2/6/18</a:t>
+              <a:t>2/7/18</a:t>
             </a:fld>
             <a:endParaRPr lang="en-US"/>
           </a:p>
@@ -2006,7 +2007,7 @@
           <a:p>
             <a:fld id="{0DBCF7F0-66B2-E246-9655-E9BA5C294290}" type="datetimeFigureOut">
               <a:rPr lang="en-US" smtClean="0"/>
-              <a:t>2/6/18</a:t>
+              <a:t>2/7/18</a:t>
             </a:fld>
             <a:endParaRPr lang="en-US"/>
           </a:p>
@@ -2283,7 +2284,7 @@
           <a:p>
             <a:fld id="{0DBCF7F0-66B2-E246-9655-E9BA5C294290}" type="datetimeFigureOut">
               <a:rPr lang="en-US" smtClean="0"/>
-              <a:t>2/6/18</a:t>
+              <a:t>2/7/18</a:t>
             </a:fld>
             <a:endParaRPr lang="en-US"/>
           </a:p>
@@ -2536,7 +2537,7 @@
           <a:p>
             <a:fld id="{0DBCF7F0-66B2-E246-9655-E9BA5C294290}" type="datetimeFigureOut">
               <a:rPr lang="en-US" smtClean="0"/>
-              <a:t>2/6/18</a:t>
+              <a:t>2/7/18</a:t>
             </a:fld>
             <a:endParaRPr lang="en-US"/>
           </a:p>
@@ -2749,7 +2750,7 @@
           <a:p>
             <a:fld id="{0DBCF7F0-66B2-E246-9655-E9BA5C294290}" type="datetimeFigureOut">
               <a:rPr lang="en-US" smtClean="0"/>
-              <a:t>2/6/18</a:t>
+              <a:t>2/7/18</a:t>
             </a:fld>
             <a:endParaRPr lang="en-US"/>
           </a:p>
@@ -3227,37 +3228,8 @@
                   <a:srgbClr val="0000FF"/>
                 </a:solidFill>
               </a:rPr>
-              <a:t>Prof. </a:t>
-            </a:r>
-            <a:r>
-              <a:rPr lang="en-US" dirty="0" smtClean="0">
-                <a:solidFill>
-                  <a:srgbClr val="0000FF"/>
-                </a:solidFill>
-              </a:rPr>
-              <a:t>Alan Edelman, </a:t>
-            </a:r>
-            <a:r>
-              <a:rPr lang="en-US" dirty="0" smtClean="0">
-                <a:solidFill>
-                  <a:srgbClr val="0000FF"/>
-                </a:solidFill>
-              </a:rPr>
-              <a:t>MIT Applied </a:t>
-            </a:r>
-            <a:r>
-              <a:rPr lang="en-US" dirty="0" smtClean="0">
-                <a:solidFill>
-                  <a:srgbClr val="0000FF"/>
-                </a:solidFill>
-              </a:rPr>
-              <a:t>Math, CSAIL</a:t>
-            </a:r>
-            <a:endParaRPr lang="en-US" dirty="0" smtClean="0">
-              <a:solidFill>
-                <a:srgbClr val="0000FF"/>
-              </a:solidFill>
-            </a:endParaRPr>
+              <a:t>Prof. Alan Edelman, MIT Applied Math, CSAIL</a:t>
+            </a:r>
           </a:p>
           <a:p>
             <a:r>
@@ -3420,6 +3392,108 @@
         </p:nvSpPr>
         <p:spPr>
           <a:xfrm>
+            <a:off x="457200" y="545430"/>
+            <a:ext cx="8229600" cy="5732642"/>
+          </a:xfrm>
+        </p:spPr>
+        <p:txBody>
+          <a:bodyPr>
+            <a:normAutofit/>
+          </a:bodyPr>
+          <a:lstStyle/>
+          <a:p>
+            <a:r>
+              <a:rPr lang="en-US" dirty="0" smtClean="0"/>
+              <a:t>Where do big matrices</a:t>
+            </a:r>
+            <a:br>
+              <a:rPr lang="en-US" dirty="0" smtClean="0"/>
+            </a:br>
+            <a:r>
+              <a:rPr lang="en-US" dirty="0" smtClean="0"/>
+              <a:t>come from?</a:t>
+            </a:r>
+            <a:br>
+              <a:rPr lang="en-US" dirty="0" smtClean="0"/>
+            </a:br>
+            <a:r>
+              <a:rPr lang="en-US" dirty="0"/>
+              <a:t/>
+            </a:r>
+            <a:br>
+              <a:rPr lang="en-US" dirty="0"/>
+            </a:br>
+            <a:r>
+              <a:rPr lang="en-US" sz="3200" dirty="0" smtClean="0"/>
+              <a:t>Lots of examples in many fields,</a:t>
+            </a:r>
+            <a:br>
+              <a:rPr lang="en-US" sz="3200" dirty="0" smtClean="0"/>
+            </a:br>
+            <a:r>
+              <a:rPr lang="en-US" sz="3200" dirty="0" smtClean="0"/>
+              <a:t>but here are a couple that are</a:t>
+            </a:r>
+            <a:br>
+              <a:rPr lang="en-US" sz="3200" dirty="0" smtClean="0"/>
+            </a:br>
+            <a:r>
+              <a:rPr lang="en-US" sz="3200" dirty="0" smtClean="0"/>
+              <a:t>relatively easy to understand…</a:t>
+            </a:r>
+            <a:endParaRPr lang="en-US" dirty="0"/>
+          </a:p>
+        </p:txBody>
+      </p:sp>
+    </p:spTree>
+    <p:extLst>
+      <p:ext uri="{BB962C8B-B14F-4D97-AF65-F5344CB8AC3E}">
+        <p14:creationId xmlns:p14="http://schemas.microsoft.com/office/powerpoint/2010/main" val="4016270589"/>
+      </p:ext>
+    </p:extLst>
+  </p:cSld>
+  <p:clrMapOvr>
+    <a:masterClrMapping/>
+  </p:clrMapOvr>
+  <p:timing>
+    <p:tnLst>
+      <p:par>
+        <p:cTn xmlns:p14="http://schemas.microsoft.com/office/powerpoint/2010/main" id="1" dur="indefinite" restart="never" nodeType="tmRoot"/>
+      </p:par>
+    </p:tnLst>
+  </p:timing>
+</p:sld>
+</file>
+
+<file path=ppt/slides/slide11.xml><?xml version="1.0" encoding="utf-8"?>
+<p:sld xmlns:a="http://schemas.openxmlformats.org/drawingml/2006/main" xmlns:r="http://schemas.openxmlformats.org/officeDocument/2006/relationships" xmlns:p="http://schemas.openxmlformats.org/presentationml/2006/main">
+  <p:cSld>
+    <p:spTree>
+      <p:nvGrpSpPr>
+        <p:cNvPr id="1" name=""/>
+        <p:cNvGrpSpPr/>
+        <p:nvPr/>
+      </p:nvGrpSpPr>
+      <p:grpSpPr>
+        <a:xfrm>
+          <a:off x="0" y="0"/>
+          <a:ext cx="0" cy="0"/>
+          <a:chOff x="0" y="0"/>
+          <a:chExt cx="0" cy="0"/>
+        </a:xfrm>
+      </p:grpSpPr>
+      <p:sp>
+        <p:nvSpPr>
+          <p:cNvPr id="2" name="Title 1"/>
+          <p:cNvSpPr>
+            <a:spLocks noGrp="1"/>
+          </p:cNvSpPr>
+          <p:nvPr>
+            <p:ph type="title"/>
+          </p:nvPr>
+        </p:nvSpPr>
+        <p:spPr>
+          <a:xfrm>
             <a:off x="457200" y="62958"/>
             <a:ext cx="8229600" cy="1143000"/>
           </a:xfrm>
@@ -3751,7 +3825,7 @@
 </p:sld>
 </file>
 
-<file path=ppt/slides/slide11.xml><?xml version="1.0" encoding="utf-8"?>
+<file path=ppt/slides/slide12.xml><?xml version="1.0" encoding="utf-8"?>
 <p:sld xmlns:a="http://schemas.openxmlformats.org/drawingml/2006/main" xmlns:r="http://schemas.openxmlformats.org/officeDocument/2006/relationships" xmlns:p="http://schemas.openxmlformats.org/presentationml/2006/main">
   <p:cSld>
     <p:spTree>
@@ -3822,11 +3896,7 @@
           <a:p>
             <a:r>
               <a:rPr lang="en-US" dirty="0" smtClean="0"/>
-              <a:t>Data </a:t>
-            </a:r>
-            <a:r>
-              <a:rPr lang="en-US" dirty="0" smtClean="0"/>
-              <a:t>analysis</a:t>
+              <a:t>Data analysis</a:t>
             </a:r>
             <a:br>
               <a:rPr lang="en-US" dirty="0" smtClean="0"/>
@@ -4301,7 +4371,7 @@
 </p:sld>
 </file>
 
-<file path=ppt/slides/slide12.xml><?xml version="1.0" encoding="utf-8"?>
+<file path=ppt/slides/slide13.xml><?xml version="1.0" encoding="utf-8"?>
 <p:sld xmlns:a="http://schemas.openxmlformats.org/drawingml/2006/main" xmlns:r="http://schemas.openxmlformats.org/officeDocument/2006/relationships" xmlns:p="http://schemas.openxmlformats.org/presentationml/2006/main">
   <p:cSld>
     <p:spTree>
@@ -4855,7 +4925,7 @@
           <a:graphicData uri="http://schemas.openxmlformats.org/presentationml/2006/ole">
             <mc:AlternateContent xmlns:mc="http://schemas.openxmlformats.org/markup-compatibility/2006">
               <mc:Choice xmlns:v="urn:schemas-microsoft-com:vml" Requires="v">
-                <p:oleObj spid="_x0000_s4141" name="Equation" r:id="rId3" imgW="520700" imgH="228600" progId="Equation.3">
+                <p:oleObj spid="_x0000_s4143" name="Equation" r:id="rId3" imgW="520700" imgH="228600" progId="Equation.3">
                   <p:embed/>
                 </p:oleObj>
               </mc:Choice>
@@ -5056,7 +5126,7 @@
 </p:sld>
 </file>
 
-<file path=ppt/slides/slide13.xml><?xml version="1.0" encoding="utf-8"?>
+<file path=ppt/slides/slide14.xml><?xml version="1.0" encoding="utf-8"?>
 <p:sld xmlns:a="http://schemas.openxmlformats.org/drawingml/2006/main" xmlns:r="http://schemas.openxmlformats.org/officeDocument/2006/relationships" xmlns:p="http://schemas.openxmlformats.org/presentationml/2006/main">
   <p:cSld>
     <p:spTree>
@@ -5367,7 +5437,7 @@
 </p:sld>
 </file>
 
-<file path=ppt/slides/slide14.xml><?xml version="1.0" encoding="utf-8"?>
+<file path=ppt/slides/slide15.xml><?xml version="1.0" encoding="utf-8"?>
 <p:sld xmlns:a="http://schemas.openxmlformats.org/drawingml/2006/main" xmlns:r="http://schemas.openxmlformats.org/officeDocument/2006/relationships" xmlns:p="http://schemas.openxmlformats.org/presentationml/2006/main">
   <p:cSld>
     <p:spTree>
@@ -5704,39 +5774,7 @@
                   <a:srgbClr val="0000FF"/>
                 </a:solidFill>
               </a:rPr>
-              <a:t>Optional tutorial: </a:t>
-            </a:r>
-            <a:r>
-              <a:rPr lang="en-US" sz="2000" dirty="0" smtClean="0">
-                <a:solidFill>
-                  <a:srgbClr val="0000FF"/>
-                </a:solidFill>
-              </a:rPr>
-              <a:t>Friday 5pm </a:t>
-            </a:r>
-            <a:r>
-              <a:rPr lang="en-US" sz="2000" dirty="0" smtClean="0">
-                <a:solidFill>
-                  <a:srgbClr val="0000FF"/>
-                </a:solidFill>
-              </a:rPr>
-              <a:t>32</a:t>
-            </a:r>
-            <a:r>
-              <a:rPr lang="en-US" sz="2000" dirty="0" smtClean="0">
-                <a:solidFill>
-                  <a:srgbClr val="0000FF"/>
-                </a:solidFill>
-              </a:rPr>
-              <a:t>-</a:t>
-            </a:r>
-            <a:r>
-              <a:rPr lang="en-US" sz="2000" dirty="0" smtClean="0">
-                <a:solidFill>
-                  <a:srgbClr val="0000FF"/>
-                </a:solidFill>
-              </a:rPr>
-              <a:t>141</a:t>
+              <a:t>Optional tutorial: Friday 5pm 32-141</a:t>
             </a:r>
             <a:endParaRPr lang="en-US" sz="2000" dirty="0">
               <a:solidFill>
@@ -5906,7 +5944,7 @@
           <a:p>
             <a:r>
               <a:rPr lang="en-US" dirty="0" smtClean="0"/>
-              <a:t>Administrative Details</a:t>
+              <a:t>The text</a:t>
             </a:r>
             <a:endParaRPr lang="en-US" dirty="0"/>
           </a:p>
@@ -5920,8 +5958,8 @@
         </p:nvSpPr>
         <p:spPr>
           <a:xfrm>
-            <a:off x="312444" y="1653077"/>
-            <a:ext cx="8340745" cy="4401205"/>
+            <a:off x="764856" y="5469083"/>
+            <a:ext cx="6464388" cy="923330"/>
           </a:xfrm>
           <a:prstGeom prst="rect">
             <a:avLst/>
@@ -5929,317 +5967,86 @@
           <a:noFill/>
         </p:spPr>
         <p:txBody>
-          <a:bodyPr wrap="none" rtlCol="0">
+          <a:bodyPr wrap="square" rtlCol="0">
             <a:spAutoFit/>
           </a:bodyPr>
           <a:lstStyle/>
           <a:p>
             <a:r>
-              <a:rPr lang="en-US" sz="2000" dirty="0" smtClean="0"/>
-              <a:t>Lectures MWF11, </a:t>
-            </a:r>
-            <a:r>
-              <a:rPr lang="en-US" sz="2000" dirty="0" smtClean="0"/>
-              <a:t>10-250</a:t>
-            </a:r>
-          </a:p>
-          <a:p>
-            <a:r>
-              <a:rPr lang="en-US" sz="2000" dirty="0" smtClean="0"/>
-              <a:t>Tuesday </a:t>
-            </a:r>
-            <a:r>
-              <a:rPr lang="en-US" sz="2000" dirty="0" smtClean="0"/>
-              <a:t>recitations — use Stellar to switch sections</a:t>
-            </a:r>
-          </a:p>
-          <a:p>
-            <a:endParaRPr lang="en-US" sz="2000" dirty="0" smtClean="0"/>
-          </a:p>
-          <a:p>
-            <a:r>
-              <a:rPr lang="en-US" sz="2000" dirty="0" smtClean="0"/>
-              <a:t>Weekly </a:t>
-            </a:r>
-            <a:r>
-              <a:rPr lang="en-US" sz="2000" dirty="0" err="1" smtClean="0">
-                <a:solidFill>
-                  <a:srgbClr val="FF0000"/>
-                </a:solidFill>
-              </a:rPr>
-              <a:t>psets</a:t>
-            </a:r>
-            <a:r>
-              <a:rPr lang="en-US" sz="2000" dirty="0" smtClean="0">
-                <a:solidFill>
-                  <a:srgbClr val="FF0000"/>
-                </a:solidFill>
-              </a:rPr>
-              <a:t>, due Wednesday </a:t>
-            </a:r>
-            <a:r>
-              <a:rPr lang="en-US" sz="2000" dirty="0" smtClean="0">
-                <a:solidFill>
-                  <a:srgbClr val="FF0000"/>
-                </a:solidFill>
-              </a:rPr>
-              <a:t>10:55am. Electronic submission through Stellar</a:t>
-            </a:r>
-          </a:p>
-          <a:p>
-            <a:r>
-              <a:rPr lang="en-US" sz="2000" dirty="0"/>
-              <a:t>	</a:t>
-            </a:r>
-            <a:r>
-              <a:rPr lang="en-US" sz="2000" dirty="0" smtClean="0"/>
-              <a:t>— no extensions or makeup, but lowest </a:t>
-            </a:r>
-            <a:r>
-              <a:rPr lang="en-US" sz="2000" dirty="0" err="1" smtClean="0"/>
-              <a:t>pset</a:t>
-            </a:r>
-            <a:r>
-              <a:rPr lang="en-US" sz="2000" dirty="0" smtClean="0"/>
-              <a:t> score will be dropped</a:t>
-            </a:r>
-          </a:p>
-          <a:p>
-            <a:r>
-              <a:rPr lang="en-US" sz="2000" dirty="0"/>
-              <a:t>	</a:t>
-            </a:r>
-            <a:r>
-              <a:rPr lang="en-US" sz="2000" dirty="0" smtClean="0"/>
-              <a:t>— </a:t>
-            </a:r>
-            <a:r>
-              <a:rPr lang="en-US" sz="2000" dirty="0" err="1" smtClean="0">
-                <a:solidFill>
-                  <a:srgbClr val="FF0000"/>
-                </a:solidFill>
-              </a:rPr>
-              <a:t>pset</a:t>
-            </a:r>
-            <a:r>
-              <a:rPr lang="en-US" sz="2000" dirty="0" smtClean="0">
-                <a:solidFill>
-                  <a:srgbClr val="FF0000"/>
-                </a:solidFill>
-              </a:rPr>
-              <a:t> 1 to be posted shortly</a:t>
-            </a:r>
-          </a:p>
-          <a:p>
-            <a:endParaRPr lang="en-US" sz="2000" dirty="0"/>
-          </a:p>
-          <a:p>
-            <a:r>
-              <a:rPr lang="en-US" sz="2000" dirty="0" smtClean="0"/>
-              <a:t>Grading: </a:t>
-            </a:r>
-            <a:r>
-              <a:rPr lang="en-US" sz="2000" dirty="0" smtClean="0">
-                <a:solidFill>
-                  <a:srgbClr val="0000FF"/>
-                </a:solidFill>
-              </a:rPr>
-              <a:t>homework 15%</a:t>
-            </a:r>
-            <a:r>
-              <a:rPr lang="en-US" sz="2000" dirty="0" smtClean="0"/>
-              <a:t>, </a:t>
-            </a:r>
-            <a:r>
-              <a:rPr lang="en-US" sz="2000" dirty="0" smtClean="0">
-                <a:solidFill>
-                  <a:srgbClr val="0000FF"/>
-                </a:solidFill>
-              </a:rPr>
-              <a:t>3 exams 45% </a:t>
-            </a:r>
-            <a:r>
-              <a:rPr lang="en-US" sz="2000" dirty="0" smtClean="0"/>
-              <a:t>(3/2, 4/6, </a:t>
-            </a:r>
-            <a:r>
-              <a:rPr lang="en-US" sz="2000" dirty="0" smtClean="0"/>
-              <a:t>&amp; </a:t>
-            </a:r>
-            <a:r>
-              <a:rPr lang="en-US" sz="2000" dirty="0"/>
-              <a:t>5</a:t>
-            </a:r>
-            <a:r>
-              <a:rPr lang="en-US" sz="2000" dirty="0" smtClean="0"/>
-              <a:t>/4 </a:t>
-            </a:r>
-            <a:r>
-              <a:rPr lang="en-US" sz="2000" dirty="0" smtClean="0"/>
-              <a:t>in 50-340),</a:t>
-            </a:r>
-          </a:p>
-          <a:p>
-            <a:r>
-              <a:rPr lang="en-US" sz="2000" dirty="0">
-                <a:solidFill>
-                  <a:srgbClr val="0000FF"/>
-                </a:solidFill>
-              </a:rPr>
+              <a:rPr lang="en-US" dirty="0"/>
+              <a:t> For an autographed copy of the textbook, you could see</a:t>
+            </a:r>
+          </a:p>
+          <a:p>
+            <a:r>
+              <a:rPr lang="en-US" dirty="0"/>
+              <a:t>Professor </a:t>
+            </a:r>
+            <a:r>
+              <a:rPr lang="en-US" dirty="0" err="1"/>
+              <a:t>Strang</a:t>
+            </a:r>
+            <a:r>
+              <a:rPr lang="en-US" dirty="0"/>
+              <a:t> in 2-245  </a:t>
+            </a:r>
+            <a:r>
+              <a:rPr lang="en-US" dirty="0" smtClean="0"/>
               <a:t> </a:t>
             </a:r>
             <a:r>
-              <a:rPr lang="en-US" sz="2000" dirty="0" smtClean="0">
-                <a:solidFill>
-                  <a:srgbClr val="0000FF"/>
-                </a:solidFill>
-              </a:rPr>
-              <a:t>                &amp; final exam 40%</a:t>
-            </a:r>
-          </a:p>
-          <a:p>
-            <a:endParaRPr lang="en-US" sz="2000" dirty="0">
-              <a:solidFill>
-                <a:srgbClr val="0000FF"/>
-              </a:solidFill>
-            </a:endParaRPr>
-          </a:p>
-          <a:p>
-            <a:r>
-              <a:rPr lang="en-US" sz="2000" dirty="0" smtClean="0">
-                <a:solidFill>
-                  <a:srgbClr val="000000"/>
-                </a:solidFill>
-              </a:rPr>
-              <a:t>Collaboration policy</a:t>
-            </a:r>
-            <a:r>
-              <a:rPr lang="en-US" sz="2000" dirty="0" smtClean="0">
-                <a:solidFill>
-                  <a:srgbClr val="0000FF"/>
-                </a:solidFill>
-              </a:rPr>
-              <a:t>: talk to anyone </a:t>
-            </a:r>
-            <a:r>
-              <a:rPr lang="en-US" sz="2000" dirty="0" smtClean="0">
-                <a:solidFill>
-                  <a:srgbClr val="000000"/>
-                </a:solidFill>
-              </a:rPr>
-              <a:t>you want, </a:t>
-            </a:r>
-            <a:r>
-              <a:rPr lang="en-US" sz="2000" dirty="0" smtClean="0">
-                <a:solidFill>
-                  <a:srgbClr val="0000FF"/>
-                </a:solidFill>
-              </a:rPr>
-              <a:t>read anything </a:t>
-            </a:r>
-            <a:r>
-              <a:rPr lang="en-US" sz="2000" dirty="0" smtClean="0">
-                <a:solidFill>
-                  <a:srgbClr val="000000"/>
-                </a:solidFill>
-              </a:rPr>
-              <a:t>you want, but:</a:t>
-            </a:r>
-          </a:p>
-          <a:p>
-            <a:r>
-              <a:rPr lang="en-US" sz="2000" dirty="0">
-                <a:solidFill>
-                  <a:srgbClr val="000000"/>
-                </a:solidFill>
-              </a:rPr>
-              <a:t>	</a:t>
-            </a:r>
-            <a:r>
-              <a:rPr lang="en-US" sz="2000" dirty="0" smtClean="0">
-                <a:solidFill>
-                  <a:srgbClr val="000000"/>
-                </a:solidFill>
-              </a:rPr>
-              <a:t>• Make an effort on a problem before collaborating.</a:t>
-            </a:r>
-          </a:p>
-          <a:p>
-            <a:r>
-              <a:rPr lang="en-US" sz="2000" dirty="0">
-                <a:solidFill>
-                  <a:srgbClr val="000000"/>
-                </a:solidFill>
-              </a:rPr>
-              <a:t>	</a:t>
-            </a:r>
-            <a:r>
-              <a:rPr lang="en-US" sz="2000" dirty="0" smtClean="0">
-                <a:solidFill>
-                  <a:srgbClr val="000000"/>
-                </a:solidFill>
-              </a:rPr>
-              <a:t>• </a:t>
-            </a:r>
-            <a:r>
-              <a:rPr lang="en-US" sz="2000" dirty="0" smtClean="0">
-                <a:solidFill>
-                  <a:srgbClr val="0000FF"/>
-                </a:solidFill>
-              </a:rPr>
-              <a:t>Write up your solutions independently </a:t>
-            </a:r>
-            <a:r>
-              <a:rPr lang="en-US" sz="2000" dirty="0" smtClean="0">
-                <a:solidFill>
-                  <a:srgbClr val="000000"/>
-                </a:solidFill>
-              </a:rPr>
-              <a:t>(from “blank sheet of paper”).</a:t>
-            </a:r>
-          </a:p>
-          <a:p>
-            <a:r>
-              <a:rPr lang="en-US" sz="2000" dirty="0">
-                <a:solidFill>
-                  <a:srgbClr val="000000"/>
-                </a:solidFill>
-              </a:rPr>
-              <a:t>	</a:t>
-            </a:r>
-            <a:r>
-              <a:rPr lang="en-US" sz="2000" dirty="0" smtClean="0">
-                <a:solidFill>
-                  <a:srgbClr val="000000"/>
-                </a:solidFill>
-              </a:rPr>
-              <a:t>• List your collaborators and external sources (not course materials).</a:t>
-            </a:r>
-            <a:endParaRPr lang="en-US" sz="2000" dirty="0">
-              <a:solidFill>
-                <a:srgbClr val="000000"/>
-              </a:solidFill>
-            </a:endParaRPr>
-          </a:p>
-        </p:txBody>
-      </p:sp>
+              <a:rPr lang="en-US" dirty="0"/>
+              <a:t>(teaching MWF 1-2).  In his</a:t>
+            </a:r>
+          </a:p>
+          <a:p>
+            <a:r>
+              <a:rPr lang="en-US" dirty="0"/>
+              <a:t>office payment is by cash or check.</a:t>
+            </a:r>
+          </a:p>
+        </p:txBody>
+      </p:sp>
+      <p:pic>
+        <p:nvPicPr>
+          <p:cNvPr id="4" name="Picture 3" descr="cookie-strang-book.jpg"/>
+          <p:cNvPicPr>
+            <a:picLocks noChangeAspect="1"/>
+          </p:cNvPicPr>
+          <p:nvPr/>
+        </p:nvPicPr>
+        <p:blipFill>
+          <a:blip r:embed="rId2">
+            <a:extLst>
+              <a:ext uri="{28A0092B-C50C-407E-A947-70E740481C1C}">
+                <a14:useLocalDpi xmlns:a14="http://schemas.microsoft.com/office/drawing/2010/main" val="0"/>
+              </a:ext>
+            </a:extLst>
+          </a:blip>
+          <a:stretch>
+            <a:fillRect/>
+          </a:stretch>
+        </p:blipFill>
+        <p:spPr>
+          <a:xfrm>
+            <a:off x="327319" y="635395"/>
+            <a:ext cx="2981937" cy="3971940"/>
+          </a:xfrm>
+          <a:prstGeom prst="rect">
+            <a:avLst/>
+          </a:prstGeom>
+        </p:spPr>
+      </p:pic>
     </p:spTree>
     <p:extLst>
       <p:ext uri="{BB962C8B-B14F-4D97-AF65-F5344CB8AC3E}">
-        <p14:creationId xmlns:p14="http://schemas.microsoft.com/office/powerpoint/2010/main" val="3913117875"/>
+        <p14:creationId xmlns:p14="http://schemas.microsoft.com/office/powerpoint/2010/main" val="1558284792"/>
       </p:ext>
     </p:extLst>
   </p:cSld>
   <p:clrMapOvr>
     <a:masterClrMapping/>
   </p:clrMapOvr>
-  <p:timing>
-    <p:tnLst>
-      <p:par>
-        <p:cTn xmlns:p14="http://schemas.microsoft.com/office/powerpoint/2010/main" id="1" dur="indefinite" restart="never" nodeType="tmRoot"/>
-      </p:par>
-    </p:tnLst>
-  </p:timing>
 </p:sld>
 </file>
 
@@ -6277,7 +6084,7 @@
           <a:p>
             <a:r>
               <a:rPr lang="en-US" dirty="0" smtClean="0"/>
-              <a:t>Syllabus and Calendar</a:t>
+              <a:t>Administrative Details</a:t>
             </a:r>
             <a:endParaRPr lang="en-US" dirty="0"/>
           </a:p>
@@ -6285,248 +6092,295 @@
       </p:sp>
       <p:sp>
         <p:nvSpPr>
-          <p:cNvPr id="3" name="Content Placeholder 2"/>
-          <p:cNvSpPr>
-            <a:spLocks noGrp="1"/>
-          </p:cNvSpPr>
-          <p:nvPr>
-            <p:ph idx="1"/>
-          </p:nvPr>
-        </p:nvSpPr>
-        <p:spPr/>
-        <p:txBody>
-          <a:bodyPr>
-            <a:normAutofit fontScale="55000" lnSpcReduction="20000"/>
+          <p:cNvPr id="3" name="TextBox 2"/>
+          <p:cNvSpPr txBox="1"/>
+          <p:nvPr/>
+        </p:nvSpPr>
+        <p:spPr>
+          <a:xfrm>
+            <a:off x="312444" y="1653077"/>
+            <a:ext cx="8340745" cy="4401205"/>
+          </a:xfrm>
+          <a:prstGeom prst="rect">
+            <a:avLst/>
+          </a:prstGeom>
+          <a:noFill/>
+        </p:spPr>
+        <p:txBody>
+          <a:bodyPr wrap="none" rtlCol="0">
+            <a:spAutoFit/>
           </a:bodyPr>
           <a:lstStyle/>
           <a:p>
-            <a:pPr>
-              <a:lnSpc>
-                <a:spcPct val="130000"/>
-              </a:lnSpc>
-            </a:pPr>
-            <a:r>
-              <a:rPr lang="en-US" dirty="0" smtClean="0"/>
-              <a:t>Significant overlap with </a:t>
-            </a:r>
-            <a:r>
-              <a:rPr lang="en-US" dirty="0" err="1" smtClean="0"/>
-              <a:t>Strang’s</a:t>
-            </a:r>
-            <a:r>
-              <a:rPr lang="en-US" dirty="0" smtClean="0"/>
-              <a:t> OCW video lectures: these are a </a:t>
-            </a:r>
-            <a:r>
-              <a:rPr lang="en-US" dirty="0" smtClean="0">
+            <a:r>
+              <a:rPr lang="en-US" sz="2000" dirty="0" smtClean="0"/>
+              <a:t>Lectures MWF11, 10-250</a:t>
+            </a:r>
+          </a:p>
+          <a:p>
+            <a:r>
+              <a:rPr lang="en-US" sz="2000" dirty="0" smtClean="0"/>
+              <a:t>Tuesday recitations — use Stellar to switch sections</a:t>
+            </a:r>
+          </a:p>
+          <a:p>
+            <a:endParaRPr lang="en-US" sz="2000" dirty="0" smtClean="0"/>
+          </a:p>
+          <a:p>
+            <a:r>
+              <a:rPr lang="en-US" sz="2000" dirty="0" smtClean="0"/>
+              <a:t>Weekly </a:t>
+            </a:r>
+            <a:r>
+              <a:rPr lang="en-US" sz="2000" dirty="0" err="1" smtClean="0">
                 <a:solidFill>
                   <a:srgbClr val="FF0000"/>
                 </a:solidFill>
               </a:rPr>
-              <a:t>useful supplement </a:t>
-            </a:r>
-            <a:r>
-              <a:rPr lang="en-US" dirty="0" smtClean="0"/>
-              <a:t>but </a:t>
-            </a:r>
-            <a:r>
-              <a:rPr lang="en-US" dirty="0" smtClean="0">
+              <a:t>psets</a:t>
+            </a:r>
+            <a:r>
+              <a:rPr lang="en-US" sz="2000" dirty="0" smtClean="0">
                 <a:solidFill>
                   <a:srgbClr val="FF0000"/>
                 </a:solidFill>
               </a:rPr>
-              <a:t>not a replacement </a:t>
-            </a:r>
-            <a:r>
-              <a:rPr lang="en-US" dirty="0" smtClean="0"/>
-              <a:t>for attending lecture. Likely topics:</a:t>
-            </a:r>
-          </a:p>
-          <a:p>
-            <a:pPr>
-              <a:lnSpc>
-                <a:spcPct val="130000"/>
-              </a:lnSpc>
-            </a:pPr>
-            <a:r>
-              <a:rPr lang="en-US" dirty="0" smtClean="0">
+              <a:t>, due Wednesday 10:55am. Electronic submission through Stellar</a:t>
+            </a:r>
+          </a:p>
+          <a:p>
+            <a:r>
+              <a:rPr lang="en-US" sz="2000" dirty="0"/>
+              <a:t>	</a:t>
+            </a:r>
+            <a:r>
+              <a:rPr lang="en-US" sz="2000" dirty="0" smtClean="0"/>
+              <a:t>— no extensions or makeup, but lowest </a:t>
+            </a:r>
+            <a:r>
+              <a:rPr lang="en-US" sz="2000" dirty="0" err="1" smtClean="0"/>
+              <a:t>pset</a:t>
+            </a:r>
+            <a:r>
+              <a:rPr lang="en-US" sz="2000" dirty="0" smtClean="0"/>
+              <a:t> score will be dropped</a:t>
+            </a:r>
+          </a:p>
+          <a:p>
+            <a:r>
+              <a:rPr lang="en-US" sz="2000" dirty="0"/>
+              <a:t>	</a:t>
+            </a:r>
+            <a:r>
+              <a:rPr lang="en-US" sz="2000" dirty="0" smtClean="0"/>
+              <a:t>— </a:t>
+            </a:r>
+            <a:r>
+              <a:rPr lang="en-US" sz="2000" dirty="0" err="1" smtClean="0">
+                <a:solidFill>
+                  <a:srgbClr val="FF0000"/>
+                </a:solidFill>
+              </a:rPr>
+              <a:t>pset</a:t>
+            </a:r>
+            <a:r>
+              <a:rPr lang="en-US" sz="2000" dirty="0" smtClean="0">
+                <a:solidFill>
+                  <a:srgbClr val="FF0000"/>
+                </a:solidFill>
+              </a:rPr>
+              <a:t> 1 to be posted shortly</a:t>
+            </a:r>
+          </a:p>
+          <a:p>
+            <a:endParaRPr lang="en-US" sz="2000" dirty="0"/>
+          </a:p>
+          <a:p>
+            <a:r>
+              <a:rPr lang="en-US" sz="2000" dirty="0" smtClean="0"/>
+              <a:t>Grading: </a:t>
+            </a:r>
+            <a:r>
+              <a:rPr lang="en-US" sz="2000" dirty="0" smtClean="0">
                 <a:solidFill>
                   <a:srgbClr val="0000FF"/>
                 </a:solidFill>
               </a:rPr>
-              <a:t>Exam 1: Monday </a:t>
-            </a:r>
-            <a:r>
-              <a:rPr lang="en-US" dirty="0" smtClean="0">
+              <a:t>homework 15%</a:t>
+            </a:r>
+            <a:r>
+              <a:rPr lang="en-US" sz="2000" dirty="0" smtClean="0"/>
+              <a:t>, </a:t>
+            </a:r>
+            <a:r>
+              <a:rPr lang="en-US" sz="2000" dirty="0" smtClean="0">
                 <a:solidFill>
                   <a:srgbClr val="0000FF"/>
                 </a:solidFill>
               </a:rPr>
-              <a:t>3/2. </a:t>
-            </a:r>
-            <a:r>
-              <a:rPr lang="en-US" dirty="0" smtClean="0"/>
-              <a:t>Elimination, LU factorization, </a:t>
-            </a:r>
-            <a:r>
-              <a:rPr lang="en-US" dirty="0" err="1" smtClean="0"/>
-              <a:t>nullspaces</a:t>
-            </a:r>
-            <a:r>
-              <a:rPr lang="en-US" dirty="0"/>
+              <a:t>3 exams 45% </a:t>
+            </a:r>
+            <a:r>
+              <a:rPr lang="en-US" sz="2000" dirty="0" smtClean="0"/>
+              <a:t>(3/2, 4/6, &amp; </a:t>
+            </a:r>
+            <a:r>
+              <a:rPr lang="en-US" sz="2000" dirty="0"/>
+              <a:t>5</a:t>
+            </a:r>
+            <a:r>
+              <a:rPr lang="en-US" sz="2000" dirty="0" smtClean="0"/>
+              <a:t>/4 in 50-340),</a:t>
+            </a:r>
+          </a:p>
+          <a:p>
+            <a:r>
+              <a:rPr lang="en-US" sz="2000" dirty="0">
+                <a:solidFill>
+                  <a:srgbClr val="0000FF"/>
+                </a:solidFill>
+              </a:rPr>
               <a:t> </a:t>
             </a:r>
             <a:r>
-              <a:rPr lang="en-US" dirty="0" smtClean="0"/>
-              <a:t>and other subspaces, bases and dimensions, vector spaces, complexity. (Book: 1–3.5, 11.1)</a:t>
-            </a:r>
-          </a:p>
-          <a:p>
-            <a:pPr>
-              <a:lnSpc>
-                <a:spcPct val="130000"/>
-              </a:lnSpc>
-            </a:pPr>
-            <a:r>
-              <a:rPr lang="en-US" dirty="0" smtClean="0">
+              <a:rPr lang="en-US" sz="2000" dirty="0" smtClean="0">
                 <a:solidFill>
                   <a:srgbClr val="0000FF"/>
                 </a:solidFill>
               </a:rPr>
-              <a:t>Exam 2: Monday </a:t>
-            </a:r>
-            <a:r>
-              <a:rPr lang="en-US" dirty="0">
+              <a:t>                &amp; final exam 40%</a:t>
+            </a:r>
+          </a:p>
+          <a:p>
+            <a:endParaRPr lang="en-US" sz="2000" dirty="0">
+              <a:solidFill>
+                <a:srgbClr val="0000FF"/>
+              </a:solidFill>
+            </a:endParaRPr>
+          </a:p>
+          <a:p>
+            <a:r>
+              <a:rPr lang="en-US" sz="2000" dirty="0" smtClean="0">
+                <a:solidFill>
+                  <a:srgbClr val="000000"/>
+                </a:solidFill>
+              </a:rPr>
+              <a:t>Collaboration policy</a:t>
+            </a:r>
+            <a:r>
+              <a:rPr lang="en-US" sz="2000" dirty="0" smtClean="0">
                 <a:solidFill>
                   <a:srgbClr val="0000FF"/>
                 </a:solidFill>
               </a:rPr>
-              <a:t>4</a:t>
-            </a:r>
-            <a:r>
-              <a:rPr lang="en-US" dirty="0" smtClean="0">
+              <a:t>: talk to anyone </a:t>
+            </a:r>
+            <a:r>
+              <a:rPr lang="en-US" sz="2000" dirty="0" smtClean="0">
+                <a:solidFill>
+                  <a:srgbClr val="000000"/>
+                </a:solidFill>
+              </a:rPr>
+              <a:t>you want, </a:t>
+            </a:r>
+            <a:r>
+              <a:rPr lang="en-US" sz="2000" dirty="0" smtClean="0">
                 <a:solidFill>
                   <a:srgbClr val="0000FF"/>
                 </a:solidFill>
               </a:rPr>
-              <a:t>/6. </a:t>
-            </a:r>
-            <a:r>
-              <a:rPr lang="en-US" dirty="0" err="1" smtClean="0"/>
-              <a:t>Orthogonality</a:t>
-            </a:r>
-            <a:r>
-              <a:rPr lang="en-US" dirty="0" smtClean="0"/>
-              <a:t>, projections, least-squares, QR, Gram–Schmidt, orthogonal functions</a:t>
-            </a:r>
-            <a:r>
-              <a:rPr lang="en-US" dirty="0"/>
-              <a:t> </a:t>
-            </a:r>
-            <a:r>
-              <a:rPr lang="en-US" dirty="0" smtClean="0"/>
-              <a:t>(Book: 1–4, 10.5).</a:t>
-            </a:r>
-          </a:p>
-          <a:p>
-            <a:pPr>
-              <a:lnSpc>
-                <a:spcPct val="130000"/>
-              </a:lnSpc>
-            </a:pPr>
-            <a:r>
-              <a:rPr lang="en-US" dirty="0" smtClean="0">
+              <a:t>read anything </a:t>
+            </a:r>
+            <a:r>
+              <a:rPr lang="en-US" sz="2000" dirty="0" smtClean="0">
+                <a:solidFill>
+                  <a:srgbClr val="000000"/>
+                </a:solidFill>
+              </a:rPr>
+              <a:t>you want, but:</a:t>
+            </a:r>
+          </a:p>
+          <a:p>
+            <a:r>
+              <a:rPr lang="en-US" sz="2000" dirty="0">
+                <a:solidFill>
+                  <a:srgbClr val="000000"/>
+                </a:solidFill>
+              </a:rPr>
+              <a:t>	</a:t>
+            </a:r>
+            <a:r>
+              <a:rPr lang="en-US" sz="2000" dirty="0" smtClean="0">
+                <a:solidFill>
+                  <a:srgbClr val="000000"/>
+                </a:solidFill>
+              </a:rPr>
+              <a:t>• Make an effort on a problem before collaborating.</a:t>
+            </a:r>
+          </a:p>
+          <a:p>
+            <a:r>
+              <a:rPr lang="en-US" sz="2000" dirty="0">
+                <a:solidFill>
+                  <a:srgbClr val="000000"/>
+                </a:solidFill>
+              </a:rPr>
+              <a:t>	</a:t>
+            </a:r>
+            <a:r>
+              <a:rPr lang="en-US" sz="2000" dirty="0" smtClean="0">
+                <a:solidFill>
+                  <a:srgbClr val="000000"/>
+                </a:solidFill>
+              </a:rPr>
+              <a:t>• </a:t>
+            </a:r>
+            <a:r>
+              <a:rPr lang="en-US" sz="2000" dirty="0" smtClean="0">
                 <a:solidFill>
                   <a:srgbClr val="0000FF"/>
                 </a:solidFill>
               </a:rPr>
-              <a:t>Exam 3: Monday </a:t>
-            </a:r>
-            <a:r>
-              <a:rPr lang="en-US" dirty="0">
-                <a:solidFill>
-                  <a:srgbClr val="0000FF"/>
-                </a:solidFill>
-              </a:rPr>
-              <a:t>5</a:t>
-            </a:r>
-            <a:r>
-              <a:rPr lang="en-US" dirty="0" smtClean="0">
-                <a:solidFill>
-                  <a:srgbClr val="0000FF"/>
-                </a:solidFill>
-              </a:rPr>
-              <a:t>/4.</a:t>
-            </a:r>
-            <a:r>
-              <a:rPr lang="en-US" dirty="0" smtClean="0"/>
-              <a:t> </a:t>
-            </a:r>
-            <a:r>
-              <a:rPr lang="en-US" dirty="0" smtClean="0"/>
-              <a:t>Eigenvectors, determinants, similar </a:t>
-            </a:r>
-            <a:r>
-              <a:rPr lang="en-US" dirty="0" err="1" smtClean="0"/>
-              <a:t>matices</a:t>
-            </a:r>
-            <a:r>
-              <a:rPr lang="en-US" dirty="0" smtClean="0"/>
-              <a:t>, Markov matrices, ODEs, symmetric matrices, definite matrices, matrices from graphs and engineering. (Book: 1–7, 10.1–3.)</a:t>
-            </a:r>
-          </a:p>
-          <a:p>
-            <a:pPr>
-              <a:lnSpc>
-                <a:spcPct val="130000"/>
-              </a:lnSpc>
-            </a:pPr>
-            <a:r>
-              <a:rPr lang="en-US" dirty="0" smtClean="0">
-                <a:solidFill>
-                  <a:srgbClr val="0000FF"/>
-                </a:solidFill>
-              </a:rPr>
-              <a:t>Other topics: </a:t>
-            </a:r>
-            <a:r>
-              <a:rPr lang="en-US" dirty="0" smtClean="0"/>
-              <a:t>defective matrices, SVD and principal-components analysis, sparse matrices and iterative methods, complex matrices, symmetric linear operators on functions.</a:t>
-            </a:r>
-          </a:p>
-          <a:p>
-            <a:pPr>
-              <a:lnSpc>
-                <a:spcPct val="130000"/>
-              </a:lnSpc>
-            </a:pPr>
-            <a:r>
-              <a:rPr lang="en-US" dirty="0" smtClean="0">
-                <a:solidFill>
-                  <a:srgbClr val="0000FF"/>
-                </a:solidFill>
-              </a:rPr>
-              <a:t>Final exam: </a:t>
-            </a:r>
-            <a:r>
-              <a:rPr lang="en-US" dirty="0" smtClean="0"/>
-              <a:t>all of the above.</a:t>
-            </a:r>
-          </a:p>
-          <a:p>
-            <a:pPr>
-              <a:lnSpc>
-                <a:spcPct val="130000"/>
-              </a:lnSpc>
-            </a:pPr>
-            <a:endParaRPr lang="en-US" dirty="0"/>
+              <a:t>Write up your solutions independently </a:t>
+            </a:r>
+            <a:r>
+              <a:rPr lang="en-US" sz="2000" dirty="0" smtClean="0">
+                <a:solidFill>
+                  <a:srgbClr val="000000"/>
+                </a:solidFill>
+              </a:rPr>
+              <a:t>(from “blank sheet of paper”).</a:t>
+            </a:r>
+          </a:p>
+          <a:p>
+            <a:r>
+              <a:rPr lang="en-US" sz="2000" dirty="0">
+                <a:solidFill>
+                  <a:srgbClr val="000000"/>
+                </a:solidFill>
+              </a:rPr>
+              <a:t>	</a:t>
+            </a:r>
+            <a:r>
+              <a:rPr lang="en-US" sz="2000" dirty="0" smtClean="0">
+                <a:solidFill>
+                  <a:srgbClr val="000000"/>
+                </a:solidFill>
+              </a:rPr>
+              <a:t>• List your collaborators and external sources (not course materials).</a:t>
+            </a:r>
+            <a:endParaRPr lang="en-US" sz="2000" dirty="0">
+              <a:solidFill>
+                <a:srgbClr val="000000"/>
+              </a:solidFill>
+            </a:endParaRPr>
           </a:p>
         </p:txBody>
       </p:sp>
     </p:spTree>
     <p:extLst>
       <p:ext uri="{BB962C8B-B14F-4D97-AF65-F5344CB8AC3E}">
-        <p14:creationId xmlns:p14="http://schemas.microsoft.com/office/powerpoint/2010/main" val="1385165426"/>
+        <p14:creationId xmlns:p14="http://schemas.microsoft.com/office/powerpoint/2010/main" val="3913117875"/>
       </p:ext>
     </p:extLst>
   </p:cSld>
@@ -6570,6 +6424,294 @@
             <p:ph type="title"/>
           </p:nvPr>
         </p:nvSpPr>
+        <p:spPr/>
+        <p:txBody>
+          <a:bodyPr/>
+          <a:lstStyle/>
+          <a:p>
+            <a:r>
+              <a:rPr lang="en-US" dirty="0" smtClean="0"/>
+              <a:t>Syllabus and Calendar</a:t>
+            </a:r>
+            <a:endParaRPr lang="en-US" dirty="0"/>
+          </a:p>
+        </p:txBody>
+      </p:sp>
+      <p:sp>
+        <p:nvSpPr>
+          <p:cNvPr id="3" name="Content Placeholder 2"/>
+          <p:cNvSpPr>
+            <a:spLocks noGrp="1"/>
+          </p:cNvSpPr>
+          <p:nvPr>
+            <p:ph idx="1"/>
+          </p:nvPr>
+        </p:nvSpPr>
+        <p:spPr/>
+        <p:txBody>
+          <a:bodyPr>
+            <a:normAutofit fontScale="55000" lnSpcReduction="20000"/>
+          </a:bodyPr>
+          <a:lstStyle/>
+          <a:p>
+            <a:pPr>
+              <a:lnSpc>
+                <a:spcPct val="130000"/>
+              </a:lnSpc>
+            </a:pPr>
+            <a:r>
+              <a:rPr lang="en-US" dirty="0" smtClean="0"/>
+              <a:t>Significant overlap with </a:t>
+            </a:r>
+            <a:r>
+              <a:rPr lang="en-US" dirty="0" err="1" smtClean="0"/>
+              <a:t>Strang’s</a:t>
+            </a:r>
+            <a:r>
+              <a:rPr lang="en-US" dirty="0" smtClean="0"/>
+              <a:t> OCW video lectures: these are a </a:t>
+            </a:r>
+            <a:r>
+              <a:rPr lang="en-US" dirty="0" smtClean="0">
+                <a:solidFill>
+                  <a:srgbClr val="FF0000"/>
+                </a:solidFill>
+              </a:rPr>
+              <a:t>useful supplement </a:t>
+            </a:r>
+            <a:r>
+              <a:rPr lang="en-US" dirty="0" smtClean="0"/>
+              <a:t>but </a:t>
+            </a:r>
+            <a:r>
+              <a:rPr lang="en-US" dirty="0" smtClean="0">
+                <a:solidFill>
+                  <a:srgbClr val="FF0000"/>
+                </a:solidFill>
+              </a:rPr>
+              <a:t>not a replacement </a:t>
+            </a:r>
+            <a:r>
+              <a:rPr lang="en-US" dirty="0" smtClean="0"/>
+              <a:t>for attending lecture. Likely topics:</a:t>
+            </a:r>
+          </a:p>
+          <a:p>
+            <a:pPr>
+              <a:lnSpc>
+                <a:spcPct val="130000"/>
+              </a:lnSpc>
+            </a:pPr>
+            <a:r>
+              <a:rPr lang="en-US" dirty="0" smtClean="0">
+                <a:solidFill>
+                  <a:srgbClr val="0000FF"/>
+                </a:solidFill>
+              </a:rPr>
+              <a:t>Exam 1: Monday 3/2. </a:t>
+            </a:r>
+            <a:r>
+              <a:rPr lang="en-US" dirty="0" smtClean="0"/>
+              <a:t>Elimination, LU factorization, </a:t>
+            </a:r>
+            <a:r>
+              <a:rPr lang="en-US" dirty="0" err="1" smtClean="0"/>
+              <a:t>nullspaces</a:t>
+            </a:r>
+            <a:r>
+              <a:rPr lang="en-US" dirty="0"/>
+              <a:t> </a:t>
+            </a:r>
+            <a:r>
+              <a:rPr lang="en-US" dirty="0" smtClean="0"/>
+              <a:t>and other subspaces, bases and dimensions, vector spaces, complexity. (Book: 1–3.5, 11.1)</a:t>
+            </a:r>
+          </a:p>
+          <a:p>
+            <a:pPr>
+              <a:lnSpc>
+                <a:spcPct val="130000"/>
+              </a:lnSpc>
+            </a:pPr>
+            <a:r>
+              <a:rPr lang="en-US" dirty="0" smtClean="0">
+                <a:solidFill>
+                  <a:srgbClr val="0000FF"/>
+                </a:solidFill>
+              </a:rPr>
+              <a:t>Exam 2: Monday </a:t>
+            </a:r>
+            <a:r>
+              <a:rPr lang="en-US" dirty="0">
+                <a:solidFill>
+                  <a:srgbClr val="0000FF"/>
+                </a:solidFill>
+              </a:rPr>
+              <a:t>4</a:t>
+            </a:r>
+            <a:r>
+              <a:rPr lang="en-US" dirty="0" smtClean="0">
+                <a:solidFill>
+                  <a:srgbClr val="0000FF"/>
+                </a:solidFill>
+              </a:rPr>
+              <a:t>/6. </a:t>
+            </a:r>
+            <a:r>
+              <a:rPr lang="en-US" dirty="0" err="1" smtClean="0"/>
+              <a:t>Orthogonality</a:t>
+            </a:r>
+            <a:r>
+              <a:rPr lang="en-US" dirty="0" smtClean="0"/>
+              <a:t>, projections, least-squares, QR, Gram–Schmidt, orthogonal functions</a:t>
+            </a:r>
+            <a:r>
+              <a:rPr lang="en-US" dirty="0"/>
+              <a:t> </a:t>
+            </a:r>
+            <a:r>
+              <a:rPr lang="en-US" dirty="0" smtClean="0"/>
+              <a:t>(Book: 1–4, 10.5).</a:t>
+            </a:r>
+          </a:p>
+          <a:p>
+            <a:pPr>
+              <a:lnSpc>
+                <a:spcPct val="130000"/>
+              </a:lnSpc>
+            </a:pPr>
+            <a:r>
+              <a:rPr lang="en-US" dirty="0" smtClean="0">
+                <a:solidFill>
+                  <a:srgbClr val="0000FF"/>
+                </a:solidFill>
+              </a:rPr>
+              <a:t>Exam 3: Monday </a:t>
+            </a:r>
+            <a:r>
+              <a:rPr lang="en-US" dirty="0">
+                <a:solidFill>
+                  <a:srgbClr val="0000FF"/>
+                </a:solidFill>
+              </a:rPr>
+              <a:t>5</a:t>
+            </a:r>
+            <a:r>
+              <a:rPr lang="en-US" dirty="0" smtClean="0">
+                <a:solidFill>
+                  <a:srgbClr val="0000FF"/>
+                </a:solidFill>
+              </a:rPr>
+              <a:t>/4.</a:t>
+            </a:r>
+            <a:r>
+              <a:rPr lang="en-US" dirty="0" smtClean="0"/>
+              <a:t> Eigenvectors, determinants, similar </a:t>
+            </a:r>
+            <a:r>
+              <a:rPr lang="en-US" dirty="0" err="1" smtClean="0"/>
+              <a:t>matices</a:t>
+            </a:r>
+            <a:r>
+              <a:rPr lang="en-US" dirty="0" smtClean="0"/>
+              <a:t>, Markov matrices, ODEs, symmetric matrices, definite matrices, matrices from graphs and engineering. (Book: 1–7, 10.1–3.)</a:t>
+            </a:r>
+          </a:p>
+          <a:p>
+            <a:pPr>
+              <a:lnSpc>
+                <a:spcPct val="130000"/>
+              </a:lnSpc>
+            </a:pPr>
+            <a:r>
+              <a:rPr lang="en-US" dirty="0" smtClean="0">
+                <a:solidFill>
+                  <a:srgbClr val="0000FF"/>
+                </a:solidFill>
+              </a:rPr>
+              <a:t>Other topics: </a:t>
+            </a:r>
+            <a:r>
+              <a:rPr lang="en-US" dirty="0" smtClean="0"/>
+              <a:t>defective matrices, SVD and principal-components analysis, sparse matrices and iterative methods, complex matrices, symmetric linear operators on functions.</a:t>
+            </a:r>
+          </a:p>
+          <a:p>
+            <a:pPr>
+              <a:lnSpc>
+                <a:spcPct val="130000"/>
+              </a:lnSpc>
+            </a:pPr>
+            <a:r>
+              <a:rPr lang="en-US" dirty="0" smtClean="0">
+                <a:solidFill>
+                  <a:srgbClr val="0000FF"/>
+                </a:solidFill>
+              </a:rPr>
+              <a:t>Final exam: </a:t>
+            </a:r>
+            <a:r>
+              <a:rPr lang="en-US" dirty="0" smtClean="0"/>
+              <a:t>all of the above.</a:t>
+            </a:r>
+          </a:p>
+          <a:p>
+            <a:pPr>
+              <a:lnSpc>
+                <a:spcPct val="130000"/>
+              </a:lnSpc>
+            </a:pPr>
+            <a:endParaRPr lang="en-US" dirty="0"/>
+          </a:p>
+        </p:txBody>
+      </p:sp>
+    </p:spTree>
+    <p:extLst>
+      <p:ext uri="{BB962C8B-B14F-4D97-AF65-F5344CB8AC3E}">
+        <p14:creationId xmlns:p14="http://schemas.microsoft.com/office/powerpoint/2010/main" val="1385165426"/>
+      </p:ext>
+    </p:extLst>
+  </p:cSld>
+  <p:clrMapOvr>
+    <a:masterClrMapping/>
+  </p:clrMapOvr>
+  <p:timing>
+    <p:tnLst>
+      <p:par>
+        <p:cTn xmlns:p14="http://schemas.microsoft.com/office/powerpoint/2010/main" id="1" dur="indefinite" restart="never" nodeType="tmRoot"/>
+      </p:par>
+    </p:tnLst>
+  </p:timing>
+</p:sld>
+</file>
+
+<file path=ppt/slides/slide6.xml><?xml version="1.0" encoding="utf-8"?>
+<p:sld xmlns:a="http://schemas.openxmlformats.org/drawingml/2006/main" xmlns:r="http://schemas.openxmlformats.org/officeDocument/2006/relationships" xmlns:p="http://schemas.openxmlformats.org/presentationml/2006/main">
+  <p:cSld>
+    <p:spTree>
+      <p:nvGrpSpPr>
+        <p:cNvPr id="1" name=""/>
+        <p:cNvGrpSpPr/>
+        <p:nvPr/>
+      </p:nvGrpSpPr>
+      <p:grpSpPr>
+        <a:xfrm>
+          <a:off x="0" y="0"/>
+          <a:ext cx="0" cy="0"/>
+          <a:chOff x="0" y="0"/>
+          <a:chExt cx="0" cy="0"/>
+        </a:xfrm>
+      </p:grpSpPr>
+      <p:sp>
+        <p:nvSpPr>
+          <p:cNvPr id="2" name="Title 1"/>
+          <p:cNvSpPr>
+            <a:spLocks noGrp="1"/>
+          </p:cNvSpPr>
+          <p:nvPr>
+            <p:ph type="title"/>
+          </p:nvPr>
+        </p:nvSpPr>
         <p:spPr>
           <a:xfrm>
             <a:off x="457200" y="12558"/>
@@ -6610,7 +6752,7 @@
           <a:graphicData uri="http://schemas.openxmlformats.org/presentationml/2006/ole">
             <mc:AlternateContent xmlns:mc="http://schemas.openxmlformats.org/markup-compatibility/2006">
               <mc:Choice xmlns:v="urn:schemas-microsoft-com:vml" Requires="v">
-                <p:oleObj spid="_x0000_s1123" name="Equation" r:id="rId3" imgW="1282700" imgH="685800" progId="Equation.3">
+                <p:oleObj spid="_x0000_s1126" name="Equation" r:id="rId3" imgW="1282700" imgH="685800" progId="Equation.3">
                   <p:embed/>
                 </p:oleObj>
               </mc:Choice>
@@ -6858,7 +7000,7 @@
           <a:graphicData uri="http://schemas.openxmlformats.org/presentationml/2006/ole">
             <mc:AlternateContent xmlns:mc="http://schemas.openxmlformats.org/markup-compatibility/2006">
               <mc:Choice xmlns:v="urn:schemas-microsoft-com:vml" Requires="v">
-                <p:oleObj spid="_x0000_s1124" name="Equation" r:id="rId5" imgW="2082800" imgH="812800" progId="Equation.3">
+                <p:oleObj spid="_x0000_s1127" name="Equation" r:id="rId5" imgW="2082800" imgH="812800" progId="Equation.3">
                   <p:embed/>
                 </p:oleObj>
               </mc:Choice>
@@ -7465,7 +7607,7 @@
 </p:sld>
 </file>
 
-<file path=ppt/slides/slide6.xml><?xml version="1.0" encoding="utf-8"?>
+<file path=ppt/slides/slide7.xml><?xml version="1.0" encoding="utf-8"?>
 <p:sld xmlns:a="http://schemas.openxmlformats.org/drawingml/2006/main" xmlns:r="http://schemas.openxmlformats.org/officeDocument/2006/relationships" xmlns:p="http://schemas.openxmlformats.org/presentationml/2006/main">
   <p:cSld>
     <p:spTree>
@@ -7600,7 +7742,7 @@
           <a:graphicData uri="http://schemas.openxmlformats.org/presentationml/2006/ole">
             <mc:AlternateContent xmlns:mc="http://schemas.openxmlformats.org/markup-compatibility/2006">
               <mc:Choice xmlns:v="urn:schemas-microsoft-com:vml" Requires="v">
-                <p:oleObj spid="_x0000_s3124" name="Equation" r:id="rId3" imgW="2082800" imgH="812800" progId="Equation.3">
+                <p:oleObj spid="_x0000_s3126" name="Equation" r:id="rId3" imgW="2082800" imgH="812800" progId="Equation.3">
                   <p:embed/>
                 </p:oleObj>
               </mc:Choice>
@@ -7911,388 +8053,6 @@
 </p:sld>
 </file>
 
-<file path=ppt/slides/slide7.xml><?xml version="1.0" encoding="utf-8"?>
-<p:sld xmlns:a="http://schemas.openxmlformats.org/drawingml/2006/main" xmlns:r="http://schemas.openxmlformats.org/officeDocument/2006/relationships" xmlns:p="http://schemas.openxmlformats.org/presentationml/2006/main">
-  <p:cSld>
-    <p:spTree>
-      <p:nvGrpSpPr>
-        <p:cNvPr id="1" name=""/>
-        <p:cNvGrpSpPr/>
-        <p:nvPr/>
-      </p:nvGrpSpPr>
-      <p:grpSpPr>
-        <a:xfrm>
-          <a:off x="0" y="0"/>
-          <a:ext cx="0" cy="0"/>
-          <a:chOff x="0" y="0"/>
-          <a:chExt cx="0" cy="0"/>
-        </a:xfrm>
-      </p:grpSpPr>
-      <p:sp>
-        <p:nvSpPr>
-          <p:cNvPr id="2" name="Title 1"/>
-          <p:cNvSpPr>
-            <a:spLocks noGrp="1"/>
-          </p:cNvSpPr>
-          <p:nvPr>
-            <p:ph type="title"/>
-          </p:nvPr>
-        </p:nvSpPr>
-        <p:spPr>
-          <a:xfrm>
-            <a:off x="133544" y="274638"/>
-            <a:ext cx="8876912" cy="1143000"/>
-          </a:xfrm>
-        </p:spPr>
-        <p:txBody>
-          <a:bodyPr>
-            <a:normAutofit fontScale="90000"/>
-          </a:bodyPr>
-          <a:lstStyle/>
-          <a:p>
-            <a:r>
-              <a:rPr lang="en-US" dirty="0" smtClean="0"/>
-              <a:t>How do we </a:t>
-            </a:r>
-            <a:r>
-              <a:rPr lang="en-US" i="1" dirty="0" smtClean="0"/>
-              <a:t>think</a:t>
-            </a:r>
-            <a:r>
-              <a:rPr lang="en-US" dirty="0" smtClean="0"/>
-              <a:t> about linear systems?</a:t>
-            </a:r>
-            <a:br>
-              <a:rPr lang="en-US" dirty="0" smtClean="0"/>
-            </a:br>
-            <a:r>
-              <a:rPr lang="en-US" sz="3600" dirty="0" smtClean="0"/>
-              <a:t>(imagine someone gives you a 10</a:t>
-            </a:r>
-            <a:r>
-              <a:rPr lang="en-US" sz="3600" baseline="30000" dirty="0" smtClean="0"/>
-              <a:t>6</a:t>
-            </a:r>
-            <a:r>
-              <a:rPr lang="en-US" sz="3600" dirty="0" smtClean="0"/>
-              <a:t>×10</a:t>
-            </a:r>
-            <a:r>
-              <a:rPr lang="en-US" sz="3600" baseline="30000" dirty="0" smtClean="0"/>
-              <a:t>6</a:t>
-            </a:r>
-            <a:r>
-              <a:rPr lang="en-US" sz="3600" dirty="0" smtClean="0"/>
-              <a:t> matrix)</a:t>
-            </a:r>
-            <a:endParaRPr lang="en-US" sz="3600" dirty="0"/>
-          </a:p>
-        </p:txBody>
-      </p:sp>
-      <p:sp>
-        <p:nvSpPr>
-          <p:cNvPr id="3" name="Content Placeholder 2"/>
-          <p:cNvSpPr>
-            <a:spLocks noGrp="1"/>
-          </p:cNvSpPr>
-          <p:nvPr>
-            <p:ph idx="1"/>
-          </p:nvPr>
-        </p:nvSpPr>
-        <p:spPr>
-          <a:xfrm>
-            <a:off x="225388" y="1751396"/>
-            <a:ext cx="8870152" cy="4693649"/>
-          </a:xfrm>
-        </p:spPr>
-        <p:txBody>
-          <a:bodyPr>
-            <a:normAutofit fontScale="55000" lnSpcReduction="20000"/>
-          </a:bodyPr>
-          <a:lstStyle/>
-          <a:p>
-            <a:pPr>
-              <a:lnSpc>
-                <a:spcPct val="150000"/>
-              </a:lnSpc>
-            </a:pPr>
-            <a:r>
-              <a:rPr lang="en-US" dirty="0" smtClean="0"/>
-              <a:t>All the formulas for 2×2 and </a:t>
-            </a:r>
-            <a:r>
-              <a:rPr lang="en-US" dirty="0"/>
-              <a:t>3</a:t>
-            </a:r>
-            <a:r>
-              <a:rPr lang="en-US" dirty="0" smtClean="0"/>
-              <a:t>×3 matrices would fit on one piece of paper. They aren’t the reason why linear algebra is important (as a class or a field of study).</a:t>
-            </a:r>
-          </a:p>
-          <a:p>
-            <a:pPr>
-              <a:lnSpc>
-                <a:spcPct val="150000"/>
-              </a:lnSpc>
-            </a:pPr>
-            <a:r>
-              <a:rPr lang="en-US" dirty="0" smtClean="0"/>
-              <a:t>Large problems are solved by computers, but must be </a:t>
-            </a:r>
-            <a:r>
-              <a:rPr lang="en-US" dirty="0" smtClean="0">
-                <a:solidFill>
-                  <a:srgbClr val="FF0000"/>
-                </a:solidFill>
-              </a:rPr>
-              <a:t>understood by human beings. </a:t>
-            </a:r>
-            <a:r>
-              <a:rPr lang="en-US" dirty="0" smtClean="0"/>
-              <a:t>(And we need to give computers the right tasks!)</a:t>
-            </a:r>
-          </a:p>
-          <a:p>
-            <a:pPr>
-              <a:lnSpc>
-                <a:spcPct val="150000"/>
-              </a:lnSpc>
-            </a:pPr>
-            <a:r>
-              <a:rPr lang="en-US" dirty="0" smtClean="0"/>
-              <a:t>Understand </a:t>
-            </a:r>
-            <a:r>
-              <a:rPr lang="en-US" dirty="0" smtClean="0">
-                <a:solidFill>
-                  <a:srgbClr val="0C00FF"/>
-                </a:solidFill>
-              </a:rPr>
-              <a:t>non-square problems</a:t>
-            </a:r>
-            <a:r>
-              <a:rPr lang="en-US" dirty="0" smtClean="0"/>
-              <a:t>: #equations &gt; #unknowns or vice versa</a:t>
-            </a:r>
-          </a:p>
-          <a:p>
-            <a:pPr>
-              <a:lnSpc>
-                <a:spcPct val="150000"/>
-              </a:lnSpc>
-            </a:pPr>
-            <a:r>
-              <a:rPr lang="en-US" dirty="0" smtClean="0">
-                <a:solidFill>
-                  <a:srgbClr val="FF0000"/>
-                </a:solidFill>
-              </a:rPr>
-              <a:t>Break up matrices into simpler pieces</a:t>
-            </a:r>
-            <a:endParaRPr lang="en-US" dirty="0" smtClean="0"/>
-          </a:p>
-          <a:p>
-            <a:pPr lvl="1">
-              <a:lnSpc>
-                <a:spcPct val="150000"/>
-              </a:lnSpc>
-            </a:pPr>
-            <a:r>
-              <a:rPr lang="en-US" dirty="0" smtClean="0"/>
-              <a:t>Factorize matrices into </a:t>
-            </a:r>
-            <a:r>
-              <a:rPr lang="en-US" dirty="0" smtClean="0">
-                <a:solidFill>
-                  <a:srgbClr val="0000FF"/>
-                </a:solidFill>
-              </a:rPr>
-              <a:t>products of simpler matrices</a:t>
-            </a:r>
-            <a:r>
-              <a:rPr lang="en-US" dirty="0" smtClean="0"/>
-              <a:t>: A=LU (triangular: Gauss), A=QR (orthogonal/triangular), A=X</a:t>
-            </a:r>
-            <a:r>
-              <a:rPr lang="el-GR" dirty="0" smtClean="0"/>
-              <a:t>Λ</a:t>
-            </a:r>
-            <a:r>
-              <a:rPr lang="en-US" dirty="0" smtClean="0"/>
-              <a:t>X</a:t>
-            </a:r>
-            <a:r>
-              <a:rPr lang="en-US" baseline="30000" dirty="0" smtClean="0"/>
-              <a:t>–1</a:t>
-            </a:r>
-            <a:r>
-              <a:rPr lang="en-US" dirty="0" smtClean="0"/>
-              <a:t> (diagonal: </a:t>
-            </a:r>
-            <a:r>
-              <a:rPr lang="en-US" dirty="0" err="1" smtClean="0"/>
-              <a:t>eigenvecs</a:t>
-            </a:r>
-            <a:r>
-              <a:rPr lang="en-US" dirty="0" smtClean="0"/>
-              <a:t>/</a:t>
-            </a:r>
-            <a:r>
-              <a:rPr lang="en-US" dirty="0" err="1" smtClean="0"/>
-              <a:t>vals</a:t>
-            </a:r>
-            <a:r>
-              <a:rPr lang="en-US" dirty="0" smtClean="0"/>
-              <a:t>), A=U</a:t>
-            </a:r>
-            <a:r>
-              <a:rPr lang="el-GR" dirty="0" smtClean="0"/>
-              <a:t>Σ</a:t>
-            </a:r>
-            <a:r>
-              <a:rPr lang="en-US" dirty="0" smtClean="0"/>
-              <a:t>V* (orthogonal/diagonal: SVD)</a:t>
-            </a:r>
-          </a:p>
-          <a:p>
-            <a:pPr lvl="1">
-              <a:lnSpc>
-                <a:spcPct val="150000"/>
-              </a:lnSpc>
-            </a:pPr>
-            <a:r>
-              <a:rPr lang="en-US" dirty="0" err="1" smtClean="0">
-                <a:solidFill>
-                  <a:srgbClr val="0000FF"/>
-                </a:solidFill>
-              </a:rPr>
-              <a:t>Submatrices</a:t>
-            </a:r>
-            <a:r>
-              <a:rPr lang="en-US" dirty="0" smtClean="0">
-                <a:solidFill>
-                  <a:srgbClr val="0000FF"/>
-                </a:solidFill>
-              </a:rPr>
-              <a:t> </a:t>
-            </a:r>
-            <a:r>
-              <a:rPr lang="en-US" dirty="0" smtClean="0"/>
-              <a:t>(matrices of matrices).</a:t>
-            </a:r>
-          </a:p>
-          <a:p>
-            <a:pPr>
-              <a:lnSpc>
-                <a:spcPct val="150000"/>
-              </a:lnSpc>
-            </a:pPr>
-            <a:r>
-              <a:rPr lang="en-US" dirty="0" smtClean="0">
-                <a:solidFill>
-                  <a:srgbClr val="FF0000"/>
-                </a:solidFill>
-              </a:rPr>
-              <a:t>Break up vectors into simpler pieces</a:t>
-            </a:r>
-            <a:r>
-              <a:rPr lang="en-US" dirty="0" smtClean="0"/>
-              <a:t>: </a:t>
-            </a:r>
-            <a:r>
-              <a:rPr lang="en-US" dirty="0" smtClean="0">
-                <a:solidFill>
-                  <a:srgbClr val="0000FF"/>
-                </a:solidFill>
-              </a:rPr>
-              <a:t>subspaces</a:t>
-            </a:r>
-            <a:r>
-              <a:rPr lang="en-US" dirty="0" smtClean="0"/>
-              <a:t> and basis choices.</a:t>
-            </a:r>
-          </a:p>
-          <a:p>
-            <a:pPr>
-              <a:lnSpc>
-                <a:spcPct val="150000"/>
-              </a:lnSpc>
-            </a:pPr>
-            <a:r>
-              <a:rPr lang="en-US" dirty="0" smtClean="0"/>
-              <a:t>Algebraic </a:t>
-            </a:r>
-            <a:r>
-              <a:rPr lang="en-US" dirty="0" smtClean="0">
-                <a:solidFill>
-                  <a:srgbClr val="FF0000"/>
-                </a:solidFill>
-              </a:rPr>
-              <a:t>manipulations to turn harder/unfamiliar problems </a:t>
-            </a:r>
-            <a:r>
-              <a:rPr lang="en-US" dirty="0" smtClean="0"/>
-              <a:t>(e.g. minimization or differential equations) into </a:t>
-            </a:r>
-            <a:r>
-              <a:rPr lang="en-US" dirty="0" smtClean="0">
-                <a:solidFill>
-                  <a:srgbClr val="FF0000"/>
-                </a:solidFill>
-              </a:rPr>
-              <a:t>simpler/familiar </a:t>
-            </a:r>
-            <a:r>
-              <a:rPr lang="en-US" dirty="0" smtClean="0"/>
-              <a:t>ones: </a:t>
-            </a:r>
-            <a:r>
-              <a:rPr lang="en-US" dirty="0" smtClean="0">
-                <a:solidFill>
-                  <a:srgbClr val="0000FF"/>
-                </a:solidFill>
-              </a:rPr>
-              <a:t>algebra on whole matrices at once</a:t>
-            </a:r>
-          </a:p>
-          <a:p>
-            <a:pPr>
-              <a:lnSpc>
-                <a:spcPct val="150000"/>
-              </a:lnSpc>
-            </a:pPr>
-            <a:endParaRPr lang="en-US" dirty="0" smtClean="0"/>
-          </a:p>
-          <a:p>
-            <a:pPr>
-              <a:lnSpc>
-                <a:spcPct val="150000"/>
-              </a:lnSpc>
-            </a:pPr>
-            <a:endParaRPr lang="en-US" dirty="0"/>
-          </a:p>
-        </p:txBody>
-      </p:sp>
-    </p:spTree>
-    <p:extLst>
-      <p:ext uri="{BB962C8B-B14F-4D97-AF65-F5344CB8AC3E}">
-        <p14:creationId xmlns:p14="http://schemas.microsoft.com/office/powerpoint/2010/main" val="2159657782"/>
-      </p:ext>
-    </p:extLst>
-  </p:cSld>
-  <p:clrMapOvr>
-    <a:masterClrMapping/>
-  </p:clrMapOvr>
-  <p:timing>
-    <p:tnLst>
-      <p:par>
-        <p:cTn xmlns:p14="http://schemas.microsoft.com/office/powerpoint/2010/main" id="1" dur="indefinite" restart="never" nodeType="tmRoot"/>
-      </p:par>
-    </p:tnLst>
-  </p:timing>
-</p:sld>
-</file>
-
 <file path=ppt/slides/slide8.xml><?xml version="1.0" encoding="utf-8"?>
 <p:sld xmlns:a="http://schemas.openxmlformats.org/drawingml/2006/main" xmlns:r="http://schemas.openxmlformats.org/officeDocument/2006/relationships" xmlns:p="http://schemas.openxmlformats.org/presentationml/2006/main">
   <p:cSld>
@@ -8312,110 +8072,353 @@
       </p:grpSpPr>
       <p:sp>
         <p:nvSpPr>
-          <p:cNvPr id="2" name="TextBox 1"/>
-          <p:cNvSpPr txBox="1"/>
-          <p:nvPr/>
+          <p:cNvPr id="2" name="Title 1"/>
+          <p:cNvSpPr>
+            <a:spLocks noGrp="1"/>
+          </p:cNvSpPr>
+          <p:nvPr>
+            <p:ph type="title"/>
+          </p:nvPr>
         </p:nvSpPr>
         <p:spPr>
           <a:xfrm>
-            <a:off x="1501746" y="907176"/>
-            <a:ext cx="6279098" cy="4893647"/>
-          </a:xfrm>
-          <a:prstGeom prst="rect">
-            <a:avLst/>
-          </a:prstGeom>
-          <a:noFill/>
-        </p:spPr>
-        <p:txBody>
-          <a:bodyPr wrap="square" rtlCol="0">
-            <a:spAutoFit/>
+            <a:off x="133544" y="274638"/>
+            <a:ext cx="8876912" cy="1143000"/>
+          </a:xfrm>
+        </p:spPr>
+        <p:txBody>
+          <a:bodyPr>
+            <a:normAutofit fontScale="90000"/>
           </a:bodyPr>
           <a:lstStyle/>
           <a:p>
-            <a:pPr algn="ctr"/>
-            <a:r>
-              <a:rPr lang="en-US" sz="2400" dirty="0" smtClean="0">
-                <a:solidFill>
-                  <a:srgbClr val="3366FF"/>
-                </a:solidFill>
-              </a:rPr>
-              <a:t>Don’t expect a lot of “turn the crank” problems</a:t>
-            </a:r>
-          </a:p>
-          <a:p>
-            <a:pPr algn="ctr"/>
-            <a:r>
-              <a:rPr lang="en-US" sz="2400" dirty="0" smtClean="0"/>
-              <a:t>on </a:t>
-            </a:r>
-            <a:r>
-              <a:rPr lang="en-US" sz="2400" dirty="0" err="1" smtClean="0"/>
-              <a:t>psets</a:t>
-            </a:r>
-            <a:r>
-              <a:rPr lang="en-US" sz="2400" dirty="0" smtClean="0"/>
-              <a:t> or exams of the form</a:t>
-            </a:r>
-          </a:p>
-          <a:p>
-            <a:pPr algn="ctr"/>
-            <a:r>
-              <a:rPr lang="en-US" sz="2400" dirty="0" smtClean="0"/>
-              <a:t>“solve this system of equations.”</a:t>
-            </a:r>
-          </a:p>
-          <a:p>
-            <a:pPr algn="ctr"/>
-            <a:endParaRPr lang="en-US" sz="2400" dirty="0"/>
-          </a:p>
-          <a:p>
-            <a:pPr algn="ctr"/>
-            <a:r>
-              <a:rPr lang="en-US" sz="2400" dirty="0" smtClean="0"/>
-              <a:t>… we will turn it upside-down, give you the answer and ask the question, ask about properties of the solution from partial information, … the general goal is to </a:t>
-            </a:r>
-            <a:r>
-              <a:rPr lang="en-US" sz="2400" dirty="0" smtClean="0">
-                <a:solidFill>
-                  <a:srgbClr val="3366FF"/>
-                </a:solidFill>
-              </a:rPr>
-              <a:t>require you to understand the crank </a:t>
-            </a:r>
-            <a:r>
-              <a:rPr lang="en-US" sz="2400" dirty="0" smtClean="0"/>
-              <a:t>rather than just turn it.</a:t>
-            </a:r>
-          </a:p>
-          <a:p>
-            <a:pPr algn="ctr"/>
-            <a:endParaRPr lang="en-US" sz="2400" dirty="0"/>
-          </a:p>
-          <a:p>
-            <a:pPr algn="ctr"/>
-            <a:r>
-              <a:rPr lang="en-US" sz="2400" dirty="0" smtClean="0"/>
-              <a:t>(</a:t>
-            </a:r>
-            <a:r>
-              <a:rPr lang="en-US" sz="2400" dirty="0" smtClean="0">
-                <a:solidFill>
-                  <a:srgbClr val="3366FF"/>
-                </a:solidFill>
-              </a:rPr>
-              <a:t>Exams might be a bit harder </a:t>
-            </a:r>
-            <a:r>
-              <a:rPr lang="en-US" sz="2400" dirty="0" smtClean="0"/>
-              <a:t>than in previous 18.06 semesters, but grade cutoffs will be adjusted accordingly.)</a:t>
-            </a:r>
+            <a:r>
+              <a:rPr lang="en-US" dirty="0" smtClean="0"/>
+              <a:t>How do we </a:t>
+            </a:r>
+            <a:r>
+              <a:rPr lang="en-US" i="1" dirty="0" smtClean="0"/>
+              <a:t>think</a:t>
+            </a:r>
+            <a:r>
+              <a:rPr lang="en-US" dirty="0" smtClean="0"/>
+              <a:t> about linear systems?</a:t>
+            </a:r>
+            <a:br>
+              <a:rPr lang="en-US" dirty="0" smtClean="0"/>
+            </a:br>
+            <a:r>
+              <a:rPr lang="en-US" sz="3600" dirty="0" smtClean="0"/>
+              <a:t>(imagine someone gives you a 10</a:t>
+            </a:r>
+            <a:r>
+              <a:rPr lang="en-US" sz="3600" baseline="30000" dirty="0" smtClean="0"/>
+              <a:t>6</a:t>
+            </a:r>
+            <a:r>
+              <a:rPr lang="en-US" sz="3600" dirty="0" smtClean="0"/>
+              <a:t>×10</a:t>
+            </a:r>
+            <a:r>
+              <a:rPr lang="en-US" sz="3600" baseline="30000" dirty="0" smtClean="0"/>
+              <a:t>6</a:t>
+            </a:r>
+            <a:r>
+              <a:rPr lang="en-US" sz="3600" dirty="0" smtClean="0"/>
+              <a:t> matrix)</a:t>
+            </a:r>
+            <a:endParaRPr lang="en-US" sz="3600" dirty="0"/>
+          </a:p>
+        </p:txBody>
+      </p:sp>
+      <p:sp>
+        <p:nvSpPr>
+          <p:cNvPr id="3" name="Content Placeholder 2"/>
+          <p:cNvSpPr>
+            <a:spLocks noGrp="1"/>
+          </p:cNvSpPr>
+          <p:nvPr>
+            <p:ph idx="1"/>
+          </p:nvPr>
+        </p:nvSpPr>
+        <p:spPr>
+          <a:xfrm>
+            <a:off x="225388" y="1751396"/>
+            <a:ext cx="8870152" cy="4693649"/>
+          </a:xfrm>
+        </p:spPr>
+        <p:txBody>
+          <a:bodyPr>
+            <a:normAutofit fontScale="55000" lnSpcReduction="20000"/>
+          </a:bodyPr>
+          <a:lstStyle/>
+          <a:p>
+            <a:pPr>
+              <a:lnSpc>
+                <a:spcPct val="150000"/>
+              </a:lnSpc>
+            </a:pPr>
+            <a:r>
+              <a:rPr lang="en-US" dirty="0" smtClean="0"/>
+              <a:t>All the formulas for 2×2 and </a:t>
+            </a:r>
+            <a:r>
+              <a:rPr lang="en-US" dirty="0"/>
+              <a:t>3</a:t>
+            </a:r>
+            <a:r>
+              <a:rPr lang="en-US" dirty="0" smtClean="0"/>
+              <a:t>×3 matrices would fit on one piece of paper. They aren’t the reason why linear algebra is important (as a class or a field of study).</a:t>
+            </a:r>
+          </a:p>
+          <a:p>
+            <a:pPr>
+              <a:lnSpc>
+                <a:spcPct val="150000"/>
+              </a:lnSpc>
+            </a:pPr>
+            <a:r>
+              <a:rPr lang="en-US" dirty="0" smtClean="0"/>
+              <a:t>Large problems are solved by computers, but must be </a:t>
+            </a:r>
+            <a:r>
+              <a:rPr lang="en-US" dirty="0" smtClean="0">
+                <a:solidFill>
+                  <a:srgbClr val="FF0000"/>
+                </a:solidFill>
+              </a:rPr>
+              <a:t>understood by human beings. </a:t>
+            </a:r>
+            <a:r>
+              <a:rPr lang="en-US" dirty="0" smtClean="0"/>
+              <a:t>(And we need to give computers the right tasks!)</a:t>
+            </a:r>
+          </a:p>
+          <a:p>
+            <a:pPr>
+              <a:lnSpc>
+                <a:spcPct val="150000"/>
+              </a:lnSpc>
+            </a:pPr>
+            <a:r>
+              <a:rPr lang="en-US" dirty="0" smtClean="0"/>
+              <a:t>Understand </a:t>
+            </a:r>
+            <a:r>
+              <a:rPr lang="en-US" dirty="0" smtClean="0">
+                <a:solidFill>
+                  <a:srgbClr val="0C00FF"/>
+                </a:solidFill>
+              </a:rPr>
+              <a:t>non-square problems</a:t>
+            </a:r>
+            <a:r>
+              <a:rPr lang="en-US" dirty="0" smtClean="0"/>
+              <a:t>: #equations &gt; #unknowns or vice versa</a:t>
+            </a:r>
+          </a:p>
+          <a:p>
+            <a:pPr>
+              <a:lnSpc>
+                <a:spcPct val="150000"/>
+              </a:lnSpc>
+            </a:pPr>
+            <a:r>
+              <a:rPr lang="en-US" dirty="0" smtClean="0">
+                <a:solidFill>
+                  <a:srgbClr val="FF0000"/>
+                </a:solidFill>
+              </a:rPr>
+              <a:t>Break up matrices into simpler pieces</a:t>
+            </a:r>
+            <a:endParaRPr lang="en-US" dirty="0" smtClean="0"/>
+          </a:p>
+          <a:p>
+            <a:pPr lvl="1">
+              <a:lnSpc>
+                <a:spcPct val="150000"/>
+              </a:lnSpc>
+            </a:pPr>
+            <a:r>
+              <a:rPr lang="en-US" dirty="0" smtClean="0"/>
+              <a:t>Factorize matrices into </a:t>
+            </a:r>
+            <a:r>
+              <a:rPr lang="en-US" dirty="0" smtClean="0">
+                <a:solidFill>
+                  <a:srgbClr val="0000FF"/>
+                </a:solidFill>
+              </a:rPr>
+              <a:t>products of simpler matrices</a:t>
+            </a:r>
+            <a:r>
+              <a:rPr lang="en-US" dirty="0" smtClean="0"/>
+              <a:t>: A=LU (triangular: Gauss), A=QR (orthogonal/triangular), A=X</a:t>
+            </a:r>
+            <a:r>
+              <a:rPr lang="el-GR" dirty="0" smtClean="0"/>
+              <a:t>Λ</a:t>
+            </a:r>
+            <a:r>
+              <a:rPr lang="en-US" dirty="0" smtClean="0"/>
+              <a:t>X</a:t>
+            </a:r>
+            <a:r>
+              <a:rPr lang="en-US" baseline="30000" dirty="0" smtClean="0"/>
+              <a:t>–1</a:t>
+            </a:r>
+            <a:r>
+              <a:rPr lang="en-US" dirty="0" smtClean="0"/>
+              <a:t> (diagonal: </a:t>
+            </a:r>
+            <a:r>
+              <a:rPr lang="en-US" dirty="0" err="1" smtClean="0"/>
+              <a:t>eigenvecs</a:t>
+            </a:r>
+            <a:r>
+              <a:rPr lang="en-US" dirty="0" smtClean="0"/>
+              <a:t>/</a:t>
+            </a:r>
+            <a:r>
+              <a:rPr lang="en-US" dirty="0" err="1" smtClean="0"/>
+              <a:t>vals</a:t>
+            </a:r>
+            <a:r>
+              <a:rPr lang="en-US" dirty="0" smtClean="0"/>
+              <a:t>), A=U</a:t>
+            </a:r>
+            <a:r>
+              <a:rPr lang="el-GR" dirty="0" smtClean="0"/>
+              <a:t>Σ</a:t>
+            </a:r>
+            <a:r>
+              <a:rPr lang="en-US" dirty="0" smtClean="0"/>
+              <a:t>V* (orthogonal/diagonal: SVD)</a:t>
+            </a:r>
+          </a:p>
+          <a:p>
+            <a:pPr lvl="1">
+              <a:lnSpc>
+                <a:spcPct val="150000"/>
+              </a:lnSpc>
+            </a:pPr>
+            <a:r>
+              <a:rPr lang="en-US" dirty="0" err="1" smtClean="0">
+                <a:solidFill>
+                  <a:srgbClr val="0000FF"/>
+                </a:solidFill>
+              </a:rPr>
+              <a:t>Submatrices</a:t>
+            </a:r>
+            <a:r>
+              <a:rPr lang="en-US" dirty="0" smtClean="0">
+                <a:solidFill>
+                  <a:srgbClr val="0000FF"/>
+                </a:solidFill>
+              </a:rPr>
+              <a:t> </a:t>
+            </a:r>
+            <a:r>
+              <a:rPr lang="en-US" dirty="0" smtClean="0"/>
+              <a:t>(matrices of matrices).</a:t>
+            </a:r>
+          </a:p>
+          <a:p>
+            <a:pPr>
+              <a:lnSpc>
+                <a:spcPct val="150000"/>
+              </a:lnSpc>
+            </a:pPr>
+            <a:r>
+              <a:rPr lang="en-US" dirty="0" smtClean="0">
+                <a:solidFill>
+                  <a:srgbClr val="FF0000"/>
+                </a:solidFill>
+              </a:rPr>
+              <a:t>Break up vectors into simpler pieces</a:t>
+            </a:r>
+            <a:r>
+              <a:rPr lang="en-US" dirty="0" smtClean="0"/>
+              <a:t>: </a:t>
+            </a:r>
+            <a:r>
+              <a:rPr lang="en-US" dirty="0" smtClean="0">
+                <a:solidFill>
+                  <a:srgbClr val="0000FF"/>
+                </a:solidFill>
+              </a:rPr>
+              <a:t>subspaces</a:t>
+            </a:r>
+            <a:r>
+              <a:rPr lang="en-US" dirty="0" smtClean="0"/>
+              <a:t> and basis choices.</a:t>
+            </a:r>
+          </a:p>
+          <a:p>
+            <a:pPr>
+              <a:lnSpc>
+                <a:spcPct val="150000"/>
+              </a:lnSpc>
+            </a:pPr>
+            <a:r>
+              <a:rPr lang="en-US" dirty="0" smtClean="0"/>
+              <a:t>Algebraic </a:t>
+            </a:r>
+            <a:r>
+              <a:rPr lang="en-US" dirty="0" smtClean="0">
+                <a:solidFill>
+                  <a:srgbClr val="FF0000"/>
+                </a:solidFill>
+              </a:rPr>
+              <a:t>manipulations to turn harder/unfamiliar problems </a:t>
+            </a:r>
+            <a:r>
+              <a:rPr lang="en-US" dirty="0" smtClean="0"/>
+              <a:t>(e.g. minimization or differential equations) into </a:t>
+            </a:r>
+            <a:r>
+              <a:rPr lang="en-US" dirty="0" smtClean="0">
+                <a:solidFill>
+                  <a:srgbClr val="FF0000"/>
+                </a:solidFill>
+              </a:rPr>
+              <a:t>simpler/familiar </a:t>
+            </a:r>
+            <a:r>
+              <a:rPr lang="en-US" dirty="0" smtClean="0"/>
+              <a:t>ones: </a:t>
+            </a:r>
+            <a:r>
+              <a:rPr lang="en-US" dirty="0" smtClean="0">
+                <a:solidFill>
+                  <a:srgbClr val="0000FF"/>
+                </a:solidFill>
+              </a:rPr>
+              <a:t>algebra on whole matrices at once</a:t>
+            </a:r>
+          </a:p>
+          <a:p>
+            <a:pPr>
+              <a:lnSpc>
+                <a:spcPct val="150000"/>
+              </a:lnSpc>
+            </a:pPr>
+            <a:endParaRPr lang="en-US" dirty="0" smtClean="0"/>
+          </a:p>
+          <a:p>
+            <a:pPr>
+              <a:lnSpc>
+                <a:spcPct val="150000"/>
+              </a:lnSpc>
+            </a:pPr>
+            <a:endParaRPr lang="en-US" dirty="0"/>
           </a:p>
         </p:txBody>
       </p:sp>
     </p:spTree>
     <p:extLst>
       <p:ext uri="{BB962C8B-B14F-4D97-AF65-F5344CB8AC3E}">
-        <p14:creationId xmlns:p14="http://schemas.microsoft.com/office/powerpoint/2010/main" val="556735741"/>
+        <p14:creationId xmlns:p14="http://schemas.microsoft.com/office/powerpoint/2010/main" val="2159657782"/>
       </p:ext>
     </p:extLst>
   </p:cSld>
@@ -8451,73 +8454,91 @@
       </p:grpSpPr>
       <p:sp>
         <p:nvSpPr>
-          <p:cNvPr id="2" name="Title 1"/>
-          <p:cNvSpPr>
-            <a:spLocks noGrp="1"/>
-          </p:cNvSpPr>
-          <p:nvPr>
-            <p:ph type="title"/>
-          </p:nvPr>
+          <p:cNvPr id="2" name="TextBox 1"/>
+          <p:cNvSpPr txBox="1"/>
+          <p:nvPr/>
         </p:nvSpPr>
         <p:spPr>
           <a:xfrm>
-            <a:off x="457200" y="545430"/>
-            <a:ext cx="8229600" cy="5732642"/>
-          </a:xfrm>
-        </p:spPr>
-        <p:txBody>
-          <a:bodyPr>
-            <a:normAutofit/>
+            <a:off x="1501746" y="907176"/>
+            <a:ext cx="6279098" cy="3785652"/>
+          </a:xfrm>
+          <a:prstGeom prst="rect">
+            <a:avLst/>
+          </a:prstGeom>
+          <a:noFill/>
+        </p:spPr>
+        <p:txBody>
+          <a:bodyPr wrap="square" rtlCol="0">
+            <a:spAutoFit/>
           </a:bodyPr>
           <a:lstStyle/>
           <a:p>
-            <a:r>
-              <a:rPr lang="en-US" dirty="0" smtClean="0"/>
-              <a:t>Where do big matrices</a:t>
-            </a:r>
-            <a:br>
-              <a:rPr lang="en-US" dirty="0" smtClean="0"/>
-            </a:br>
-            <a:r>
-              <a:rPr lang="en-US" dirty="0" smtClean="0"/>
-              <a:t>come from?</a:t>
-            </a:r>
-            <a:br>
-              <a:rPr lang="en-US" dirty="0" smtClean="0"/>
-            </a:br>
-            <a:r>
-              <a:rPr lang="en-US" dirty="0"/>
-              <a:t/>
-            </a:r>
-            <a:br>
-              <a:rPr lang="en-US" dirty="0"/>
-            </a:br>
-            <a:r>
-              <a:rPr lang="en-US" sz="3200" dirty="0" smtClean="0"/>
-              <a:t>Lots of examples in many fields,</a:t>
-            </a:r>
-            <a:br>
-              <a:rPr lang="en-US" sz="3200" dirty="0" smtClean="0"/>
-            </a:br>
-            <a:r>
-              <a:rPr lang="en-US" sz="3200" dirty="0" smtClean="0"/>
-              <a:t>but here are a couple that are</a:t>
-            </a:r>
-            <a:br>
-              <a:rPr lang="en-US" sz="3200" dirty="0" smtClean="0"/>
-            </a:br>
-            <a:r>
-              <a:rPr lang="en-US" sz="3200" dirty="0" smtClean="0"/>
-              <a:t>relatively easy to understand…</a:t>
-            </a:r>
-            <a:endParaRPr lang="en-US" dirty="0"/>
+            <a:pPr algn="ctr"/>
+            <a:r>
+              <a:rPr lang="en-US" sz="2400" dirty="0" smtClean="0">
+                <a:solidFill>
+                  <a:srgbClr val="3366FF"/>
+                </a:solidFill>
+              </a:rPr>
+              <a:t>Don’t expect a lot of “turn the crank” problems</a:t>
+            </a:r>
+          </a:p>
+          <a:p>
+            <a:pPr algn="ctr"/>
+            <a:r>
+              <a:rPr lang="en-US" sz="2400" dirty="0" smtClean="0"/>
+              <a:t>on </a:t>
+            </a:r>
+            <a:r>
+              <a:rPr lang="en-US" sz="2400" dirty="0" err="1" smtClean="0"/>
+              <a:t>psets</a:t>
+            </a:r>
+            <a:r>
+              <a:rPr lang="en-US" sz="2400" dirty="0" smtClean="0"/>
+              <a:t> or exams of the form</a:t>
+            </a:r>
+          </a:p>
+          <a:p>
+            <a:pPr algn="ctr"/>
+            <a:r>
+              <a:rPr lang="en-US" sz="2400" dirty="0" smtClean="0"/>
+              <a:t>“solve this system of equations.”</a:t>
+            </a:r>
+          </a:p>
+          <a:p>
+            <a:pPr algn="ctr"/>
+            <a:endParaRPr lang="en-US" sz="2400" dirty="0"/>
+          </a:p>
+          <a:p>
+            <a:pPr algn="ctr"/>
+            <a:r>
+              <a:rPr lang="en-US" sz="2400" dirty="0" smtClean="0"/>
+              <a:t>… we will turn it upside-down, give you the answer and ask the question, ask about properties of the solution from partial information, … the general goal is to </a:t>
+            </a:r>
+            <a:r>
+              <a:rPr lang="en-US" sz="2400" dirty="0" smtClean="0">
+                <a:solidFill>
+                  <a:srgbClr val="3366FF"/>
+                </a:solidFill>
+              </a:rPr>
+              <a:t>require you to understand the crank </a:t>
+            </a:r>
+            <a:r>
+              <a:rPr lang="en-US" sz="2400" dirty="0" smtClean="0"/>
+              <a:t>rather than just turn it.</a:t>
+            </a:r>
+          </a:p>
+          <a:p>
+            <a:pPr algn="ctr"/>
+            <a:endParaRPr lang="en-US" sz="2400" dirty="0"/>
           </a:p>
         </p:txBody>
       </p:sp>
     </p:spTree>
     <p:extLst>
       <p:ext uri="{BB962C8B-B14F-4D97-AF65-F5344CB8AC3E}">
-        <p14:creationId xmlns:p14="http://schemas.microsoft.com/office/powerpoint/2010/main" val="4016270589"/>
+        <p14:creationId xmlns:p14="http://schemas.microsoft.com/office/powerpoint/2010/main" val="556735741"/>
       </p:ext>
     </p:extLst>
   </p:cSld>

--- a/lectures/1806overview.pptx
+++ b/lectures/1806overview.pptx
@@ -120,7 +120,7 @@
   </p:defaultTextStyle>
   <p:extLst>
     <p:ext uri="{EFAFB233-063F-42B5-8137-9DF3F51BA10A}">
-      <p15:sldGuideLst xmlns="" xmlns:p15="http://schemas.microsoft.com/office/powerpoint/2012/main">
+      <p15:sldGuideLst xmlns:p15="http://schemas.microsoft.com/office/powerpoint/2012/main" xmlns="">
         <p15:guide id="1" orient="horz" pos="2160">
           <p15:clr>
             <a:srgbClr val="A4A3A4"/>
@@ -4925,7 +4925,7 @@
           <a:graphicData uri="http://schemas.openxmlformats.org/presentationml/2006/ole">
             <mc:AlternateContent xmlns:mc="http://schemas.openxmlformats.org/markup-compatibility/2006">
               <mc:Choice xmlns:v="urn:schemas-microsoft-com:vml" Requires="v">
-                <p:oleObj spid="_x0000_s4143" name="Equation" r:id="rId3" imgW="520700" imgH="228600" progId="Equation.3">
+                <p:oleObj spid="_x0000_s4145" name="Equation" r:id="rId3" imgW="520700" imgH="228600" progId="Equation.3">
                   <p:embed/>
                 </p:oleObj>
               </mc:Choice>
@@ -5805,7 +5805,7 @@
 </file>
 
 <file path=ppt/slides/slide2.xml><?xml version="1.0" encoding="utf-8"?>
-<p:sld xmlns:a="http://schemas.openxmlformats.org/drawingml/2006/main" xmlns:r="http://schemas.openxmlformats.org/officeDocument/2006/relationships" xmlns:p="http://schemas.openxmlformats.org/presentationml/2006/main">
+<p:sld xmlns:a="http://schemas.openxmlformats.org/drawingml/2006/main" xmlns:r="http://schemas.openxmlformats.org/officeDocument/2006/relationships" xmlns:p="http://schemas.openxmlformats.org/presentationml/2006/main" show="0">
   <p:cSld>
     <p:spTree>
       <p:nvGrpSpPr>
@@ -5900,6 +5900,14 @@
   <p:clrMapOvr>
     <a:masterClrMapping/>
   </p:clrMapOvr>
+  <mc:AlternateContent xmlns:mc="http://schemas.openxmlformats.org/markup-compatibility/2006">
+    <mc:Choice xmlns:p14="http://schemas.microsoft.com/office/powerpoint/2010/main" Requires="p14">
+      <p:transition spd="slow" p14:dur="2000"/>
+    </mc:Choice>
+    <mc:Fallback>
+      <p:transition xmlns:p14="http://schemas.microsoft.com/office/powerpoint/2010/main" spd="slow"/>
+    </mc:Fallback>
+  </mc:AlternateContent>
   <p:timing>
     <p:tnLst>
       <p:par>
@@ -6508,7 +6516,23 @@
                   <a:srgbClr val="0000FF"/>
                 </a:solidFill>
               </a:rPr>
-              <a:t>Exam 1: Monday 3/2. </a:t>
+              <a:t>Exam 1: </a:t>
+            </a:r>
+            <a:r>
+              <a:rPr lang="en-US" dirty="0" smtClean="0">
+                <a:solidFill>
+                  <a:srgbClr val="0000FF"/>
+                </a:solidFill>
+              </a:rPr>
+              <a:t>Friday </a:t>
+            </a:r>
+            <a:r>
+              <a:rPr lang="en-US" dirty="0" smtClean="0">
+                <a:solidFill>
+                  <a:srgbClr val="0000FF"/>
+                </a:solidFill>
+              </a:rPr>
+              <a:t>3/2. </a:t>
             </a:r>
             <a:r>
               <a:rPr lang="en-US" dirty="0" smtClean="0"/>
@@ -6539,15 +6563,15 @@
                   <a:srgbClr val="0000FF"/>
                 </a:solidFill>
               </a:rPr>
-              <a:t>Exam 2: Monday </a:t>
-            </a:r>
-            <a:r>
-              <a:rPr lang="en-US" dirty="0">
+              <a:t>Exam 2: </a:t>
+            </a:r>
+            <a:r>
+              <a:rPr lang="en-US" dirty="0" smtClean="0">
                 <a:solidFill>
                   <a:srgbClr val="0000FF"/>
                 </a:solidFill>
               </a:rPr>
-              <a:t>4</a:t>
+              <a:t>Friday 4</a:t>
             </a:r>
             <a:r>
               <a:rPr lang="en-US" dirty="0" smtClean="0">
@@ -6586,15 +6610,23 @@
                   <a:srgbClr val="0000FF"/>
                 </a:solidFill>
               </a:rPr>
-              <a:t>Exam 3: Monday </a:t>
-            </a:r>
-            <a:r>
-              <a:rPr lang="en-US" dirty="0">
+              <a:t>Exam 3</a:t>
+            </a:r>
+            <a:r>
+              <a:rPr lang="en-US" smtClean="0">
                 <a:solidFill>
                   <a:srgbClr val="0000FF"/>
                 </a:solidFill>
               </a:rPr>
-              <a:t>5</a:t>
+              <a:t>: </a:t>
+            </a:r>
+            <a:r>
+              <a:rPr lang="en-US" smtClean="0">
+                <a:solidFill>
+                  <a:srgbClr val="0000FF"/>
+                </a:solidFill>
+              </a:rPr>
+              <a:t>Friday 5</a:t>
             </a:r>
             <a:r>
               <a:rPr lang="en-US" dirty="0" smtClean="0">
@@ -6752,7 +6784,7 @@
           <a:graphicData uri="http://schemas.openxmlformats.org/presentationml/2006/ole">
             <mc:AlternateContent xmlns:mc="http://schemas.openxmlformats.org/markup-compatibility/2006">
               <mc:Choice xmlns:v="urn:schemas-microsoft-com:vml" Requires="v">
-                <p:oleObj spid="_x0000_s1126" name="Equation" r:id="rId3" imgW="1282700" imgH="685800" progId="Equation.3">
+                <p:oleObj spid="_x0000_s1129" name="Equation" r:id="rId3" imgW="1282700" imgH="685800" progId="Equation.3">
                   <p:embed/>
                 </p:oleObj>
               </mc:Choice>
@@ -7000,7 +7032,7 @@
           <a:graphicData uri="http://schemas.openxmlformats.org/presentationml/2006/ole">
             <mc:AlternateContent xmlns:mc="http://schemas.openxmlformats.org/markup-compatibility/2006">
               <mc:Choice xmlns:v="urn:schemas-microsoft-com:vml" Requires="v">
-                <p:oleObj spid="_x0000_s1127" name="Equation" r:id="rId5" imgW="2082800" imgH="812800" progId="Equation.3">
+                <p:oleObj spid="_x0000_s1130" name="Equation" r:id="rId5" imgW="2082800" imgH="812800" progId="Equation.3">
                   <p:embed/>
                 </p:oleObj>
               </mc:Choice>
@@ -7742,7 +7774,7 @@
           <a:graphicData uri="http://schemas.openxmlformats.org/presentationml/2006/ole">
             <mc:AlternateContent xmlns:mc="http://schemas.openxmlformats.org/markup-compatibility/2006">
               <mc:Choice xmlns:v="urn:schemas-microsoft-com:vml" Requires="v">
-                <p:oleObj spid="_x0000_s3126" name="Equation" r:id="rId3" imgW="2082800" imgH="812800" progId="Equation.3">
+                <p:oleObj spid="_x0000_s3128" name="Equation" r:id="rId3" imgW="2082800" imgH="812800" progId="Equation.3">
                   <p:embed/>
                 </p:oleObj>
               </mc:Choice>

--- a/lectures/1806overview.pptx
+++ b/lectures/1806overview.pptx
@@ -120,7 +120,7 @@
   </p:defaultTextStyle>
   <p:extLst>
     <p:ext uri="{EFAFB233-063F-42B5-8137-9DF3F51BA10A}">
-      <p15:sldGuideLst xmlns:p15="http://schemas.microsoft.com/office/powerpoint/2012/main" xmlns="">
+      <p15:sldGuideLst xmlns="" xmlns:p15="http://schemas.microsoft.com/office/powerpoint/2012/main">
         <p15:guide id="1" orient="horz" pos="2160">
           <p15:clr>
             <a:srgbClr val="A4A3A4"/>
@@ -318,7 +318,7 @@
           <a:p>
             <a:fld id="{0DBCF7F0-66B2-E246-9655-E9BA5C294290}" type="datetimeFigureOut">
               <a:rPr lang="en-US" smtClean="0"/>
-              <a:t>2/7/18</a:t>
+              <a:t>3/13/18</a:t>
             </a:fld>
             <a:endParaRPr lang="en-US"/>
           </a:p>
@@ -488,7 +488,7 @@
           <a:p>
             <a:fld id="{0DBCF7F0-66B2-E246-9655-E9BA5C294290}" type="datetimeFigureOut">
               <a:rPr lang="en-US" smtClean="0"/>
-              <a:t>2/7/18</a:t>
+              <a:t>3/13/18</a:t>
             </a:fld>
             <a:endParaRPr lang="en-US"/>
           </a:p>
@@ -668,7 +668,7 @@
           <a:p>
             <a:fld id="{0DBCF7F0-66B2-E246-9655-E9BA5C294290}" type="datetimeFigureOut">
               <a:rPr lang="en-US" smtClean="0"/>
-              <a:t>2/7/18</a:t>
+              <a:t>3/13/18</a:t>
             </a:fld>
             <a:endParaRPr lang="en-US"/>
           </a:p>
@@ -838,7 +838,7 @@
           <a:p>
             <a:fld id="{0DBCF7F0-66B2-E246-9655-E9BA5C294290}" type="datetimeFigureOut">
               <a:rPr lang="en-US" smtClean="0"/>
-              <a:t>2/7/18</a:t>
+              <a:t>3/13/18</a:t>
             </a:fld>
             <a:endParaRPr lang="en-US"/>
           </a:p>
@@ -1084,7 +1084,7 @@
           <a:p>
             <a:fld id="{0DBCF7F0-66B2-E246-9655-E9BA5C294290}" type="datetimeFigureOut">
               <a:rPr lang="en-US" smtClean="0"/>
-              <a:t>2/7/18</a:t>
+              <a:t>3/13/18</a:t>
             </a:fld>
             <a:endParaRPr lang="en-US"/>
           </a:p>
@@ -1372,7 +1372,7 @@
           <a:p>
             <a:fld id="{0DBCF7F0-66B2-E246-9655-E9BA5C294290}" type="datetimeFigureOut">
               <a:rPr lang="en-US" smtClean="0"/>
-              <a:t>2/7/18</a:t>
+              <a:t>3/13/18</a:t>
             </a:fld>
             <a:endParaRPr lang="en-US"/>
           </a:p>
@@ -1794,7 +1794,7 @@
           <a:p>
             <a:fld id="{0DBCF7F0-66B2-E246-9655-E9BA5C294290}" type="datetimeFigureOut">
               <a:rPr lang="en-US" smtClean="0"/>
-              <a:t>2/7/18</a:t>
+              <a:t>3/13/18</a:t>
             </a:fld>
             <a:endParaRPr lang="en-US"/>
           </a:p>
@@ -1912,7 +1912,7 @@
           <a:p>
             <a:fld id="{0DBCF7F0-66B2-E246-9655-E9BA5C294290}" type="datetimeFigureOut">
               <a:rPr lang="en-US" smtClean="0"/>
-              <a:t>2/7/18</a:t>
+              <a:t>3/13/18</a:t>
             </a:fld>
             <a:endParaRPr lang="en-US"/>
           </a:p>
@@ -2007,7 +2007,7 @@
           <a:p>
             <a:fld id="{0DBCF7F0-66B2-E246-9655-E9BA5C294290}" type="datetimeFigureOut">
               <a:rPr lang="en-US" smtClean="0"/>
-              <a:t>2/7/18</a:t>
+              <a:t>3/13/18</a:t>
             </a:fld>
             <a:endParaRPr lang="en-US"/>
           </a:p>
@@ -2284,7 +2284,7 @@
           <a:p>
             <a:fld id="{0DBCF7F0-66B2-E246-9655-E9BA5C294290}" type="datetimeFigureOut">
               <a:rPr lang="en-US" smtClean="0"/>
-              <a:t>2/7/18</a:t>
+              <a:t>3/13/18</a:t>
             </a:fld>
             <a:endParaRPr lang="en-US"/>
           </a:p>
@@ -2537,7 +2537,7 @@
           <a:p>
             <a:fld id="{0DBCF7F0-66B2-E246-9655-E9BA5C294290}" type="datetimeFigureOut">
               <a:rPr lang="en-US" smtClean="0"/>
-              <a:t>2/7/18</a:t>
+              <a:t>3/13/18</a:t>
             </a:fld>
             <a:endParaRPr lang="en-US"/>
           </a:p>
@@ -2750,7 +2750,7 @@
           <a:p>
             <a:fld id="{0DBCF7F0-66B2-E246-9655-E9BA5C294290}" type="datetimeFigureOut">
               <a:rPr lang="en-US" smtClean="0"/>
-              <a:t>2/7/18</a:t>
+              <a:t>3/13/18</a:t>
             </a:fld>
             <a:endParaRPr lang="en-US"/>
           </a:p>
@@ -4925,7 +4925,7 @@
           <a:graphicData uri="http://schemas.openxmlformats.org/presentationml/2006/ole">
             <mc:AlternateContent xmlns:mc="http://schemas.openxmlformats.org/markup-compatibility/2006">
               <mc:Choice xmlns:v="urn:schemas-microsoft-com:vml" Requires="v">
-                <p:oleObj spid="_x0000_s4145" name="Equation" r:id="rId3" imgW="520700" imgH="228600" progId="Equation.3">
+                <p:oleObj spid="_x0000_s4148" name="Equation" r:id="rId3" imgW="520700" imgH="228600" progId="Equation.3">
                   <p:embed/>
                 </p:oleObj>
               </mc:Choice>
@@ -6516,23 +6516,7 @@
                   <a:srgbClr val="0000FF"/>
                 </a:solidFill>
               </a:rPr>
-              <a:t>Exam 1: </a:t>
-            </a:r>
-            <a:r>
-              <a:rPr lang="en-US" dirty="0" smtClean="0">
-                <a:solidFill>
-                  <a:srgbClr val="0000FF"/>
-                </a:solidFill>
-              </a:rPr>
-              <a:t>Friday </a:t>
-            </a:r>
-            <a:r>
-              <a:rPr lang="en-US" dirty="0" smtClean="0">
-                <a:solidFill>
-                  <a:srgbClr val="0000FF"/>
-                </a:solidFill>
-              </a:rPr>
-              <a:t>3/2. </a:t>
+              <a:t>Exam 1: Friday 3/2. </a:t>
             </a:r>
             <a:r>
               <a:rPr lang="en-US" dirty="0" smtClean="0"/>
@@ -6563,23 +6547,7 @@
                   <a:srgbClr val="0000FF"/>
                 </a:solidFill>
               </a:rPr>
-              <a:t>Exam 2: </a:t>
-            </a:r>
-            <a:r>
-              <a:rPr lang="en-US" dirty="0" smtClean="0">
-                <a:solidFill>
-                  <a:srgbClr val="0000FF"/>
-                </a:solidFill>
-              </a:rPr>
-              <a:t>Friday 4</a:t>
-            </a:r>
-            <a:r>
-              <a:rPr lang="en-US" dirty="0" smtClean="0">
-                <a:solidFill>
-                  <a:srgbClr val="0000FF"/>
-                </a:solidFill>
-              </a:rPr>
-              <a:t>/6. </a:t>
+              <a:t>Exam 2: Friday 4/6. </a:t>
             </a:r>
             <a:r>
               <a:rPr lang="en-US" dirty="0" err="1" smtClean="0"/>
@@ -6595,7 +6563,15 @@
             </a:r>
             <a:r>
               <a:rPr lang="en-US" dirty="0" smtClean="0"/>
-              <a:t>(Book: 1–4, 10.5).</a:t>
+              <a:t>(Book</a:t>
+            </a:r>
+            <a:r>
+              <a:rPr lang="en-US" dirty="0"/>
+              <a:t>: Chapters 1 to 6.2, and 8.2, 8.5)</a:t>
+            </a:r>
+            <a:r>
+              <a:rPr lang="en-US" dirty="0" smtClean="0"/>
+              <a:t>.</a:t>
             </a:r>
           </a:p>
           <a:p>
@@ -6610,31 +6586,7 @@
                   <a:srgbClr val="0000FF"/>
                 </a:solidFill>
               </a:rPr>
-              <a:t>Exam 3</a:t>
-            </a:r>
-            <a:r>
-              <a:rPr lang="en-US" smtClean="0">
-                <a:solidFill>
-                  <a:srgbClr val="0000FF"/>
-                </a:solidFill>
-              </a:rPr>
-              <a:t>: </a:t>
-            </a:r>
-            <a:r>
-              <a:rPr lang="en-US" smtClean="0">
-                <a:solidFill>
-                  <a:srgbClr val="0000FF"/>
-                </a:solidFill>
-              </a:rPr>
-              <a:t>Friday 5</a:t>
-            </a:r>
-            <a:r>
-              <a:rPr lang="en-US" dirty="0" smtClean="0">
-                <a:solidFill>
-                  <a:srgbClr val="0000FF"/>
-                </a:solidFill>
-              </a:rPr>
-              <a:t>/4.</a:t>
+              <a:t>Exam 3: Friday 5/4.</a:t>
             </a:r>
             <a:r>
               <a:rPr lang="en-US" dirty="0" smtClean="0"/>
@@ -6784,7 +6736,7 @@
           <a:graphicData uri="http://schemas.openxmlformats.org/presentationml/2006/ole">
             <mc:AlternateContent xmlns:mc="http://schemas.openxmlformats.org/markup-compatibility/2006">
               <mc:Choice xmlns:v="urn:schemas-microsoft-com:vml" Requires="v">
-                <p:oleObj spid="_x0000_s1129" name="Equation" r:id="rId3" imgW="1282700" imgH="685800" progId="Equation.3">
+                <p:oleObj spid="_x0000_s1134" name="Equation" r:id="rId3" imgW="1282700" imgH="685800" progId="Equation.3">
                   <p:embed/>
                 </p:oleObj>
               </mc:Choice>
@@ -7032,7 +6984,7 @@
           <a:graphicData uri="http://schemas.openxmlformats.org/presentationml/2006/ole">
             <mc:AlternateContent xmlns:mc="http://schemas.openxmlformats.org/markup-compatibility/2006">
               <mc:Choice xmlns:v="urn:schemas-microsoft-com:vml" Requires="v">
-                <p:oleObj spid="_x0000_s1130" name="Equation" r:id="rId5" imgW="2082800" imgH="812800" progId="Equation.3">
+                <p:oleObj spid="_x0000_s1135" name="Equation" r:id="rId5" imgW="2082800" imgH="812800" progId="Equation.3">
                   <p:embed/>
                 </p:oleObj>
               </mc:Choice>
@@ -7774,7 +7726,7 @@
           <a:graphicData uri="http://schemas.openxmlformats.org/presentationml/2006/ole">
             <mc:AlternateContent xmlns:mc="http://schemas.openxmlformats.org/markup-compatibility/2006">
               <mc:Choice xmlns:v="urn:schemas-microsoft-com:vml" Requires="v">
-                <p:oleObj spid="_x0000_s3128" name="Equation" r:id="rId3" imgW="2082800" imgH="812800" progId="Equation.3">
+                <p:oleObj spid="_x0000_s3131" name="Equation" r:id="rId3" imgW="2082800" imgH="812800" progId="Equation.3">
                   <p:embed/>
                 </p:oleObj>
               </mc:Choice>

--- a/lectures/1806overview.pptx
+++ b/lectures/1806overview.pptx
@@ -120,7 +120,7 @@
   </p:defaultTextStyle>
   <p:extLst>
     <p:ext uri="{EFAFB233-063F-42B5-8137-9DF3F51BA10A}">
-      <p15:sldGuideLst xmlns="" xmlns:p15="http://schemas.microsoft.com/office/powerpoint/2012/main">
+      <p15:sldGuideLst xmlns:p15="http://schemas.microsoft.com/office/powerpoint/2012/main" xmlns="">
         <p15:guide id="1" orient="horz" pos="2160">
           <p15:clr>
             <a:srgbClr val="A4A3A4"/>
@@ -318,7 +318,7 @@
           <a:p>
             <a:fld id="{0DBCF7F0-66B2-E246-9655-E9BA5C294290}" type="datetimeFigureOut">
               <a:rPr lang="en-US" smtClean="0"/>
-              <a:t>3/13/18</a:t>
+              <a:t>3/27/18</a:t>
             </a:fld>
             <a:endParaRPr lang="en-US"/>
           </a:p>
@@ -488,7 +488,7 @@
           <a:p>
             <a:fld id="{0DBCF7F0-66B2-E246-9655-E9BA5C294290}" type="datetimeFigureOut">
               <a:rPr lang="en-US" smtClean="0"/>
-              <a:t>3/13/18</a:t>
+              <a:t>3/27/18</a:t>
             </a:fld>
             <a:endParaRPr lang="en-US"/>
           </a:p>
@@ -668,7 +668,7 @@
           <a:p>
             <a:fld id="{0DBCF7F0-66B2-E246-9655-E9BA5C294290}" type="datetimeFigureOut">
               <a:rPr lang="en-US" smtClean="0"/>
-              <a:t>3/13/18</a:t>
+              <a:t>3/27/18</a:t>
             </a:fld>
             <a:endParaRPr lang="en-US"/>
           </a:p>
@@ -838,7 +838,7 @@
           <a:p>
             <a:fld id="{0DBCF7F0-66B2-E246-9655-E9BA5C294290}" type="datetimeFigureOut">
               <a:rPr lang="en-US" smtClean="0"/>
-              <a:t>3/13/18</a:t>
+              <a:t>3/27/18</a:t>
             </a:fld>
             <a:endParaRPr lang="en-US"/>
           </a:p>
@@ -1084,7 +1084,7 @@
           <a:p>
             <a:fld id="{0DBCF7F0-66B2-E246-9655-E9BA5C294290}" type="datetimeFigureOut">
               <a:rPr lang="en-US" smtClean="0"/>
-              <a:t>3/13/18</a:t>
+              <a:t>3/27/18</a:t>
             </a:fld>
             <a:endParaRPr lang="en-US"/>
           </a:p>
@@ -1372,7 +1372,7 @@
           <a:p>
             <a:fld id="{0DBCF7F0-66B2-E246-9655-E9BA5C294290}" type="datetimeFigureOut">
               <a:rPr lang="en-US" smtClean="0"/>
-              <a:t>3/13/18</a:t>
+              <a:t>3/27/18</a:t>
             </a:fld>
             <a:endParaRPr lang="en-US"/>
           </a:p>
@@ -1794,7 +1794,7 @@
           <a:p>
             <a:fld id="{0DBCF7F0-66B2-E246-9655-E9BA5C294290}" type="datetimeFigureOut">
               <a:rPr lang="en-US" smtClean="0"/>
-              <a:t>3/13/18</a:t>
+              <a:t>3/27/18</a:t>
             </a:fld>
             <a:endParaRPr lang="en-US"/>
           </a:p>
@@ -1912,7 +1912,7 @@
           <a:p>
             <a:fld id="{0DBCF7F0-66B2-E246-9655-E9BA5C294290}" type="datetimeFigureOut">
               <a:rPr lang="en-US" smtClean="0"/>
-              <a:t>3/13/18</a:t>
+              <a:t>3/27/18</a:t>
             </a:fld>
             <a:endParaRPr lang="en-US"/>
           </a:p>
@@ -2007,7 +2007,7 @@
           <a:p>
             <a:fld id="{0DBCF7F0-66B2-E246-9655-E9BA5C294290}" type="datetimeFigureOut">
               <a:rPr lang="en-US" smtClean="0"/>
-              <a:t>3/13/18</a:t>
+              <a:t>3/27/18</a:t>
             </a:fld>
             <a:endParaRPr lang="en-US"/>
           </a:p>
@@ -2284,7 +2284,7 @@
           <a:p>
             <a:fld id="{0DBCF7F0-66B2-E246-9655-E9BA5C294290}" type="datetimeFigureOut">
               <a:rPr lang="en-US" smtClean="0"/>
-              <a:t>3/13/18</a:t>
+              <a:t>3/27/18</a:t>
             </a:fld>
             <a:endParaRPr lang="en-US"/>
           </a:p>
@@ -2537,7 +2537,7 @@
           <a:p>
             <a:fld id="{0DBCF7F0-66B2-E246-9655-E9BA5C294290}" type="datetimeFigureOut">
               <a:rPr lang="en-US" smtClean="0"/>
-              <a:t>3/13/18</a:t>
+              <a:t>3/27/18</a:t>
             </a:fld>
             <a:endParaRPr lang="en-US"/>
           </a:p>
@@ -2750,7 +2750,7 @@
           <a:p>
             <a:fld id="{0DBCF7F0-66B2-E246-9655-E9BA5C294290}" type="datetimeFigureOut">
               <a:rPr lang="en-US" smtClean="0"/>
-              <a:t>3/13/18</a:t>
+              <a:t>3/27/18</a:t>
             </a:fld>
             <a:endParaRPr lang="en-US"/>
           </a:p>
@@ -4925,7 +4925,7 @@
           <a:graphicData uri="http://schemas.openxmlformats.org/presentationml/2006/ole">
             <mc:AlternateContent xmlns:mc="http://schemas.openxmlformats.org/markup-compatibility/2006">
               <mc:Choice xmlns:v="urn:schemas-microsoft-com:vml" Requires="v">
-                <p:oleObj spid="_x0000_s4148" name="Equation" r:id="rId3" imgW="520700" imgH="228600" progId="Equation.3">
+                <p:oleObj spid="_x0000_s4153" name="Equation" r:id="rId3" imgW="520700" imgH="228600" progId="Equation.3">
                   <p:embed/>
                 </p:oleObj>
               </mc:Choice>
@@ -6458,7 +6458,7 @@
         <p:spPr/>
         <p:txBody>
           <a:bodyPr>
-            <a:normAutofit fontScale="55000" lnSpcReduction="20000"/>
+            <a:normAutofit fontScale="47500" lnSpcReduction="20000"/>
           </a:bodyPr>
           <a:lstStyle/>
           <a:p>
@@ -6555,24 +6555,29 @@
             </a:r>
             <a:r>
               <a:rPr lang="en-US" dirty="0" smtClean="0"/>
-              <a:t>, projections, least-squares, QR, Gram–Schmidt, orthogonal functions</a:t>
-            </a:r>
-            <a:r>
-              <a:rPr lang="en-US" dirty="0"/>
-              <a:t> </a:t>
+              <a:t>, projections, least-squares, QR, Gram–Schmidt, orthogonal </a:t>
+            </a:r>
+            <a:r>
+              <a:rPr lang="en-US" dirty="0" smtClean="0"/>
+              <a:t>functions, determinants, infinite dimensional vector spaces  </a:t>
             </a:r>
             <a:r>
               <a:rPr lang="en-US" dirty="0" smtClean="0"/>
               <a:t>(Book</a:t>
             </a:r>
             <a:r>
-              <a:rPr lang="en-US" dirty="0"/>
-              <a:t>: Chapters 1 to 6.2, and 8.2, 8.5)</a:t>
-            </a:r>
-            <a:r>
-              <a:rPr lang="en-US" dirty="0" smtClean="0"/>
-              <a:t>.</a:t>
-            </a:r>
+              <a:rPr lang="en-US" dirty="0" smtClean="0"/>
+              <a:t>: Up to end of chapter 5 , and 10.5 ).  Concentrating on material since exam 1, but linear algebra </a:t>
+            </a:r>
+            <a:r>
+              <a:rPr lang="en-US" smtClean="0"/>
+              <a:t>is  </a:t>
+            </a:r>
+            <a:r>
+              <a:rPr lang="en-US" dirty="0" smtClean="0"/>
+              <a:t>cumulative.</a:t>
+            </a:r>
+            <a:endParaRPr lang="en-US" dirty="0" smtClean="0"/>
           </a:p>
           <a:p>
             <a:pPr>
@@ -6736,7 +6741,7 @@
           <a:graphicData uri="http://schemas.openxmlformats.org/presentationml/2006/ole">
             <mc:AlternateContent xmlns:mc="http://schemas.openxmlformats.org/markup-compatibility/2006">
               <mc:Choice xmlns:v="urn:schemas-microsoft-com:vml" Requires="v">
-                <p:oleObj spid="_x0000_s1134" name="Equation" r:id="rId3" imgW="1282700" imgH="685800" progId="Equation.3">
+                <p:oleObj spid="_x0000_s1143" name="Equation" r:id="rId3" imgW="1282700" imgH="685800" progId="Equation.3">
                   <p:embed/>
                 </p:oleObj>
               </mc:Choice>
@@ -6984,7 +6989,7 @@
           <a:graphicData uri="http://schemas.openxmlformats.org/presentationml/2006/ole">
             <mc:AlternateContent xmlns:mc="http://schemas.openxmlformats.org/markup-compatibility/2006">
               <mc:Choice xmlns:v="urn:schemas-microsoft-com:vml" Requires="v">
-                <p:oleObj spid="_x0000_s1135" name="Equation" r:id="rId5" imgW="2082800" imgH="812800" progId="Equation.3">
+                <p:oleObj spid="_x0000_s1144" name="Equation" r:id="rId5" imgW="2082800" imgH="812800" progId="Equation.3">
                   <p:embed/>
                 </p:oleObj>
               </mc:Choice>
@@ -7726,7 +7731,7 @@
           <a:graphicData uri="http://schemas.openxmlformats.org/presentationml/2006/ole">
             <mc:AlternateContent xmlns:mc="http://schemas.openxmlformats.org/markup-compatibility/2006">
               <mc:Choice xmlns:v="urn:schemas-microsoft-com:vml" Requires="v">
-                <p:oleObj spid="_x0000_s3131" name="Equation" r:id="rId3" imgW="2082800" imgH="812800" progId="Equation.3">
+                <p:oleObj spid="_x0000_s3136" name="Equation" r:id="rId3" imgW="2082800" imgH="812800" progId="Equation.3">
                   <p:embed/>
                 </p:oleObj>
               </mc:Choice>

--- a/lectures/1806overview.pptx
+++ b/lectures/1806overview.pptx
@@ -20,6 +20,7 @@
     <p:sldId id="263" r:id="rId14"/>
     <p:sldId id="267" r:id="rId15"/>
     <p:sldId id="269" r:id="rId16"/>
+    <p:sldId id="271" r:id="rId17"/>
   </p:sldIdLst>
   <p:sldSz cx="9144000" cy="6858000" type="screen4x3"/>
   <p:notesSz cx="6858000" cy="9144000"/>
@@ -120,7 +121,7 @@
   </p:defaultTextStyle>
   <p:extLst>
     <p:ext uri="{EFAFB233-063F-42B5-8137-9DF3F51BA10A}">
-      <p15:sldGuideLst xmlns:p15="http://schemas.microsoft.com/office/powerpoint/2012/main" xmlns="">
+      <p15:sldGuideLst xmlns:p15="http://schemas.microsoft.com/office/powerpoint/2012/main">
         <p15:guide id="1" orient="horz" pos="2160">
           <p15:clr>
             <a:srgbClr val="A4A3A4"/>
@@ -175,10 +176,9 @@
           <a:lstStyle/>
           <a:p>
             <a:r>
-              <a:rPr lang="en-US" smtClean="0"/>
+              <a:rPr lang="en-US"/>
               <a:t>Click to edit Master title style</a:t>
             </a:r>
-            <a:endParaRPr lang="en-US"/>
           </a:p>
         </p:txBody>
       </p:sp>
@@ -294,10 +294,9 @@
           </a:lstStyle>
           <a:p>
             <a:r>
-              <a:rPr lang="en-US" smtClean="0"/>
+              <a:rPr lang="en-US"/>
               <a:t>Click to edit Master subtitle style</a:t>
             </a:r>
-            <a:endParaRPr lang="en-US"/>
           </a:p>
         </p:txBody>
       </p:sp>
@@ -318,7 +317,7 @@
           <a:p>
             <a:fld id="{0DBCF7F0-66B2-E246-9655-E9BA5C294290}" type="datetimeFigureOut">
               <a:rPr lang="en-US" smtClean="0"/>
-              <a:t>3/27/18</a:t>
+              <a:t>9/4/18</a:t>
             </a:fld>
             <a:endParaRPr lang="en-US"/>
           </a:p>
@@ -412,10 +411,9 @@
           <a:lstStyle/>
           <a:p>
             <a:r>
-              <a:rPr lang="en-US" smtClean="0"/>
+              <a:rPr lang="en-US"/>
               <a:t>Click to edit Master title style</a:t>
             </a:r>
-            <a:endParaRPr lang="en-US"/>
           </a:p>
         </p:txBody>
       </p:sp>
@@ -436,38 +434,37 @@
           <a:p>
             <a:pPr lvl="0"/>
             <a:r>
-              <a:rPr lang="en-US" smtClean="0"/>
+              <a:rPr lang="en-US"/>
               <a:t>Click to edit Master text styles</a:t>
             </a:r>
           </a:p>
           <a:p>
             <a:pPr lvl="1"/>
             <a:r>
-              <a:rPr lang="en-US" smtClean="0"/>
+              <a:rPr lang="en-US"/>
               <a:t>Second level</a:t>
             </a:r>
           </a:p>
           <a:p>
             <a:pPr lvl="2"/>
             <a:r>
-              <a:rPr lang="en-US" smtClean="0"/>
+              <a:rPr lang="en-US"/>
               <a:t>Third level</a:t>
             </a:r>
           </a:p>
           <a:p>
             <a:pPr lvl="3"/>
             <a:r>
-              <a:rPr lang="en-US" smtClean="0"/>
+              <a:rPr lang="en-US"/>
               <a:t>Fourth level</a:t>
             </a:r>
           </a:p>
           <a:p>
             <a:pPr lvl="4"/>
             <a:r>
-              <a:rPr lang="en-US" smtClean="0"/>
+              <a:rPr lang="en-US"/>
               <a:t>Fifth level</a:t>
             </a:r>
-            <a:endParaRPr lang="en-US"/>
           </a:p>
         </p:txBody>
       </p:sp>
@@ -488,7 +485,7 @@
           <a:p>
             <a:fld id="{0DBCF7F0-66B2-E246-9655-E9BA5C294290}" type="datetimeFigureOut">
               <a:rPr lang="en-US" smtClean="0"/>
-              <a:t>3/27/18</a:t>
+              <a:t>9/4/18</a:t>
             </a:fld>
             <a:endParaRPr lang="en-US"/>
           </a:p>
@@ -587,10 +584,9 @@
           <a:lstStyle/>
           <a:p>
             <a:r>
-              <a:rPr lang="en-US" smtClean="0"/>
+              <a:rPr lang="en-US"/>
               <a:t>Click to edit Master title style</a:t>
             </a:r>
-            <a:endParaRPr lang="en-US"/>
           </a:p>
         </p:txBody>
       </p:sp>
@@ -616,38 +612,37 @@
           <a:p>
             <a:pPr lvl="0"/>
             <a:r>
-              <a:rPr lang="en-US" smtClean="0"/>
+              <a:rPr lang="en-US"/>
               <a:t>Click to edit Master text styles</a:t>
             </a:r>
           </a:p>
           <a:p>
             <a:pPr lvl="1"/>
             <a:r>
-              <a:rPr lang="en-US" smtClean="0"/>
+              <a:rPr lang="en-US"/>
               <a:t>Second level</a:t>
             </a:r>
           </a:p>
           <a:p>
             <a:pPr lvl="2"/>
             <a:r>
-              <a:rPr lang="en-US" smtClean="0"/>
+              <a:rPr lang="en-US"/>
               <a:t>Third level</a:t>
             </a:r>
           </a:p>
           <a:p>
             <a:pPr lvl="3"/>
             <a:r>
-              <a:rPr lang="en-US" smtClean="0"/>
+              <a:rPr lang="en-US"/>
               <a:t>Fourth level</a:t>
             </a:r>
           </a:p>
           <a:p>
             <a:pPr lvl="4"/>
             <a:r>
-              <a:rPr lang="en-US" smtClean="0"/>
+              <a:rPr lang="en-US"/>
               <a:t>Fifth level</a:t>
             </a:r>
-            <a:endParaRPr lang="en-US"/>
           </a:p>
         </p:txBody>
       </p:sp>
@@ -668,7 +663,7 @@
           <a:p>
             <a:fld id="{0DBCF7F0-66B2-E246-9655-E9BA5C294290}" type="datetimeFigureOut">
               <a:rPr lang="en-US" smtClean="0"/>
-              <a:t>3/27/18</a:t>
+              <a:t>9/4/18</a:t>
             </a:fld>
             <a:endParaRPr lang="en-US"/>
           </a:p>
@@ -762,10 +757,9 @@
           <a:lstStyle/>
           <a:p>
             <a:r>
-              <a:rPr lang="en-US" smtClean="0"/>
+              <a:rPr lang="en-US"/>
               <a:t>Click to edit Master title style</a:t>
             </a:r>
-            <a:endParaRPr lang="en-US"/>
           </a:p>
         </p:txBody>
       </p:sp>
@@ -786,38 +780,37 @@
           <a:p>
             <a:pPr lvl="0"/>
             <a:r>
-              <a:rPr lang="en-US" smtClean="0"/>
+              <a:rPr lang="en-US"/>
               <a:t>Click to edit Master text styles</a:t>
             </a:r>
           </a:p>
           <a:p>
             <a:pPr lvl="1"/>
             <a:r>
-              <a:rPr lang="en-US" smtClean="0"/>
+              <a:rPr lang="en-US"/>
               <a:t>Second level</a:t>
             </a:r>
           </a:p>
           <a:p>
             <a:pPr lvl="2"/>
             <a:r>
-              <a:rPr lang="en-US" smtClean="0"/>
+              <a:rPr lang="en-US"/>
               <a:t>Third level</a:t>
             </a:r>
           </a:p>
           <a:p>
             <a:pPr lvl="3"/>
             <a:r>
-              <a:rPr lang="en-US" smtClean="0"/>
+              <a:rPr lang="en-US"/>
               <a:t>Fourth level</a:t>
             </a:r>
           </a:p>
           <a:p>
             <a:pPr lvl="4"/>
             <a:r>
-              <a:rPr lang="en-US" smtClean="0"/>
+              <a:rPr lang="en-US"/>
               <a:t>Fifth level</a:t>
             </a:r>
-            <a:endParaRPr lang="en-US"/>
           </a:p>
         </p:txBody>
       </p:sp>
@@ -838,7 +831,7 @@
           <a:p>
             <a:fld id="{0DBCF7F0-66B2-E246-9655-E9BA5C294290}" type="datetimeFigureOut">
               <a:rPr lang="en-US" smtClean="0"/>
-              <a:t>3/27/18</a:t>
+              <a:t>9/4/18</a:t>
             </a:fld>
             <a:endParaRPr lang="en-US"/>
           </a:p>
@@ -941,10 +934,9 @@
           </a:lstStyle>
           <a:p>
             <a:r>
-              <a:rPr lang="en-US" smtClean="0"/>
+              <a:rPr lang="en-US"/>
               <a:t>Click to edit Master title style</a:t>
             </a:r>
-            <a:endParaRPr lang="en-US"/>
           </a:p>
         </p:txBody>
       </p:sp>
@@ -1061,7 +1053,7 @@
           <a:p>
             <a:pPr lvl="0"/>
             <a:r>
-              <a:rPr lang="en-US" smtClean="0"/>
+              <a:rPr lang="en-US"/>
               <a:t>Click to edit Master text styles</a:t>
             </a:r>
           </a:p>
@@ -1084,7 +1076,7 @@
           <a:p>
             <a:fld id="{0DBCF7F0-66B2-E246-9655-E9BA5C294290}" type="datetimeFigureOut">
               <a:rPr lang="en-US" smtClean="0"/>
-              <a:t>3/27/18</a:t>
+              <a:t>9/4/18</a:t>
             </a:fld>
             <a:endParaRPr lang="en-US"/>
           </a:p>
@@ -1178,10 +1170,9 @@
           <a:lstStyle/>
           <a:p>
             <a:r>
-              <a:rPr lang="en-US" smtClean="0"/>
+              <a:rPr lang="en-US"/>
               <a:t>Click to edit Master title style</a:t>
             </a:r>
-            <a:endParaRPr lang="en-US"/>
           </a:p>
         </p:txBody>
       </p:sp>
@@ -1235,38 +1226,37 @@
           <a:p>
             <a:pPr lvl="0"/>
             <a:r>
-              <a:rPr lang="en-US" smtClean="0"/>
+              <a:rPr lang="en-US"/>
               <a:t>Click to edit Master text styles</a:t>
             </a:r>
           </a:p>
           <a:p>
             <a:pPr lvl="1"/>
             <a:r>
-              <a:rPr lang="en-US" smtClean="0"/>
+              <a:rPr lang="en-US"/>
               <a:t>Second level</a:t>
             </a:r>
           </a:p>
           <a:p>
             <a:pPr lvl="2"/>
             <a:r>
-              <a:rPr lang="en-US" smtClean="0"/>
+              <a:rPr lang="en-US"/>
               <a:t>Third level</a:t>
             </a:r>
           </a:p>
           <a:p>
             <a:pPr lvl="3"/>
             <a:r>
-              <a:rPr lang="en-US" smtClean="0"/>
+              <a:rPr lang="en-US"/>
               <a:t>Fourth level</a:t>
             </a:r>
           </a:p>
           <a:p>
             <a:pPr lvl="4"/>
             <a:r>
-              <a:rPr lang="en-US" smtClean="0"/>
+              <a:rPr lang="en-US"/>
               <a:t>Fifth level</a:t>
             </a:r>
-            <a:endParaRPr lang="en-US"/>
           </a:p>
         </p:txBody>
       </p:sp>
@@ -1320,38 +1310,37 @@
           <a:p>
             <a:pPr lvl="0"/>
             <a:r>
-              <a:rPr lang="en-US" smtClean="0"/>
+              <a:rPr lang="en-US"/>
               <a:t>Click to edit Master text styles</a:t>
             </a:r>
           </a:p>
           <a:p>
             <a:pPr lvl="1"/>
             <a:r>
-              <a:rPr lang="en-US" smtClean="0"/>
+              <a:rPr lang="en-US"/>
               <a:t>Second level</a:t>
             </a:r>
           </a:p>
           <a:p>
             <a:pPr lvl="2"/>
             <a:r>
-              <a:rPr lang="en-US" smtClean="0"/>
+              <a:rPr lang="en-US"/>
               <a:t>Third level</a:t>
             </a:r>
           </a:p>
           <a:p>
             <a:pPr lvl="3"/>
             <a:r>
-              <a:rPr lang="en-US" smtClean="0"/>
+              <a:rPr lang="en-US"/>
               <a:t>Fourth level</a:t>
             </a:r>
           </a:p>
           <a:p>
             <a:pPr lvl="4"/>
             <a:r>
-              <a:rPr lang="en-US" smtClean="0"/>
+              <a:rPr lang="en-US"/>
               <a:t>Fifth level</a:t>
             </a:r>
-            <a:endParaRPr lang="en-US"/>
           </a:p>
         </p:txBody>
       </p:sp>
@@ -1372,7 +1361,7 @@
           <a:p>
             <a:fld id="{0DBCF7F0-66B2-E246-9655-E9BA5C294290}" type="datetimeFigureOut">
               <a:rPr lang="en-US" smtClean="0"/>
-              <a:t>3/27/18</a:t>
+              <a:t>9/4/18</a:t>
             </a:fld>
             <a:endParaRPr lang="en-US"/>
           </a:p>
@@ -1470,10 +1459,9 @@
           </a:lstStyle>
           <a:p>
             <a:r>
-              <a:rPr lang="en-US" smtClean="0"/>
+              <a:rPr lang="en-US"/>
               <a:t>Click to edit Master title style</a:t>
             </a:r>
-            <a:endParaRPr lang="en-US"/>
           </a:p>
         </p:txBody>
       </p:sp>
@@ -1536,7 +1524,7 @@
           <a:p>
             <a:pPr lvl="0"/>
             <a:r>
-              <a:rPr lang="en-US" smtClean="0"/>
+              <a:rPr lang="en-US"/>
               <a:t>Click to edit Master text styles</a:t>
             </a:r>
           </a:p>
@@ -1592,38 +1580,37 @@
           <a:p>
             <a:pPr lvl="0"/>
             <a:r>
-              <a:rPr lang="en-US" smtClean="0"/>
+              <a:rPr lang="en-US"/>
               <a:t>Click to edit Master text styles</a:t>
             </a:r>
           </a:p>
           <a:p>
             <a:pPr lvl="1"/>
             <a:r>
-              <a:rPr lang="en-US" smtClean="0"/>
+              <a:rPr lang="en-US"/>
               <a:t>Second level</a:t>
             </a:r>
           </a:p>
           <a:p>
             <a:pPr lvl="2"/>
             <a:r>
-              <a:rPr lang="en-US" smtClean="0"/>
+              <a:rPr lang="en-US"/>
               <a:t>Third level</a:t>
             </a:r>
           </a:p>
           <a:p>
             <a:pPr lvl="3"/>
             <a:r>
-              <a:rPr lang="en-US" smtClean="0"/>
+              <a:rPr lang="en-US"/>
               <a:t>Fourth level</a:t>
             </a:r>
           </a:p>
           <a:p>
             <a:pPr lvl="4"/>
             <a:r>
-              <a:rPr lang="en-US" smtClean="0"/>
+              <a:rPr lang="en-US"/>
               <a:t>Fifth level</a:t>
             </a:r>
-            <a:endParaRPr lang="en-US"/>
           </a:p>
         </p:txBody>
       </p:sp>
@@ -1686,7 +1673,7 @@
           <a:p>
             <a:pPr lvl="0"/>
             <a:r>
-              <a:rPr lang="en-US" smtClean="0"/>
+              <a:rPr lang="en-US"/>
               <a:t>Click to edit Master text styles</a:t>
             </a:r>
           </a:p>
@@ -1742,38 +1729,37 @@
           <a:p>
             <a:pPr lvl="0"/>
             <a:r>
-              <a:rPr lang="en-US" smtClean="0"/>
+              <a:rPr lang="en-US"/>
               <a:t>Click to edit Master text styles</a:t>
             </a:r>
           </a:p>
           <a:p>
             <a:pPr lvl="1"/>
             <a:r>
-              <a:rPr lang="en-US" smtClean="0"/>
+              <a:rPr lang="en-US"/>
               <a:t>Second level</a:t>
             </a:r>
           </a:p>
           <a:p>
             <a:pPr lvl="2"/>
             <a:r>
-              <a:rPr lang="en-US" smtClean="0"/>
+              <a:rPr lang="en-US"/>
               <a:t>Third level</a:t>
             </a:r>
           </a:p>
           <a:p>
             <a:pPr lvl="3"/>
             <a:r>
-              <a:rPr lang="en-US" smtClean="0"/>
+              <a:rPr lang="en-US"/>
               <a:t>Fourth level</a:t>
             </a:r>
           </a:p>
           <a:p>
             <a:pPr lvl="4"/>
             <a:r>
-              <a:rPr lang="en-US" smtClean="0"/>
+              <a:rPr lang="en-US"/>
               <a:t>Fifth level</a:t>
             </a:r>
-            <a:endParaRPr lang="en-US"/>
           </a:p>
         </p:txBody>
       </p:sp>
@@ -1794,7 +1780,7 @@
           <a:p>
             <a:fld id="{0DBCF7F0-66B2-E246-9655-E9BA5C294290}" type="datetimeFigureOut">
               <a:rPr lang="en-US" smtClean="0"/>
-              <a:t>3/27/18</a:t>
+              <a:t>9/4/18</a:t>
             </a:fld>
             <a:endParaRPr lang="en-US"/>
           </a:p>
@@ -1888,10 +1874,9 @@
           <a:lstStyle/>
           <a:p>
             <a:r>
-              <a:rPr lang="en-US" smtClean="0"/>
+              <a:rPr lang="en-US"/>
               <a:t>Click to edit Master title style</a:t>
             </a:r>
-            <a:endParaRPr lang="en-US"/>
           </a:p>
         </p:txBody>
       </p:sp>
@@ -1912,7 +1897,7 @@
           <a:p>
             <a:fld id="{0DBCF7F0-66B2-E246-9655-E9BA5C294290}" type="datetimeFigureOut">
               <a:rPr lang="en-US" smtClean="0"/>
-              <a:t>3/27/18</a:t>
+              <a:t>9/4/18</a:t>
             </a:fld>
             <a:endParaRPr lang="en-US"/>
           </a:p>
@@ -2007,7 +1992,7 @@
           <a:p>
             <a:fld id="{0DBCF7F0-66B2-E246-9655-E9BA5C294290}" type="datetimeFigureOut">
               <a:rPr lang="en-US" smtClean="0"/>
-              <a:t>3/27/18</a:t>
+              <a:t>9/4/18</a:t>
             </a:fld>
             <a:endParaRPr lang="en-US"/>
           </a:p>
@@ -2110,10 +2095,9 @@
           </a:lstStyle>
           <a:p>
             <a:r>
-              <a:rPr lang="en-US" smtClean="0"/>
+              <a:rPr lang="en-US"/>
               <a:t>Click to edit Master title style</a:t>
             </a:r>
-            <a:endParaRPr lang="en-US"/>
           </a:p>
         </p:txBody>
       </p:sp>
@@ -2167,38 +2151,37 @@
           <a:p>
             <a:pPr lvl="0"/>
             <a:r>
-              <a:rPr lang="en-US" smtClean="0"/>
+              <a:rPr lang="en-US"/>
               <a:t>Click to edit Master text styles</a:t>
             </a:r>
           </a:p>
           <a:p>
             <a:pPr lvl="1"/>
             <a:r>
-              <a:rPr lang="en-US" smtClean="0"/>
+              <a:rPr lang="en-US"/>
               <a:t>Second level</a:t>
             </a:r>
           </a:p>
           <a:p>
             <a:pPr lvl="2"/>
             <a:r>
-              <a:rPr lang="en-US" smtClean="0"/>
+              <a:rPr lang="en-US"/>
               <a:t>Third level</a:t>
             </a:r>
           </a:p>
           <a:p>
             <a:pPr lvl="3"/>
             <a:r>
-              <a:rPr lang="en-US" smtClean="0"/>
+              <a:rPr lang="en-US"/>
               <a:t>Fourth level</a:t>
             </a:r>
           </a:p>
           <a:p>
             <a:pPr lvl="4"/>
             <a:r>
-              <a:rPr lang="en-US" smtClean="0"/>
+              <a:rPr lang="en-US"/>
               <a:t>Fifth level</a:t>
             </a:r>
-            <a:endParaRPr lang="en-US"/>
           </a:p>
         </p:txBody>
       </p:sp>
@@ -2261,7 +2244,7 @@
           <a:p>
             <a:pPr lvl="0"/>
             <a:r>
-              <a:rPr lang="en-US" smtClean="0"/>
+              <a:rPr lang="en-US"/>
               <a:t>Click to edit Master text styles</a:t>
             </a:r>
           </a:p>
@@ -2284,7 +2267,7 @@
           <a:p>
             <a:fld id="{0DBCF7F0-66B2-E246-9655-E9BA5C294290}" type="datetimeFigureOut">
               <a:rPr lang="en-US" smtClean="0"/>
-              <a:t>3/27/18</a:t>
+              <a:t>9/4/18</a:t>
             </a:fld>
             <a:endParaRPr lang="en-US"/>
           </a:p>
@@ -2387,10 +2370,9 @@
           </a:lstStyle>
           <a:p>
             <a:r>
-              <a:rPr lang="en-US" smtClean="0"/>
+              <a:rPr lang="en-US"/>
               <a:t>Click to edit Master title style</a:t>
             </a:r>
-            <a:endParaRPr lang="en-US"/>
           </a:p>
         </p:txBody>
       </p:sp>
@@ -2514,7 +2496,7 @@
           <a:p>
             <a:pPr lvl="0"/>
             <a:r>
-              <a:rPr lang="en-US" smtClean="0"/>
+              <a:rPr lang="en-US"/>
               <a:t>Click to edit Master text styles</a:t>
             </a:r>
           </a:p>
@@ -2537,7 +2519,7 @@
           <a:p>
             <a:fld id="{0DBCF7F0-66B2-E246-9655-E9BA5C294290}" type="datetimeFigureOut">
               <a:rPr lang="en-US" smtClean="0"/>
-              <a:t>3/27/18</a:t>
+              <a:t>9/4/18</a:t>
             </a:fld>
             <a:endParaRPr lang="en-US"/>
           </a:p>
@@ -2646,10 +2628,9 @@
           <a:lstStyle/>
           <a:p>
             <a:r>
-              <a:rPr lang="en-US" smtClean="0"/>
+              <a:rPr lang="en-US"/>
               <a:t>Click to edit Master title style</a:t>
             </a:r>
-            <a:endParaRPr lang="en-US"/>
           </a:p>
         </p:txBody>
       </p:sp>
@@ -2680,38 +2661,37 @@
           <a:p>
             <a:pPr lvl="0"/>
             <a:r>
-              <a:rPr lang="en-US" smtClean="0"/>
+              <a:rPr lang="en-US"/>
               <a:t>Click to edit Master text styles</a:t>
             </a:r>
           </a:p>
           <a:p>
             <a:pPr lvl="1"/>
             <a:r>
-              <a:rPr lang="en-US" smtClean="0"/>
+              <a:rPr lang="en-US"/>
               <a:t>Second level</a:t>
             </a:r>
           </a:p>
           <a:p>
             <a:pPr lvl="2"/>
             <a:r>
-              <a:rPr lang="en-US" smtClean="0"/>
+              <a:rPr lang="en-US"/>
               <a:t>Third level</a:t>
             </a:r>
           </a:p>
           <a:p>
             <a:pPr lvl="3"/>
             <a:r>
-              <a:rPr lang="en-US" smtClean="0"/>
+              <a:rPr lang="en-US"/>
               <a:t>Fourth level</a:t>
             </a:r>
           </a:p>
           <a:p>
             <a:pPr lvl="4"/>
             <a:r>
-              <a:rPr lang="en-US" smtClean="0"/>
+              <a:rPr lang="en-US"/>
               <a:t>Fifth level</a:t>
             </a:r>
-            <a:endParaRPr lang="en-US"/>
           </a:p>
         </p:txBody>
       </p:sp>
@@ -2750,7 +2730,7 @@
           <a:p>
             <a:fld id="{0DBCF7F0-66B2-E246-9655-E9BA5C294290}" type="datetimeFigureOut">
               <a:rPr lang="en-US" smtClean="0"/>
-              <a:t>3/27/18</a:t>
+              <a:t>9/4/18</a:t>
             </a:fld>
             <a:endParaRPr lang="en-US"/>
           </a:p>
@@ -3146,7 +3126,7 @@
           <a:lstStyle/>
           <a:p>
             <a:r>
-              <a:rPr lang="en-US" sz="3600" i="1" dirty="0" smtClean="0">
+              <a:rPr lang="en-US" sz="3600" i="1" dirty="0">
                 <a:solidFill>
                   <a:schemeClr val="bg1">
                     <a:lumMod val="50000"/>
@@ -3155,27 +3135,17 @@
               </a:rPr>
               <a:t>— course overview —</a:t>
             </a:r>
-            <a:r>
-              <a:rPr lang="en-US" dirty="0" smtClean="0">
+            <a:br>
+              <a:rPr lang="en-US" dirty="0">
                 <a:solidFill>
                   <a:schemeClr val="bg1">
                     <a:lumMod val="50000"/>
                   </a:schemeClr>
                 </a:solidFill>
               </a:rPr>
-              <a:t/>
-            </a:r>
-            <a:br>
-              <a:rPr lang="en-US" dirty="0" smtClean="0">
-                <a:solidFill>
-                  <a:schemeClr val="bg1">
-                    <a:lumMod val="50000"/>
-                  </a:schemeClr>
-                </a:solidFill>
-              </a:rPr>
             </a:br>
             <a:r>
-              <a:rPr lang="en-US" dirty="0" smtClean="0">
+              <a:rPr lang="en-US" dirty="0">
                 <a:solidFill>
                   <a:srgbClr val="0000FF"/>
                 </a:solidFill>
@@ -3183,11 +3153,11 @@
               <a:t>18.06</a:t>
             </a:r>
             <a:r>
-              <a:rPr lang="en-US" dirty="0" smtClean="0"/>
+              <a:rPr lang="en-US" dirty="0"/>
               <a:t>: </a:t>
             </a:r>
             <a:r>
-              <a:rPr lang="en-US" dirty="0" smtClean="0">
+              <a:rPr lang="en-US" dirty="0">
                 <a:solidFill>
                   <a:srgbClr val="0000FF"/>
                 </a:solidFill>
@@ -3195,10 +3165,9 @@
               <a:t>Linear Algebra</a:t>
             </a:r>
             <a:r>
-              <a:rPr lang="en-US" dirty="0" smtClean="0"/>
+              <a:rPr lang="en-US" dirty="0"/>
               <a:t> </a:t>
             </a:r>
-            <a:endParaRPr lang="en-US" dirty="0"/>
           </a:p>
         </p:txBody>
       </p:sp>
@@ -3223,20 +3192,29 @@
           <a:lstStyle/>
           <a:p>
             <a:r>
-              <a:rPr lang="en-US" dirty="0" smtClean="0">
+              <a:rPr lang="en-US" dirty="0">
                 <a:solidFill>
                   <a:srgbClr val="0000FF"/>
                 </a:solidFill>
               </a:rPr>
-              <a:t>Prof. Alan Edelman, MIT Applied Math, CSAIL</a:t>
-            </a:r>
-          </a:p>
-          <a:p>
-            <a:r>
-              <a:rPr lang="en-US" dirty="0" smtClean="0"/>
-              <a:t>Spring  2018</a:t>
-            </a:r>
-            <a:endParaRPr lang="en-US" dirty="0"/>
+              <a:t>Prof. Steven Johnson,</a:t>
+            </a:r>
+          </a:p>
+          <a:p>
+            <a:r>
+              <a:rPr lang="en-US" dirty="0">
+                <a:solidFill>
+                  <a:srgbClr val="0000FF"/>
+                </a:solidFill>
+              </a:rPr>
+              <a:t>MIT Applied Math, Physics</a:t>
+            </a:r>
+          </a:p>
+          <a:p>
+            <a:r>
+              <a:rPr lang="en-US" dirty="0"/>
+              <a:t>Fall  2018</a:t>
+            </a:r>
           </a:p>
         </p:txBody>
       </p:sp>
@@ -3248,8 +3226,8 @@
         </p:nvSpPr>
         <p:spPr>
           <a:xfrm>
-            <a:off x="2869493" y="4116759"/>
-            <a:ext cx="3430296" cy="830997"/>
+            <a:off x="2349276" y="4116759"/>
+            <a:ext cx="4445448" cy="1200329"/>
           </a:xfrm>
           <a:prstGeom prst="rect">
             <a:avLst/>
@@ -3262,16 +3240,28 @@
           </a:bodyPr>
           <a:lstStyle/>
           <a:p>
-            <a:r>
-              <a:rPr lang="en-US" sz="2400" dirty="0" smtClean="0">
+            <a:pPr algn="ctr"/>
+            <a:r>
+              <a:rPr lang="en-US" sz="2400" dirty="0">
                 <a:hlinkClick r:id="rId2"/>
               </a:rPr>
               <a:t>http://web.mit.edu/18.06</a:t>
             </a:r>
-            <a:endParaRPr lang="en-US" sz="2400" dirty="0" smtClean="0"/>
-          </a:p>
-          <a:p>
-            <a:endParaRPr lang="en-US" sz="2400" dirty="0" smtClean="0"/>
+            <a:endParaRPr lang="en-US" sz="2400" dirty="0"/>
+          </a:p>
+          <a:p>
+            <a:pPr algn="ctr"/>
+            <a:r>
+              <a:rPr lang="en-US" sz="2400" dirty="0">
+                <a:hlinkClick r:id="rId3"/>
+              </a:rPr>
+              <a:t>https://github.com/stevengj/1806</a:t>
+            </a:r>
+            <a:endParaRPr lang="en-US" sz="2400" dirty="0"/>
+          </a:p>
+          <a:p>
+            <a:pPr algn="ctr"/>
+            <a:endParaRPr lang="en-US" sz="2400" dirty="0"/>
           </a:p>
         </p:txBody>
       </p:sp>
@@ -3298,7 +3288,7 @@
           <a:lstStyle/>
           <a:p>
             <a:r>
-              <a:rPr lang="en-US" sz="2400" dirty="0" smtClean="0">
+              <a:rPr lang="en-US" sz="2400" dirty="0">
                 <a:solidFill>
                   <a:srgbClr val="0000FF"/>
                 </a:solidFill>
@@ -3306,40 +3296,35 @@
               <a:t>Textbook: </a:t>
             </a:r>
             <a:r>
-              <a:rPr lang="en-US" sz="2400" dirty="0" err="1" smtClean="0"/>
+              <a:rPr lang="en-US" sz="2400" dirty="0" err="1"/>
               <a:t>Strang</a:t>
             </a:r>
             <a:r>
-              <a:rPr lang="en-US" sz="2400" dirty="0" smtClean="0"/>
+              <a:rPr lang="en-US" sz="2400" dirty="0"/>
               <a:t>, </a:t>
             </a:r>
             <a:r>
-              <a:rPr lang="en-US" sz="2400" i="1" dirty="0" smtClean="0"/>
+              <a:rPr lang="en-US" sz="2400" i="1" dirty="0"/>
               <a:t>Introduction to Linear Algebra</a:t>
             </a:r>
             <a:r>
-              <a:rPr lang="en-US" sz="2400" dirty="0" smtClean="0"/>
+              <a:rPr lang="en-US" sz="2400" dirty="0"/>
               <a:t>, 5</a:t>
             </a:r>
             <a:r>
-              <a:rPr lang="en-US" sz="2400" baseline="30000" dirty="0" smtClean="0"/>
+              <a:rPr lang="en-US" sz="2400" baseline="30000" dirty="0"/>
               <a:t>th</a:t>
             </a:r>
             <a:r>
-              <a:rPr lang="en-US" sz="2400" dirty="0" smtClean="0"/>
+              <a:rPr lang="en-US" sz="2400" dirty="0"/>
               <a:t> edition</a:t>
             </a:r>
           </a:p>
           <a:p>
             <a:r>
               <a:rPr lang="en-US" sz="2400" dirty="0"/>
-              <a:t>	</a:t>
-            </a:r>
-            <a:r>
-              <a:rPr lang="en-US" sz="2400" dirty="0" smtClean="0"/>
-              <a:t>	                   + supplementary notes</a:t>
-            </a:r>
-            <a:endParaRPr lang="en-US" sz="2400" dirty="0"/>
+              <a:t>		                   + supplementary notes</a:t>
+            </a:r>
           </a:p>
         </p:txBody>
       </p:sp>
@@ -3353,13 +3338,6 @@
   <p:clrMapOvr>
     <a:masterClrMapping/>
   </p:clrMapOvr>
-  <p:timing>
-    <p:tnLst>
-      <p:par>
-        <p:cTn xmlns:p14="http://schemas.microsoft.com/office/powerpoint/2010/main" id="1" dur="indefinite" restart="never" nodeType="tmRoot"/>
-      </p:par>
-    </p:tnLst>
-  </p:timing>
 </p:sld>
 </file>
 
@@ -3403,42 +3381,38 @@
           <a:lstStyle/>
           <a:p>
             <a:r>
-              <a:rPr lang="en-US" dirty="0" smtClean="0"/>
+              <a:rPr lang="en-US" dirty="0"/>
               <a:t>Where do big matrices</a:t>
             </a:r>
             <a:br>
-              <a:rPr lang="en-US" dirty="0" smtClean="0"/>
+              <a:rPr lang="en-US" dirty="0"/>
             </a:br>
             <a:r>
-              <a:rPr lang="en-US" dirty="0" smtClean="0"/>
+              <a:rPr lang="en-US" dirty="0"/>
               <a:t>come from?</a:t>
             </a:r>
             <a:br>
-              <a:rPr lang="en-US" dirty="0" smtClean="0"/>
+              <a:rPr lang="en-US" dirty="0"/>
             </a:br>
-            <a:r>
-              <a:rPr lang="en-US" dirty="0"/>
-              <a:t/>
-            </a:r>
             <a:br>
               <a:rPr lang="en-US" dirty="0"/>
             </a:br>
             <a:r>
-              <a:rPr lang="en-US" sz="3200" dirty="0" smtClean="0"/>
+              <a:rPr lang="en-US" sz="3200" dirty="0"/>
               <a:t>Lots of examples in many fields,</a:t>
             </a:r>
             <a:br>
-              <a:rPr lang="en-US" sz="3200" dirty="0" smtClean="0"/>
+              <a:rPr lang="en-US" sz="3200" dirty="0"/>
             </a:br>
             <a:r>
-              <a:rPr lang="en-US" sz="3200" dirty="0" smtClean="0"/>
+              <a:rPr lang="en-US" sz="3200" dirty="0"/>
               <a:t>but here are a couple that are</a:t>
             </a:r>
             <a:br>
-              <a:rPr lang="en-US" sz="3200" dirty="0" smtClean="0"/>
+              <a:rPr lang="en-US" sz="3200" dirty="0"/>
             </a:br>
             <a:r>
-              <a:rPr lang="en-US" sz="3200" dirty="0" smtClean="0"/>
+              <a:rPr lang="en-US" sz="3200" dirty="0"/>
               <a:t>relatively easy to understand…</a:t>
             </a:r>
             <a:endParaRPr lang="en-US" dirty="0"/>
@@ -3455,13 +3429,6 @@
   <p:clrMapOvr>
     <a:masterClrMapping/>
   </p:clrMapOvr>
-  <p:timing>
-    <p:tnLst>
-      <p:par>
-        <p:cTn xmlns:p14="http://schemas.microsoft.com/office/powerpoint/2010/main" id="1" dur="indefinite" restart="never" nodeType="tmRoot"/>
-      </p:par>
-    </p:tnLst>
-  </p:timing>
 </p:sld>
 </file>
 
@@ -3505,17 +3472,16 @@
           <a:lstStyle/>
           <a:p>
             <a:r>
-              <a:rPr lang="en-US" dirty="0" smtClean="0"/>
+              <a:rPr lang="en-US" dirty="0"/>
               <a:t>Engineering &amp; Scientific Modeling</a:t>
             </a:r>
             <a:br>
-              <a:rPr lang="en-US" dirty="0" smtClean="0"/>
+              <a:rPr lang="en-US" dirty="0"/>
             </a:br>
             <a:r>
-              <a:rPr lang="en-US" sz="3100" dirty="0" smtClean="0"/>
+              <a:rPr lang="en-US" sz="3100" dirty="0"/>
               <a:t>[ 18.303, 18.330, 6.336, 6.339, … ]</a:t>
             </a:r>
-            <a:endParaRPr lang="en-US" sz="3100" dirty="0"/>
           </a:p>
         </p:txBody>
       </p:sp>
@@ -3571,18 +3537,17 @@
           <a:lstStyle/>
           <a:p>
             <a:r>
-              <a:rPr lang="en-US" sz="1200" dirty="0" smtClean="0"/>
+              <a:rPr lang="en-US" sz="1200" dirty="0"/>
               <a:t>http://</a:t>
             </a:r>
             <a:r>
-              <a:rPr lang="en-US" sz="1200" dirty="0" err="1" smtClean="0"/>
+              <a:rPr lang="en-US" sz="1200" dirty="0" err="1"/>
               <a:t>gmsh.info</a:t>
             </a:r>
             <a:r>
-              <a:rPr lang="en-US" sz="1200" dirty="0" smtClean="0"/>
+              <a:rPr lang="en-US" sz="1200" dirty="0"/>
               <a:t>/</a:t>
             </a:r>
-            <a:endParaRPr lang="en-US" sz="1200" dirty="0"/>
           </a:p>
         </p:txBody>
       </p:sp>
@@ -3609,7 +3574,7 @@
           <a:lstStyle/>
           <a:p>
             <a:r>
-              <a:rPr lang="en-US" sz="2000" dirty="0" smtClean="0">
+              <a:rPr lang="en-US" sz="2000" dirty="0">
                 <a:solidFill>
                   <a:srgbClr val="0000FF"/>
                 </a:solidFill>
@@ -3619,21 +3584,17 @@
           </a:p>
           <a:p>
             <a:r>
-              <a:rPr lang="en-US" sz="2000" dirty="0" smtClean="0"/>
+              <a:rPr lang="en-US" sz="2000" dirty="0"/>
               <a:t>(fluid flow, mechanical stress,</a:t>
             </a:r>
           </a:p>
           <a:p>
             <a:r>
               <a:rPr lang="en-US" sz="2000" dirty="0"/>
-              <a:t>e</a:t>
-            </a:r>
-            <a:r>
-              <a:rPr lang="en-US" sz="2000" dirty="0" smtClean="0"/>
-              <a:t>lectromagnetic fields, …) </a:t>
-            </a:r>
-            <a:r>
-              <a:rPr lang="en-US" sz="2000" dirty="0" smtClean="0">
+              <a:t>electromagnetic fields, …) </a:t>
+            </a:r>
+            <a:r>
+              <a:rPr lang="en-US" sz="2000" dirty="0">
                 <a:solidFill>
                   <a:srgbClr val="0000FF"/>
                 </a:solidFill>
@@ -3641,11 +3602,11 @@
               <a:t>approximated</a:t>
             </a:r>
             <a:r>
-              <a:rPr lang="en-US" sz="2000" dirty="0" smtClean="0"/>
+              <a:rPr lang="en-US" sz="2000" dirty="0"/>
               <a:t> by values on a </a:t>
             </a:r>
             <a:r>
-              <a:rPr lang="en-US" sz="2000" dirty="0" smtClean="0">
+              <a:rPr lang="en-US" sz="2000" dirty="0">
                 <a:solidFill>
                   <a:srgbClr val="0000FF"/>
                 </a:solidFill>
@@ -3658,24 +3619,23 @@
           </a:p>
           <a:p>
             <a:r>
-              <a:rPr lang="en-US" sz="2000" dirty="0" smtClean="0"/>
+              <a:rPr lang="en-US" sz="2000" dirty="0"/>
               <a:t>e.g. 100x100x100 grid</a:t>
             </a:r>
           </a:p>
           <a:p>
             <a:r>
-              <a:rPr lang="en-US" sz="2000" dirty="0" smtClean="0"/>
+              <a:rPr lang="en-US" sz="2000" dirty="0"/>
               <a:t>	       = 10</a:t>
             </a:r>
             <a:r>
-              <a:rPr lang="en-US" sz="2000" baseline="30000" dirty="0" smtClean="0"/>
+              <a:rPr lang="en-US" sz="2000" baseline="30000" dirty="0"/>
               <a:t>6</a:t>
             </a:r>
             <a:r>
-              <a:rPr lang="en-US" sz="2000" dirty="0" smtClean="0"/>
+              <a:rPr lang="en-US" sz="2000" dirty="0"/>
               <a:t> unknowns!</a:t>
             </a:r>
-            <a:endParaRPr lang="en-US" sz="2000" dirty="0"/>
           </a:p>
         </p:txBody>
       </p:sp>
@@ -3731,18 +3691,17 @@
           <a:lstStyle/>
           <a:p>
             <a:r>
-              <a:rPr lang="en-US" sz="1100" dirty="0" smtClean="0"/>
+              <a:rPr lang="en-US" sz="1100" dirty="0"/>
               <a:t>http://</a:t>
             </a:r>
             <a:r>
-              <a:rPr lang="en-US" sz="1100" dirty="0" err="1" smtClean="0"/>
+              <a:rPr lang="en-US" sz="1100" dirty="0" err="1"/>
               <a:t>www.electronics-eetimes.com</a:t>
             </a:r>
             <a:r>
-              <a:rPr lang="en-US" sz="1100" dirty="0" smtClean="0"/>
+              <a:rPr lang="en-US" sz="1100" dirty="0"/>
               <a:t>/</a:t>
             </a:r>
-            <a:endParaRPr lang="en-US" sz="1100" dirty="0"/>
           </a:p>
         </p:txBody>
       </p:sp>
@@ -3798,7 +3757,7 @@
           <a:lstStyle/>
           <a:p>
             <a:r>
-              <a:rPr lang="en-US" sz="1400" dirty="0" err="1" smtClean="0"/>
+              <a:rPr lang="en-US" sz="1400" dirty="0" err="1"/>
               <a:t>comsol.com</a:t>
             </a:r>
             <a:endParaRPr lang="en-US" sz="1400" dirty="0"/>
@@ -3815,13 +3774,6 @@
   <p:clrMapOvr>
     <a:masterClrMapping/>
   </p:clrMapOvr>
-  <p:timing>
-    <p:tnLst>
-      <p:par>
-        <p:cTn xmlns:p14="http://schemas.microsoft.com/office/powerpoint/2010/main" id="1" dur="indefinite" restart="never" nodeType="tmRoot"/>
-      </p:par>
-    </p:tnLst>
-  </p:timing>
 </p:sld>
 </file>
 
@@ -3895,17 +3847,16 @@
           <a:lstStyle/>
           <a:p>
             <a:r>
-              <a:rPr lang="en-US" dirty="0" smtClean="0"/>
+              <a:rPr lang="en-US" dirty="0"/>
               <a:t>Data analysis</a:t>
             </a:r>
             <a:br>
-              <a:rPr lang="en-US" dirty="0" smtClean="0"/>
+              <a:rPr lang="en-US" dirty="0"/>
             </a:br>
             <a:r>
-              <a:rPr lang="en-US" dirty="0" smtClean="0"/>
+              <a:rPr lang="en-US" dirty="0"/>
               <a:t>and Machine Learning</a:t>
             </a:r>
-            <a:endParaRPr lang="en-US" dirty="0"/>
           </a:p>
         </p:txBody>
       </p:sp>
@@ -3963,7 +3914,7 @@
           <a:p>
             <a:pPr algn="ctr"/>
             <a:r>
-              <a:rPr lang="en-US" dirty="0" smtClean="0">
+              <a:rPr lang="en-US" dirty="0">
                 <a:solidFill>
                   <a:srgbClr val="FF0000"/>
                 </a:solidFill>
@@ -3974,17 +3925,16 @@
           <a:p>
             <a:pPr algn="ctr"/>
             <a:r>
-              <a:rPr lang="en-US" dirty="0" smtClean="0"/>
+              <a:rPr lang="en-US" dirty="0"/>
               <a:t>images are just matrices of numbers</a:t>
             </a:r>
           </a:p>
           <a:p>
             <a:pPr algn="ctr"/>
             <a:r>
-              <a:rPr lang="en-US" dirty="0" smtClean="0"/>
+              <a:rPr lang="en-US" dirty="0"/>
               <a:t>(red/green/blue intensity)</a:t>
             </a:r>
-            <a:endParaRPr lang="en-US" dirty="0"/>
           </a:p>
         </p:txBody>
       </p:sp>
@@ -4041,18 +3991,17 @@
           <a:lstStyle/>
           <a:p>
             <a:r>
-              <a:rPr lang="en-US" sz="1400" dirty="0" smtClean="0"/>
+              <a:rPr lang="en-US" sz="1400" dirty="0"/>
               <a:t>[ </a:t>
             </a:r>
             <a:r>
-              <a:rPr lang="en-US" sz="1400" dirty="0" err="1" smtClean="0"/>
+              <a:rPr lang="en-US" sz="1400" dirty="0" err="1"/>
               <a:t>Mathworks</a:t>
             </a:r>
             <a:r>
-              <a:rPr lang="en-US" sz="1400" dirty="0" smtClean="0"/>
+              <a:rPr lang="en-US" sz="1400" dirty="0"/>
               <a:t> ]</a:t>
             </a:r>
-            <a:endParaRPr lang="en-US" sz="1400" dirty="0"/>
           </a:p>
         </p:txBody>
       </p:sp>
@@ -4079,18 +4028,17 @@
           <a:lstStyle/>
           <a:p>
             <a:r>
-              <a:rPr lang="en-US" sz="1400" dirty="0" smtClean="0"/>
+              <a:rPr lang="en-US" sz="1400" dirty="0"/>
               <a:t>[ </a:t>
             </a:r>
             <a:r>
-              <a:rPr lang="en-US" sz="1400" dirty="0" err="1" smtClean="0"/>
+              <a:rPr lang="en-US" sz="1400" dirty="0" err="1"/>
               <a:t>wikipedia</a:t>
             </a:r>
             <a:r>
-              <a:rPr lang="en-US" sz="1400" dirty="0" smtClean="0"/>
+              <a:rPr lang="en-US" sz="1400" dirty="0"/>
               <a:t> ]</a:t>
             </a:r>
-            <a:endParaRPr lang="en-US" sz="1400" dirty="0"/>
           </a:p>
         </p:txBody>
       </p:sp>
@@ -4117,7 +4065,7 @@
           <a:lstStyle/>
           <a:p>
             <a:r>
-              <a:rPr lang="en-US" dirty="0" smtClean="0">
+              <a:rPr lang="en-US" dirty="0">
                 <a:solidFill>
                   <a:srgbClr val="FF0000"/>
                 </a:solidFill>
@@ -4127,10 +4075,9 @@
           </a:p>
           <a:p>
             <a:r>
-              <a:rPr lang="en-US" dirty="0" smtClean="0"/>
+              <a:rPr lang="en-US" dirty="0"/>
               <a:t> (curve fitting)</a:t>
             </a:r>
-            <a:endParaRPr lang="en-US" dirty="0"/>
           </a:p>
         </p:txBody>
       </p:sp>
@@ -4156,18 +4103,17 @@
           <a:lstStyle/>
           <a:p>
             <a:r>
-              <a:rPr lang="en-US" sz="1400" dirty="0" smtClean="0"/>
+              <a:rPr lang="en-US" sz="1400" dirty="0"/>
               <a:t>[ </a:t>
             </a:r>
             <a:r>
-              <a:rPr lang="en-US" sz="1400" dirty="0" err="1" smtClean="0"/>
+              <a:rPr lang="en-US" sz="1400" dirty="0" err="1"/>
               <a:t>computationalculture.net</a:t>
             </a:r>
             <a:r>
-              <a:rPr lang="en-US" sz="1400" dirty="0" smtClean="0"/>
+              <a:rPr lang="en-US" sz="1400" dirty="0"/>
               <a:t> ]</a:t>
             </a:r>
-            <a:endParaRPr lang="en-US" sz="1400" dirty="0"/>
           </a:p>
         </p:txBody>
       </p:sp>
@@ -4194,7 +4140,7 @@
           <a:lstStyle/>
           <a:p>
             <a:r>
-              <a:rPr lang="en-US" dirty="0" smtClean="0">
+              <a:rPr lang="en-US" dirty="0">
                 <a:solidFill>
                   <a:srgbClr val="FF0000"/>
                 </a:solidFill>
@@ -4204,7 +4150,7 @@
           </a:p>
           <a:p>
             <a:r>
-              <a:rPr lang="en-US" dirty="0" smtClean="0"/>
+              <a:rPr lang="en-US" dirty="0"/>
               <a:t>    (also for gene networks etc.)</a:t>
             </a:r>
           </a:p>
@@ -4213,11 +4159,11 @@
           </a:p>
           <a:p>
             <a:r>
-              <a:rPr lang="en-US" dirty="0" smtClean="0"/>
+              <a:rPr lang="en-US" dirty="0"/>
               <a:t>Determine the “most </a:t>
             </a:r>
             <a:r>
-              <a:rPr lang="en-US" dirty="0" smtClean="0">
+              <a:rPr lang="en-US" dirty="0">
                 <a:solidFill>
                   <a:srgbClr val="0000FF"/>
                 </a:solidFill>
@@ -4225,17 +4171,17 @@
               <a:t>important</a:t>
             </a:r>
             <a:r>
-              <a:rPr lang="en-US" dirty="0" smtClean="0"/>
+              <a:rPr lang="en-US" dirty="0"/>
               <a:t>”</a:t>
             </a:r>
           </a:p>
           <a:p>
             <a:r>
-              <a:rPr lang="en-US" dirty="0" smtClean="0"/>
+              <a:rPr lang="en-US" dirty="0"/>
               <a:t>web </a:t>
             </a:r>
             <a:r>
-              <a:rPr lang="en-US" dirty="0" smtClean="0">
+              <a:rPr lang="en-US" dirty="0">
                 <a:solidFill>
                   <a:srgbClr val="0000FF"/>
                 </a:solidFill>
@@ -4243,11 +4189,11 @@
               <a:t>pages</a:t>
             </a:r>
             <a:r>
-              <a:rPr lang="en-US" dirty="0" smtClean="0"/>
+              <a:rPr lang="en-US" dirty="0"/>
               <a:t> just from </a:t>
             </a:r>
             <a:r>
-              <a:rPr lang="en-US" dirty="0" smtClean="0">
+              <a:rPr lang="en-US" dirty="0">
                 <a:solidFill>
                   <a:srgbClr val="0000FF"/>
                 </a:solidFill>
@@ -4255,7 +4201,7 @@
               <a:t>how they link</a:t>
             </a:r>
             <a:r>
-              <a:rPr lang="en-US" dirty="0" smtClean="0"/>
+              <a:rPr lang="en-US" dirty="0"/>
               <a:t>.</a:t>
             </a:r>
           </a:p>
@@ -4265,14 +4211,10 @@
           <a:p>
             <a:r>
               <a:rPr lang="en-US" dirty="0"/>
-              <a:t>m</a:t>
-            </a:r>
-            <a:r>
-              <a:rPr lang="en-US" dirty="0" smtClean="0"/>
-              <a:t>atrix = </a:t>
-            </a:r>
-            <a:r>
-              <a:rPr lang="en-US" dirty="0" smtClean="0">
+              <a:t>matrix = </a:t>
+            </a:r>
+            <a:r>
+              <a:rPr lang="en-US" dirty="0">
                 <a:solidFill>
                   <a:srgbClr val="FF0000"/>
                 </a:solidFill>
@@ -4283,17 +4225,12 @@
           <a:p>
             <a:r>
               <a:rPr lang="en-US" dirty="0"/>
-              <a:t> </a:t>
-            </a:r>
-            <a:r>
-              <a:rPr lang="en-US" dirty="0" smtClean="0"/>
-              <a:t>  (</a:t>
-            </a:r>
-            <a:r>
-              <a:rPr lang="en-US" i="1" dirty="0" smtClean="0"/>
+              <a:t>   (</a:t>
+            </a:r>
+            <a:r>
+              <a:rPr lang="en-US" i="1" dirty="0"/>
               <a:t>entry = 1 if they link, 0 otherwise)</a:t>
             </a:r>
-            <a:endParaRPr lang="en-US" i="1" dirty="0"/>
           </a:p>
         </p:txBody>
       </p:sp>
@@ -4344,10 +4281,9 @@
           <a:lstStyle/>
           <a:p>
             <a:r>
-              <a:rPr lang="en-US" dirty="0" smtClean="0"/>
+              <a:rPr lang="en-US" dirty="0"/>
               <a:t>Machine Learning</a:t>
             </a:r>
-            <a:endParaRPr lang="en-US" dirty="0"/>
           </a:p>
         </p:txBody>
       </p:sp>
@@ -4361,13 +4297,6 @@
   <p:clrMapOvr>
     <a:masterClrMapping/>
   </p:clrMapOvr>
-  <p:timing>
-    <p:tnLst>
-      <p:par>
-        <p:cTn xmlns:p14="http://schemas.microsoft.com/office/powerpoint/2010/main" id="1" dur="indefinite" restart="never" nodeType="tmRoot"/>
-      </p:par>
-    </p:tnLst>
-  </p:timing>
 </p:sld>
 </file>
 
@@ -4409,10 +4338,9 @@
           <a:lstStyle/>
           <a:p>
             <a:r>
-              <a:rPr lang="en-US" dirty="0" smtClean="0"/>
+              <a:rPr lang="en-US" dirty="0"/>
               <a:t>Not just matrices of numbers</a:t>
             </a:r>
-            <a:endParaRPr lang="en-US" dirty="0"/>
           </a:p>
         </p:txBody>
       </p:sp>
@@ -4439,11 +4367,11 @@
           <a:lstStyle/>
           <a:p>
             <a:r>
-              <a:rPr lang="en-US" sz="2800" dirty="0" smtClean="0"/>
+              <a:rPr lang="en-US" sz="2800" dirty="0"/>
               <a:t>There are lots of </a:t>
             </a:r>
             <a:r>
-              <a:rPr lang="en-US" sz="2800" dirty="0" smtClean="0">
+              <a:rPr lang="en-US" sz="2800" dirty="0">
                 <a:solidFill>
                   <a:srgbClr val="0000FF"/>
                 </a:solidFill>
@@ -4451,17 +4379,17 @@
               <a:t>surprising and important generalizations</a:t>
             </a:r>
             <a:r>
-              <a:rPr lang="en-US" sz="2800" dirty="0" smtClean="0"/>
+              <a:rPr lang="en-US" sz="2800" dirty="0"/>
               <a:t> of the ideas in linear algebra.</a:t>
             </a:r>
           </a:p>
           <a:p>
             <a:r>
-              <a:rPr lang="en-US" sz="2800" dirty="0" smtClean="0"/>
+              <a:rPr lang="en-US" sz="2800" dirty="0"/>
               <a:t>Instead of </a:t>
             </a:r>
             <a:r>
-              <a:rPr lang="en-US" sz="2800" dirty="0" smtClean="0">
+              <a:rPr lang="en-US" sz="2800" dirty="0">
                 <a:solidFill>
                   <a:srgbClr val="FF0000"/>
                 </a:solidFill>
@@ -4469,11 +4397,11 @@
               <a:t>vectors</a:t>
             </a:r>
             <a:r>
-              <a:rPr lang="en-US" sz="2800" dirty="0" smtClean="0"/>
+              <a:rPr lang="en-US" sz="2800" dirty="0"/>
               <a:t> with a finite number of unknowns, </a:t>
             </a:r>
             <a:r>
-              <a:rPr lang="en-US" sz="2800" dirty="0" smtClean="0">
+              <a:rPr lang="en-US" sz="2800" dirty="0">
                 <a:solidFill>
                   <a:srgbClr val="FF0000"/>
                 </a:solidFill>
@@ -4481,11 +4409,11 @@
               <a:t>similar ideas apply to functions </a:t>
             </a:r>
             <a:r>
-              <a:rPr lang="en-US" sz="2800" dirty="0" smtClean="0"/>
+              <a:rPr lang="en-US" sz="2800" dirty="0"/>
               <a:t>with an </a:t>
             </a:r>
             <a:r>
-              <a:rPr lang="en-US" sz="2800" dirty="0" smtClean="0">
+              <a:rPr lang="en-US" sz="2800" dirty="0">
                 <a:solidFill>
                   <a:srgbClr val="0000FF"/>
                 </a:solidFill>
@@ -4493,17 +4421,17 @@
               <a:t>infinite number of unknowns</a:t>
             </a:r>
             <a:r>
-              <a:rPr lang="en-US" sz="2800" dirty="0" smtClean="0"/>
+              <a:rPr lang="en-US" sz="2800" dirty="0"/>
               <a:t>.</a:t>
             </a:r>
           </a:p>
           <a:p>
             <a:r>
-              <a:rPr lang="en-US" sz="2800" dirty="0" smtClean="0"/>
+              <a:rPr lang="en-US" sz="2800" dirty="0"/>
               <a:t>Instead of </a:t>
             </a:r>
             <a:r>
-              <a:rPr lang="en-US" sz="2800" dirty="0" smtClean="0">
+              <a:rPr lang="en-US" sz="2800" dirty="0">
                 <a:solidFill>
                   <a:srgbClr val="FF0000"/>
                 </a:solidFill>
@@ -4511,22 +4439,17 @@
               <a:t>matrices</a:t>
             </a:r>
             <a:r>
-              <a:rPr lang="en-US" sz="2800" dirty="0" smtClean="0"/>
+              <a:rPr lang="en-US" sz="2800" dirty="0"/>
               <a:t> multiplying vectors, we can think about </a:t>
             </a:r>
             <a:r>
-              <a:rPr lang="en-US" sz="2800" dirty="0" smtClean="0">
+              <a:rPr lang="en-US" sz="2800" dirty="0">
                 <a:solidFill>
                   <a:srgbClr val="FF0000"/>
                 </a:solidFill>
               </a:rPr>
               <a:t>linear operators on functions</a:t>
             </a:r>
-            <a:endParaRPr lang="en-US" sz="2800" dirty="0">
-              <a:solidFill>
-                <a:srgbClr val="FF0000"/>
-              </a:solidFill>
-            </a:endParaRPr>
           </a:p>
         </p:txBody>
       </p:sp>
@@ -4553,18 +4476,13 @@
           <a:lstStyle/>
           <a:p>
             <a:r>
-              <a:rPr lang="en-US" sz="2800" dirty="0" smtClean="0">
+              <a:rPr lang="en-US" sz="2800" dirty="0">
                 <a:solidFill>
                   <a:srgbClr val="FF0000"/>
                 </a:solidFill>
               </a:rPr>
               <a:t>“A”</a:t>
             </a:r>
-            <a:endParaRPr lang="en-US" sz="2800" dirty="0">
-              <a:solidFill>
-                <a:srgbClr val="FF0000"/>
-              </a:solidFill>
-            </a:endParaRPr>
           </a:p>
         </p:txBody>
       </p:sp>
@@ -4591,18 +4509,13 @@
           <a:lstStyle/>
           <a:p>
             <a:r>
-              <a:rPr lang="en-US" sz="2800" dirty="0" smtClean="0">
+              <a:rPr lang="en-US" sz="2800" dirty="0">
                 <a:solidFill>
                   <a:srgbClr val="FF0000"/>
                 </a:solidFill>
               </a:rPr>
               <a:t>“x”</a:t>
             </a:r>
-            <a:endParaRPr lang="en-US" sz="2800" dirty="0">
-              <a:solidFill>
-                <a:srgbClr val="FF0000"/>
-              </a:solidFill>
-            </a:endParaRPr>
           </a:p>
         </p:txBody>
       </p:sp>
@@ -4629,18 +4542,13 @@
           <a:lstStyle/>
           <a:p>
             <a:r>
-              <a:rPr lang="en-US" sz="2800" dirty="0" smtClean="0">
+              <a:rPr lang="en-US" sz="2800" dirty="0">
                 <a:solidFill>
                   <a:srgbClr val="FF0000"/>
                 </a:solidFill>
               </a:rPr>
               <a:t>“b”</a:t>
             </a:r>
-            <a:endParaRPr lang="en-US" sz="2800" dirty="0">
-              <a:solidFill>
-                <a:srgbClr val="FF0000"/>
-              </a:solidFill>
-            </a:endParaRPr>
           </a:p>
         </p:txBody>
       </p:sp>
@@ -4669,31 +4577,27 @@
             <a:pPr algn="ctr"/>
             <a:r>
               <a:rPr lang="en-US" dirty="0"/>
-              <a:t>l</a:t>
-            </a:r>
-            <a:r>
-              <a:rPr lang="en-US" dirty="0" smtClean="0"/>
-              <a:t>inear</a:t>
+              <a:t>linear</a:t>
             </a:r>
           </a:p>
           <a:p>
             <a:pPr algn="ctr"/>
             <a:r>
-              <a:rPr lang="en-US" dirty="0" smtClean="0"/>
+              <a:rPr lang="en-US" dirty="0"/>
               <a:t>operator</a:t>
             </a:r>
           </a:p>
           <a:p>
             <a:pPr algn="ctr"/>
             <a:r>
-              <a:rPr lang="en-US" dirty="0" smtClean="0">
+              <a:rPr lang="en-US" dirty="0">
                 <a:latin typeface="Times"/>
                 <a:cs typeface="Times"/>
               </a:rPr>
               <a:t>∇</a:t>
             </a:r>
             <a:r>
-              <a:rPr lang="en-US" baseline="30000" dirty="0" smtClean="0">
+              <a:rPr lang="en-US" baseline="30000" dirty="0">
                 <a:latin typeface="Times"/>
                 <a:cs typeface="Times"/>
               </a:rPr>
@@ -4726,7 +4630,7 @@
           <a:p>
             <a:pPr algn="ctr"/>
             <a:r>
-              <a:rPr lang="en-US" dirty="0" smtClean="0"/>
+              <a:rPr lang="en-US" dirty="0"/>
               <a:t>unknown</a:t>
             </a:r>
           </a:p>
@@ -4734,75 +4638,67 @@
             <a:pPr algn="ctr"/>
             <a:r>
               <a:rPr lang="en-US" dirty="0"/>
-              <a:t>f</a:t>
-            </a:r>
-            <a:r>
-              <a:rPr lang="en-US" dirty="0" smtClean="0"/>
-              <a:t>unction</a:t>
+              <a:t>function</a:t>
             </a:r>
           </a:p>
           <a:p>
             <a:pPr algn="ctr"/>
             <a:r>
-              <a:rPr lang="en-US" i="1" dirty="0" smtClean="0">
+              <a:rPr lang="en-US" i="1" dirty="0">
                 <a:latin typeface="Times"/>
                 <a:cs typeface="Times"/>
               </a:rPr>
               <a:t>u</a:t>
             </a:r>
             <a:r>
-              <a:rPr lang="en-US" dirty="0" smtClean="0">
+              <a:rPr lang="en-US" dirty="0">
                 <a:latin typeface="Times"/>
                 <a:cs typeface="Times"/>
               </a:rPr>
               <a:t>(</a:t>
             </a:r>
             <a:r>
-              <a:rPr lang="en-US" i="1" dirty="0" err="1" smtClean="0">
+              <a:rPr lang="en-US" i="1" dirty="0" err="1">
                 <a:latin typeface="Times"/>
                 <a:cs typeface="Times"/>
               </a:rPr>
               <a:t>x</a:t>
             </a:r>
             <a:r>
-              <a:rPr lang="en-US" dirty="0" err="1" smtClean="0">
+              <a:rPr lang="en-US" dirty="0" err="1">
                 <a:latin typeface="Times"/>
                 <a:cs typeface="Times"/>
               </a:rPr>
               <a:t>,</a:t>
             </a:r>
             <a:r>
-              <a:rPr lang="en-US" i="1" dirty="0" err="1" smtClean="0">
+              <a:rPr lang="en-US" i="1" dirty="0" err="1">
                 <a:latin typeface="Times"/>
                 <a:cs typeface="Times"/>
               </a:rPr>
               <a:t>y</a:t>
             </a:r>
             <a:r>
-              <a:rPr lang="en-US" dirty="0" err="1" smtClean="0">
+              <a:rPr lang="en-US" dirty="0" err="1">
                 <a:latin typeface="Times"/>
                 <a:cs typeface="Times"/>
               </a:rPr>
               <a:t>,</a:t>
             </a:r>
             <a:r>
-              <a:rPr lang="en-US" i="1" dirty="0" err="1" smtClean="0">
+              <a:rPr lang="en-US" i="1" dirty="0" err="1">
                 <a:latin typeface="Times"/>
                 <a:cs typeface="Times"/>
               </a:rPr>
               <a:t>z</a:t>
             </a:r>
             <a:r>
-              <a:rPr lang="en-US" dirty="0" smtClean="0">
+              <a:rPr lang="en-US" dirty="0">
                 <a:latin typeface="Times"/>
                 <a:cs typeface="Times"/>
               </a:rPr>
               <a:t>)</a:t>
             </a:r>
-            <a:endParaRPr lang="en-US" dirty="0">
-              <a:latin typeface="Times"/>
-              <a:cs typeface="Times"/>
-            </a:endParaRPr>
           </a:p>
         </p:txBody>
       </p:sp>
@@ -4831,11 +4727,7 @@
             <a:pPr algn="ctr"/>
             <a:r>
               <a:rPr lang="en-US" dirty="0"/>
-              <a:t>r</a:t>
-            </a:r>
-            <a:r>
-              <a:rPr lang="en-US" dirty="0" smtClean="0"/>
-              <a:t>ight-hand side</a:t>
+              <a:t>right-hand side</a:t>
             </a:r>
           </a:p>
           <a:p>
@@ -4848,49 +4740,49 @@
               <a:t>f</a:t>
             </a:r>
             <a:r>
-              <a:rPr lang="en-US" dirty="0" smtClean="0">
+              <a:rPr lang="en-US" dirty="0">
                 <a:latin typeface="Times"/>
                 <a:cs typeface="Times"/>
               </a:rPr>
               <a:t>(</a:t>
             </a:r>
             <a:r>
-              <a:rPr lang="en-US" i="1" dirty="0" err="1" smtClean="0">
+              <a:rPr lang="en-US" i="1" dirty="0" err="1">
                 <a:latin typeface="Times"/>
                 <a:cs typeface="Times"/>
               </a:rPr>
               <a:t>x</a:t>
             </a:r>
             <a:r>
-              <a:rPr lang="en-US" dirty="0" err="1" smtClean="0">
+              <a:rPr lang="en-US" dirty="0" err="1">
                 <a:latin typeface="Times"/>
                 <a:cs typeface="Times"/>
               </a:rPr>
               <a:t>,</a:t>
             </a:r>
             <a:r>
-              <a:rPr lang="en-US" i="1" dirty="0" err="1" smtClean="0">
+              <a:rPr lang="en-US" i="1" dirty="0" err="1">
                 <a:latin typeface="Times"/>
                 <a:cs typeface="Times"/>
               </a:rPr>
               <a:t>y</a:t>
             </a:r>
             <a:r>
-              <a:rPr lang="en-US" dirty="0" err="1" smtClean="0">
+              <a:rPr lang="en-US" dirty="0" err="1">
                 <a:latin typeface="Times"/>
                 <a:cs typeface="Times"/>
               </a:rPr>
               <a:t>,</a:t>
             </a:r>
             <a:r>
-              <a:rPr lang="en-US" i="1" dirty="0" err="1" smtClean="0">
+              <a:rPr lang="en-US" i="1" dirty="0" err="1">
                 <a:latin typeface="Times"/>
                 <a:cs typeface="Times"/>
               </a:rPr>
               <a:t>z</a:t>
             </a:r>
             <a:r>
-              <a:rPr lang="en-US" dirty="0" smtClean="0">
+              <a:rPr lang="en-US" dirty="0">
                 <a:latin typeface="Times"/>
                 <a:cs typeface="Times"/>
               </a:rPr>
@@ -4925,7 +4817,7 @@
           <a:graphicData uri="http://schemas.openxmlformats.org/presentationml/2006/ole">
             <mc:AlternateContent xmlns:mc="http://schemas.openxmlformats.org/markup-compatibility/2006">
               <mc:Choice xmlns:v="urn:schemas-microsoft-com:vml" Requires="v">
-                <p:oleObj spid="_x0000_s4153" name="Equation" r:id="rId3" imgW="520700" imgH="228600" progId="Equation.3">
+                <p:oleObj spid="_x0000_s4160" name="Equation" r:id="rId3" imgW="520700" imgH="228600" progId="Equation.3">
                   <p:embed/>
                 </p:oleObj>
               </mc:Choice>
@@ -5092,17 +4984,16 @@
           <a:p>
             <a:pPr algn="ctr"/>
             <a:r>
-              <a:rPr lang="en-US" dirty="0" smtClean="0"/>
+              <a:rPr lang="en-US" dirty="0"/>
               <a:t>Poisson’s equation</a:t>
             </a:r>
           </a:p>
           <a:p>
             <a:pPr algn="ctr"/>
             <a:r>
-              <a:rPr lang="en-US" dirty="0" smtClean="0"/>
+              <a:rPr lang="en-US" dirty="0"/>
               <a:t>(e.g. 18.303)</a:t>
             </a:r>
-            <a:endParaRPr lang="en-US" dirty="0"/>
           </a:p>
         </p:txBody>
       </p:sp>
@@ -5116,13 +5007,6 @@
   <p:clrMapOvr>
     <a:masterClrMapping/>
   </p:clrMapOvr>
-  <p:timing>
-    <p:tnLst>
-      <p:par>
-        <p:cTn xmlns:p14="http://schemas.microsoft.com/office/powerpoint/2010/main" id="1" dur="indefinite" restart="never" nodeType="tmRoot"/>
-      </p:par>
-    </p:tnLst>
-  </p:timing>
 </p:sld>
 </file>
 
@@ -5164,7 +5048,7 @@
           <a:lstStyle/>
           <a:p>
             <a:r>
-              <a:rPr lang="en-US" dirty="0" smtClean="0">
+              <a:rPr lang="en-US" dirty="0">
                 <a:solidFill>
                   <a:srgbClr val="FF0000"/>
                 </a:solidFill>
@@ -5172,7 +5056,7 @@
               <a:t>18.06</a:t>
             </a:r>
             <a:r>
-              <a:rPr lang="en-US" dirty="0" smtClean="0">
+              <a:rPr lang="en-US" dirty="0">
                 <a:solidFill>
                   <a:srgbClr val="3366FF"/>
                 </a:solidFill>
@@ -5180,22 +5064,17 @@
               <a:t> </a:t>
             </a:r>
             <a:r>
-              <a:rPr lang="en-US" dirty="0" smtClean="0"/>
+              <a:rPr lang="en-US" dirty="0"/>
               <a:t>vs. </a:t>
             </a:r>
             <a:r>
-              <a:rPr lang="en-US" dirty="0" smtClean="0">
+              <a:rPr lang="en-US" dirty="0">
                 <a:solidFill>
                   <a:srgbClr val="3366FF"/>
                 </a:solidFill>
               </a:rPr>
               <a:t>18.700</a:t>
             </a:r>
-            <a:endParaRPr lang="en-US" dirty="0">
-              <a:solidFill>
-                <a:srgbClr val="3366FF"/>
-              </a:solidFill>
-            </a:endParaRPr>
           </a:p>
         </p:txBody>
       </p:sp>
@@ -5208,7 +5087,7 @@
         <p:spPr>
           <a:xfrm>
             <a:off x="1350561" y="1401351"/>
-            <a:ext cx="6937792" cy="4216539"/>
+            <a:ext cx="6895990" cy="4216539"/>
           </a:xfrm>
           <a:prstGeom prst="rect">
             <a:avLst/>
@@ -5222,11 +5101,11 @@
           <a:lstStyle/>
           <a:p>
             <a:r>
-              <a:rPr lang="en-US" sz="2800" dirty="0" smtClean="0"/>
+              <a:rPr lang="en-US" sz="2800" dirty="0"/>
               <a:t>                 “</a:t>
             </a:r>
             <a:r>
-              <a:rPr lang="en-US" sz="2800" dirty="0" smtClean="0">
+              <a:rPr lang="en-US" sz="2800" dirty="0">
                 <a:solidFill>
                   <a:srgbClr val="FF0000"/>
                 </a:solidFill>
@@ -5234,11 +5113,11 @@
               <a:t>applied</a:t>
             </a:r>
             <a:r>
-              <a:rPr lang="en-US" sz="2800" dirty="0" smtClean="0"/>
+              <a:rPr lang="en-US" sz="2800" dirty="0"/>
               <a:t>” vs. “</a:t>
             </a:r>
             <a:r>
-              <a:rPr lang="en-US" sz="2800" dirty="0" smtClean="0">
+              <a:rPr lang="en-US" sz="2800" dirty="0">
                 <a:solidFill>
                   <a:srgbClr val="3366FF"/>
                 </a:solidFill>
@@ -5246,24 +5125,20 @@
               <a:t>pure</a:t>
             </a:r>
             <a:r>
-              <a:rPr lang="en-US" sz="2800" dirty="0" smtClean="0"/>
+              <a:rPr lang="en-US" sz="2800" dirty="0"/>
               <a:t>” math</a:t>
             </a:r>
           </a:p>
           <a:p>
-            <a:endParaRPr lang="en-US" sz="2800" dirty="0" smtClean="0"/>
+            <a:endParaRPr lang="en-US" sz="2800" dirty="0"/>
           </a:p>
           <a:p>
             <a:r>
               <a:rPr lang="en-US" sz="2800" dirty="0"/>
-              <a:t> </a:t>
-            </a:r>
-            <a:r>
-              <a:rPr lang="en-US" sz="2800" dirty="0" smtClean="0"/>
-              <a:t>              </a:t>
-            </a:r>
-            <a:r>
-              <a:rPr lang="en-US" sz="2800" dirty="0" smtClean="0">
+              <a:t>               </a:t>
+            </a:r>
+            <a:r>
+              <a:rPr lang="en-US" sz="2800" dirty="0">
                 <a:solidFill>
                   <a:srgbClr val="FF0000"/>
                 </a:solidFill>
@@ -5271,11 +5146,11 @@
               <a:t>few proofs </a:t>
             </a:r>
             <a:r>
-              <a:rPr lang="en-US" sz="2800" dirty="0" smtClean="0"/>
+              <a:rPr lang="en-US" sz="2800" dirty="0"/>
               <a:t>vs. </a:t>
             </a:r>
             <a:r>
-              <a:rPr lang="en-US" sz="2800" dirty="0" smtClean="0">
+              <a:rPr lang="en-US" sz="2800" dirty="0">
                 <a:solidFill>
                   <a:srgbClr val="3366FF"/>
                 </a:solidFill>
@@ -5283,55 +5158,43 @@
               <a:t>formal proofs </a:t>
             </a:r>
             <a:r>
-              <a:rPr lang="en-US" sz="2800" dirty="0" smtClean="0"/>
+              <a:rPr lang="en-US" sz="2800" dirty="0"/>
               <a:t>expected</a:t>
             </a:r>
           </a:p>
           <a:p>
             <a:r>
               <a:rPr lang="en-US" dirty="0"/>
-              <a:t> </a:t>
-            </a:r>
-            <a:r>
-              <a:rPr lang="en-US" dirty="0" smtClean="0"/>
-              <a:t>                    (deduce patterns                    (definitions to             </a:t>
-            </a:r>
-          </a:p>
-          <a:p>
-            <a:r>
-              <a:rPr lang="en-US" dirty="0"/>
-              <a:t> </a:t>
-            </a:r>
-            <a:r>
-              <a:rPr lang="en-US" dirty="0" smtClean="0"/>
-              <a:t>                       from examples,                       lemmas to theorems</a:t>
-            </a:r>
-          </a:p>
-          <a:p>
-            <a:r>
-              <a:rPr lang="en-US" dirty="0"/>
-              <a:t> </a:t>
-            </a:r>
-            <a:r>
-              <a:rPr lang="en-US" dirty="0" smtClean="0"/>
-              <a:t>                   informal arguments)                   </a:t>
-            </a:r>
-            <a:r>
-              <a:rPr lang="is-IS" dirty="0" smtClean="0"/>
+              <a:t>                     (deduce patterns                    (definitions to             </a:t>
+            </a:r>
+          </a:p>
+          <a:p>
+            <a:r>
+              <a:rPr lang="en-US" dirty="0"/>
+              <a:t>                        from examples,                       lemmas to theorems</a:t>
+            </a:r>
+          </a:p>
+          <a:p>
+            <a:r>
+              <a:rPr lang="en-US" dirty="0"/>
+              <a:t>                    informal arguments)                   </a:t>
+            </a:r>
+            <a:r>
+              <a:rPr lang="is-IS" dirty="0"/>
               <a:t>… training in proof writing)</a:t>
             </a:r>
-            <a:endParaRPr lang="en-US" dirty="0" smtClean="0"/>
-          </a:p>
-          <a:p>
-            <a:endParaRPr lang="en-US" dirty="0" smtClean="0"/>
-          </a:p>
-          <a:p>
-            <a:r>
-              <a:rPr lang="en-US" sz="2800" dirty="0" smtClean="0"/>
+            <a:endParaRPr lang="en-US" dirty="0"/>
+          </a:p>
+          <a:p>
+            <a:endParaRPr lang="en-US" dirty="0"/>
+          </a:p>
+          <a:p>
+            <a:r>
+              <a:rPr lang="en-US" sz="2800" dirty="0"/>
               <a:t>   more </a:t>
             </a:r>
             <a:r>
-              <a:rPr lang="en-US" sz="2800" dirty="0" smtClean="0">
+              <a:rPr lang="en-US" sz="2800" dirty="0">
                 <a:solidFill>
                   <a:srgbClr val="FF0000"/>
                 </a:solidFill>
@@ -5339,11 +5202,11 @@
               <a:t>applications</a:t>
             </a:r>
             <a:r>
-              <a:rPr lang="en-US" sz="2800" dirty="0" smtClean="0"/>
+              <a:rPr lang="en-US" sz="2800" dirty="0"/>
               <a:t> vs. more </a:t>
             </a:r>
             <a:r>
-              <a:rPr lang="en-US" sz="2800" dirty="0" smtClean="0">
+              <a:rPr lang="en-US" sz="2800" dirty="0">
                 <a:solidFill>
                   <a:srgbClr val="3366FF"/>
                 </a:solidFill>
@@ -5353,11 +5216,11 @@
           </a:p>
           <a:p>
             <a:r>
-              <a:rPr lang="en-US" sz="2800" dirty="0" smtClean="0"/>
+              <a:rPr lang="en-US" sz="2800" dirty="0"/>
               <a:t>         more </a:t>
             </a:r>
             <a:r>
-              <a:rPr lang="en-US" sz="2800" dirty="0" smtClean="0">
+              <a:rPr lang="en-US" sz="2800" dirty="0">
                 <a:solidFill>
                   <a:srgbClr val="FF0000"/>
                 </a:solidFill>
@@ -5365,17 +5228,19 @@
               <a:t>concrete</a:t>
             </a:r>
             <a:r>
-              <a:rPr lang="en-US" sz="2800" dirty="0" smtClean="0"/>
+              <a:rPr lang="en-US" sz="2800" dirty="0"/>
               <a:t> vs. more </a:t>
             </a:r>
             <a:r>
-              <a:rPr lang="en-US" sz="2800" dirty="0" smtClean="0">
+              <a:rPr lang="en-US" sz="2800" dirty="0">
                 <a:solidFill>
                   <a:srgbClr val="3366FF"/>
                 </a:solidFill>
               </a:rPr>
               <a:t>abstract</a:t>
             </a:r>
+          </a:p>
+          <a:p>
             <a:endParaRPr lang="en-US" sz="2800" dirty="0">
               <a:solidFill>
                 <a:srgbClr val="3366FF"/>
@@ -5383,19 +5248,12 @@
             </a:endParaRPr>
           </a:p>
           <a:p>
-            <a:endParaRPr lang="en-US" sz="2800" dirty="0" smtClean="0">
-              <a:solidFill>
-                <a:srgbClr val="3366FF"/>
-              </a:solidFill>
-            </a:endParaRPr>
-          </a:p>
-          <a:p>
-            <a:r>
-              <a:rPr lang="en-US" sz="2800" dirty="0" smtClean="0"/>
+            <a:r>
+              <a:rPr lang="en-US" sz="2800" dirty="0"/>
               <a:t>     some </a:t>
             </a:r>
             <a:r>
-              <a:rPr lang="en-US" sz="2800" dirty="0" smtClean="0">
+              <a:rPr lang="en-US" sz="2800" dirty="0">
                 <a:solidFill>
                   <a:srgbClr val="FF0000"/>
                 </a:solidFill>
@@ -5403,11 +5261,11 @@
               <a:t>computers </a:t>
             </a:r>
             <a:r>
-              <a:rPr lang="en-US" sz="2800" dirty="0" smtClean="0"/>
+              <a:rPr lang="en-US" sz="2800" dirty="0"/>
               <a:t>vs. only </a:t>
             </a:r>
             <a:r>
-              <a:rPr lang="en-US" sz="2800" dirty="0" smtClean="0">
+              <a:rPr lang="en-US" sz="2800" dirty="0">
                 <a:solidFill>
                   <a:srgbClr val="3366FF"/>
                 </a:solidFill>
@@ -5427,13 +5285,6 @@
   <p:clrMapOvr>
     <a:masterClrMapping/>
   </p:clrMapOvr>
-  <p:timing>
-    <p:tnLst>
-      <p:par>
-        <p:cTn xmlns:p14="http://schemas.microsoft.com/office/powerpoint/2010/main" id="1" dur="indefinite" restart="never" nodeType="tmRoot"/>
-      </p:par>
-    </p:tnLst>
-  </p:timing>
 </p:sld>
 </file>
 
@@ -5475,10 +5326,9 @@
           <a:lstStyle/>
           <a:p>
             <a:r>
-              <a:rPr lang="en-US" dirty="0" smtClean="0"/>
+              <a:rPr lang="en-US" dirty="0"/>
               <a:t>Computer software</a:t>
             </a:r>
-            <a:endParaRPr lang="en-US" dirty="0"/>
           </a:p>
         </p:txBody>
       </p:sp>
@@ -5529,10 +5379,9 @@
           <a:lstStyle/>
           <a:p>
             <a:r>
-              <a:rPr lang="en-US" sz="1400" dirty="0" smtClean="0"/>
+              <a:rPr lang="en-US" sz="1400" dirty="0"/>
               <a:t>[ image: Viral Shah ]</a:t>
             </a:r>
-            <a:endParaRPr lang="en-US" sz="1400" dirty="0"/>
           </a:p>
         </p:txBody>
       </p:sp>
@@ -5559,18 +5408,13 @@
           <a:lstStyle/>
           <a:p>
             <a:r>
-              <a:rPr lang="en-US" sz="2400" dirty="0" smtClean="0">
+              <a:rPr lang="en-US" sz="2400" dirty="0">
                 <a:solidFill>
                   <a:srgbClr val="FF0000"/>
                 </a:solidFill>
               </a:rPr>
               <a:t>Lots of choices:</a:t>
             </a:r>
-            <a:endParaRPr lang="en-US" sz="2400" dirty="0">
-              <a:solidFill>
-                <a:srgbClr val="FF0000"/>
-              </a:solidFill>
-            </a:endParaRPr>
           </a:p>
         </p:txBody>
       </p:sp>
@@ -5621,7 +5465,7 @@
           <a:lstStyle/>
           <a:p>
             <a:r>
-              <a:rPr lang="en-US" sz="2400" u="sng" dirty="0" err="1" smtClean="0">
+              <a:rPr lang="en-US" sz="2400" u="sng" dirty="0" err="1">
                 <a:solidFill>
                   <a:srgbClr val="FF0000"/>
                 </a:solidFill>
@@ -5659,7 +5503,7 @@
           <a:lstStyle/>
           <a:p>
             <a:r>
-              <a:rPr lang="en-US" sz="2000" dirty="0" smtClean="0">
+              <a:rPr lang="en-US" sz="2000" dirty="0">
                 <a:solidFill>
                   <a:srgbClr val="FF0000"/>
                 </a:solidFill>
@@ -5670,11 +5514,7 @@
           <a:p>
             <a:r>
               <a:rPr lang="en-US" sz="2000" dirty="0"/>
-              <a:t>t</a:t>
-            </a:r>
-            <a:r>
-              <a:rPr lang="en-US" sz="2000" dirty="0" smtClean="0"/>
-              <a:t>hat scales better to real problems.</a:t>
+              <a:t>that scales better to real problems.</a:t>
             </a:r>
           </a:p>
         </p:txBody>
@@ -5702,7 +5542,7 @@
           <a:lstStyle/>
           <a:p>
             <a:r>
-              <a:rPr lang="en-US" dirty="0" smtClean="0">
+              <a:rPr lang="en-US" dirty="0">
                 <a:solidFill>
                   <a:srgbClr val="0000FF"/>
                 </a:solidFill>
@@ -5710,18 +5550,14 @@
               <a:t>No programming required </a:t>
             </a:r>
             <a:r>
-              <a:rPr lang="en-US" dirty="0" smtClean="0"/>
+              <a:rPr lang="en-US" dirty="0"/>
               <a:t>for 18.06,</a:t>
             </a:r>
           </a:p>
           <a:p>
             <a:r>
               <a:rPr lang="en-US" dirty="0"/>
-              <a:t>j</a:t>
-            </a:r>
-            <a:r>
-              <a:rPr lang="en-US" dirty="0" smtClean="0"/>
-              <a:t>ust a “glorified calculator” to turn the crank.</a:t>
+              <a:t>just a “glorified calculator” to turn the crank.</a:t>
             </a:r>
           </a:p>
           <a:p>
@@ -5729,18 +5565,18 @@
           </a:p>
           <a:p>
             <a:r>
-              <a:rPr lang="en-US" dirty="0" smtClean="0"/>
+              <a:rPr lang="en-US" dirty="0"/>
               <a:t>Use it online: log in at </a:t>
             </a:r>
             <a:r>
-              <a:rPr lang="en-US" dirty="0" err="1" smtClean="0">
+              <a:rPr lang="en-US" dirty="0" err="1">
                 <a:solidFill>
                   <a:srgbClr val="FF0000"/>
                 </a:solidFill>
               </a:rPr>
               <a:t>juliabox.com</a:t>
             </a:r>
-            <a:endParaRPr lang="en-US" dirty="0" smtClean="0">
+            <a:endParaRPr lang="en-US" dirty="0">
               <a:solidFill>
                 <a:srgbClr val="FF0000"/>
               </a:solidFill>
@@ -5749,14 +5585,10 @@
           <a:p>
             <a:r>
               <a:rPr lang="en-US" dirty="0"/>
-              <a:t>	</a:t>
-            </a:r>
-            <a:r>
-              <a:rPr lang="en-US" dirty="0" smtClean="0"/>
-              <a:t>see </a:t>
-            </a:r>
-            <a:r>
-              <a:rPr lang="en-US" dirty="0" smtClean="0">
+              <a:t>	see </a:t>
+            </a:r>
+            <a:r>
+              <a:rPr lang="en-US" dirty="0">
                 <a:solidFill>
                   <a:srgbClr val="0000FF"/>
                 </a:solidFill>
@@ -5769,18 +5601,13 @@
           </a:p>
           <a:p>
             <a:r>
-              <a:rPr lang="en-US" sz="2000" dirty="0" smtClean="0">
+              <a:rPr lang="en-US" sz="2000" dirty="0">
                 <a:solidFill>
                   <a:srgbClr val="0000FF"/>
                 </a:solidFill>
               </a:rPr>
               <a:t>Optional tutorial: Friday 5pm 32-141</a:t>
             </a:r>
-            <a:endParaRPr lang="en-US" sz="2000" dirty="0">
-              <a:solidFill>
-                <a:srgbClr val="0000FF"/>
-              </a:solidFill>
-            </a:endParaRPr>
           </a:p>
         </p:txBody>
       </p:sp>
@@ -5794,18 +5621,11 @@
   <p:clrMapOvr>
     <a:masterClrMapping/>
   </p:clrMapOvr>
-  <p:timing>
-    <p:tnLst>
-      <p:par>
-        <p:cTn xmlns:p14="http://schemas.microsoft.com/office/powerpoint/2010/main" id="1" dur="indefinite" restart="never" nodeType="tmRoot"/>
-      </p:par>
-    </p:tnLst>
-  </p:timing>
 </p:sld>
 </file>
 
-<file path=ppt/slides/slide2.xml><?xml version="1.0" encoding="utf-8"?>
-<p:sld xmlns:a="http://schemas.openxmlformats.org/drawingml/2006/main" xmlns:r="http://schemas.openxmlformats.org/officeDocument/2006/relationships" xmlns:p="http://schemas.openxmlformats.org/presentationml/2006/main" show="0">
+<file path=ppt/slides/slide16.xml><?xml version="1.0" encoding="utf-8"?>
+<p:sld xmlns:a="http://schemas.openxmlformats.org/drawingml/2006/main" xmlns:r="http://schemas.openxmlformats.org/officeDocument/2006/relationships" xmlns:p="http://schemas.openxmlformats.org/presentationml/2006/main">
   <p:cSld>
     <p:spTree>
       <p:nvGrpSpPr>
@@ -5833,52 +5653,257 @@
         </p:nvSpPr>
         <p:spPr>
           <a:xfrm>
+            <a:off x="457200" y="6358"/>
+            <a:ext cx="8229600" cy="1143000"/>
+          </a:xfrm>
+        </p:spPr>
+        <p:txBody>
+          <a:bodyPr/>
+          <a:lstStyle/>
+          <a:p>
+            <a:r>
+              <a:rPr lang="en-US" dirty="0">
+                <a:solidFill>
+                  <a:srgbClr val="FF0000"/>
+                </a:solidFill>
+              </a:rPr>
+              <a:t>18.06</a:t>
+            </a:r>
+            <a:r>
+              <a:rPr lang="en-US" dirty="0">
+                <a:solidFill>
+                  <a:srgbClr val="3366FF"/>
+                </a:solidFill>
+              </a:rPr>
+              <a:t> </a:t>
+            </a:r>
+            <a:r>
+              <a:rPr lang="en-US" dirty="0"/>
+              <a:t>vs. </a:t>
+            </a:r>
+            <a:r>
+              <a:rPr lang="en-US" dirty="0">
+                <a:solidFill>
+                  <a:srgbClr val="3366FF"/>
+                </a:solidFill>
+              </a:rPr>
+              <a:t>18.700</a:t>
+            </a:r>
+          </a:p>
+        </p:txBody>
+      </p:sp>
+      <p:sp>
+        <p:nvSpPr>
+          <p:cNvPr id="3" name="TextBox 2"/>
+          <p:cNvSpPr txBox="1"/>
+          <p:nvPr/>
+        </p:nvSpPr>
+        <p:spPr>
+          <a:xfrm>
+            <a:off x="1350561" y="1401351"/>
+            <a:ext cx="5415265" cy="523220"/>
+          </a:xfrm>
+          <a:prstGeom prst="rect">
+            <a:avLst/>
+          </a:prstGeom>
+          <a:noFill/>
+        </p:spPr>
+        <p:txBody>
+          <a:bodyPr wrap="none" rtlCol="0">
+            <a:spAutoFit/>
+          </a:bodyPr>
+          <a:lstStyle/>
+          <a:p>
+            <a:r>
+              <a:rPr lang="en-US" sz="2800" dirty="0"/>
+              <a:t>                 </a:t>
+            </a:r>
+            <a:r>
+              <a:rPr lang="en-US" sz="2800" dirty="0">
+                <a:solidFill>
+                  <a:srgbClr val="FF0000"/>
+                </a:solidFill>
+              </a:rPr>
+              <a:t>puppies</a:t>
+            </a:r>
+            <a:r>
+              <a:rPr lang="en-US" sz="2800" dirty="0"/>
+              <a:t>   vs.    </a:t>
+            </a:r>
+            <a:r>
+              <a:rPr lang="en-US" sz="2800" dirty="0">
+                <a:solidFill>
+                  <a:srgbClr val="3366FF"/>
+                </a:solidFill>
+              </a:rPr>
+              <a:t>no puppies</a:t>
+            </a:r>
+          </a:p>
+        </p:txBody>
+      </p:sp>
+      <p:pic>
+        <p:nvPicPr>
+          <p:cNvPr id="5" name="Picture 4">
+            <a:extLst>
+              <a:ext uri="{FF2B5EF4-FFF2-40B4-BE49-F238E27FC236}">
+                <a16:creationId xmlns:a16="http://schemas.microsoft.com/office/drawing/2014/main" id="{705D17BD-9035-654D-8F07-A93ADA0EAD58}"/>
+              </a:ext>
+            </a:extLst>
+          </p:cNvPr>
+          <p:cNvPicPr>
+            <a:picLocks noChangeAspect="1"/>
+          </p:cNvPicPr>
+          <p:nvPr/>
+        </p:nvPicPr>
+        <p:blipFill>
+          <a:blip r:embed="rId2"/>
+          <a:stretch>
+            <a:fillRect/>
+          </a:stretch>
+        </p:blipFill>
+        <p:spPr>
+          <a:xfrm>
+            <a:off x="1143171" y="2176564"/>
+            <a:ext cx="2646404" cy="3528538"/>
+          </a:xfrm>
+          <a:prstGeom prst="rect">
+            <a:avLst/>
+          </a:prstGeom>
+        </p:spPr>
+      </p:pic>
+      <p:sp>
+        <p:nvSpPr>
+          <p:cNvPr id="6" name="TextBox 5">
+            <a:extLst>
+              <a:ext uri="{FF2B5EF4-FFF2-40B4-BE49-F238E27FC236}">
+                <a16:creationId xmlns:a16="http://schemas.microsoft.com/office/drawing/2014/main" id="{DA1BCDF6-5E29-214C-8CC2-3661D0E67E40}"/>
+              </a:ext>
+            </a:extLst>
+          </p:cNvPr>
+          <p:cNvSpPr txBox="1"/>
+          <p:nvPr/>
+        </p:nvSpPr>
+        <p:spPr>
+          <a:xfrm>
+            <a:off x="1143171" y="5747222"/>
+            <a:ext cx="2771720" cy="677108"/>
+          </a:xfrm>
+          <a:prstGeom prst="rect">
+            <a:avLst/>
+          </a:prstGeom>
+          <a:noFill/>
+        </p:spPr>
+        <p:txBody>
+          <a:bodyPr wrap="none" rtlCol="0">
+            <a:spAutoFit/>
+          </a:bodyPr>
+          <a:lstStyle/>
+          <a:p>
+            <a:pPr algn="ctr"/>
+            <a:r>
+              <a:rPr lang="en-US" sz="2000" dirty="0">
+                <a:solidFill>
+                  <a:srgbClr val="FF0000"/>
+                </a:solidFill>
+              </a:rPr>
+              <a:t>“Cookie”</a:t>
+            </a:r>
+          </a:p>
+          <a:p>
+            <a:pPr algn="ctr"/>
+            <a:r>
+              <a:rPr lang="en-US" dirty="0"/>
+              <a:t>2-year old mini labradoodle</a:t>
+            </a:r>
+          </a:p>
+        </p:txBody>
+      </p:sp>
+    </p:spTree>
+    <p:extLst>
+      <p:ext uri="{BB962C8B-B14F-4D97-AF65-F5344CB8AC3E}">
+        <p14:creationId xmlns:p14="http://schemas.microsoft.com/office/powerpoint/2010/main" val="408596637"/>
+      </p:ext>
+    </p:extLst>
+  </p:cSld>
+  <p:clrMapOvr>
+    <a:masterClrMapping/>
+  </p:clrMapOvr>
+</p:sld>
+</file>
+
+<file path=ppt/slides/slide2.xml><?xml version="1.0" encoding="utf-8"?>
+<p:sld xmlns:a="http://schemas.openxmlformats.org/drawingml/2006/main" xmlns:r="http://schemas.openxmlformats.org/officeDocument/2006/relationships" xmlns:p="http://schemas.openxmlformats.org/presentationml/2006/main">
+  <p:cSld>
+    <p:spTree>
+      <p:nvGrpSpPr>
+        <p:cNvPr id="1" name=""/>
+        <p:cNvGrpSpPr/>
+        <p:nvPr/>
+      </p:nvGrpSpPr>
+      <p:grpSpPr>
+        <a:xfrm>
+          <a:off x="0" y="0"/>
+          <a:ext cx="0" cy="0"/>
+          <a:chOff x="0" y="0"/>
+          <a:chExt cx="0" cy="0"/>
+        </a:xfrm>
+      </p:grpSpPr>
+      <p:sp>
+        <p:nvSpPr>
+          <p:cNvPr id="2" name="Title 1"/>
+          <p:cNvSpPr>
+            <a:spLocks noGrp="1"/>
+          </p:cNvSpPr>
+          <p:nvPr>
+            <p:ph type="title"/>
+          </p:nvPr>
+        </p:nvSpPr>
+        <p:spPr>
+          <a:xfrm>
             <a:off x="457200" y="274637"/>
             <a:ext cx="8229600" cy="5853841"/>
           </a:xfrm>
         </p:spPr>
         <p:txBody>
           <a:bodyPr>
-            <a:normAutofit/>
+            <a:normAutofit fontScale="90000"/>
           </a:bodyPr>
           <a:lstStyle/>
           <a:p>
             <a:r>
-              <a:rPr lang="en-US" i="1" dirty="0" smtClean="0"/>
+              <a:rPr lang="en-US" i="1" dirty="0"/>
               <a:t>Help wanted:</a:t>
             </a:r>
-            <a:r>
-              <a:rPr lang="en-US" dirty="0" smtClean="0"/>
-              <a:t/>
-            </a:r>
             <a:br>
-              <a:rPr lang="en-US" dirty="0" smtClean="0"/>
+              <a:rPr lang="en-US" dirty="0"/>
             </a:br>
-            <a:r>
-              <a:rPr lang="en-US" dirty="0" smtClean="0"/>
-              <a:t/>
-            </a:r>
             <a:br>
-              <a:rPr lang="en-US" dirty="0" smtClean="0"/>
+              <a:rPr lang="en-US" dirty="0"/>
             </a:br>
             <a:r>
-              <a:rPr lang="en-US" dirty="0" smtClean="0"/>
+              <a:rPr lang="en-US" dirty="0"/>
               <a:t>arrive 10 minutes early</a:t>
             </a:r>
             <a:br>
-              <a:rPr lang="en-US" dirty="0" smtClean="0"/>
+              <a:rPr lang="en-US" dirty="0"/>
             </a:br>
             <a:r>
-              <a:rPr lang="en-US" dirty="0" smtClean="0"/>
+              <a:rPr lang="en-US" dirty="0"/>
               <a:t>and get paid $10 to erase the boards</a:t>
             </a:r>
             <a:br>
-              <a:rPr lang="en-US" dirty="0" smtClean="0"/>
+              <a:rPr lang="en-US" dirty="0"/>
             </a:br>
-            <a:r>
-              <a:rPr lang="en-US" dirty="0"/>
-              <a:t/>
-            </a:r>
+            <a:br>
+              <a:rPr lang="en-US" dirty="0"/>
+            </a:br>
+            <a:r>
+              <a:rPr lang="en-US" dirty="0"/>
+              <a:t>Apply at MIT math office (2-110).</a:t>
+            </a:r>
+            <a:br>
+              <a:rPr lang="en-US" dirty="0"/>
+            </a:br>
             <a:br>
               <a:rPr lang="en-US" dirty="0"/>
             </a:br>
@@ -5900,21 +5925,6 @@
   <p:clrMapOvr>
     <a:masterClrMapping/>
   </p:clrMapOvr>
-  <mc:AlternateContent xmlns:mc="http://schemas.openxmlformats.org/markup-compatibility/2006">
-    <mc:Choice xmlns:p14="http://schemas.microsoft.com/office/powerpoint/2010/main" Requires="p14">
-      <p:transition spd="slow" p14:dur="2000"/>
-    </mc:Choice>
-    <mc:Fallback>
-      <p:transition xmlns:p14="http://schemas.microsoft.com/office/powerpoint/2010/main" spd="slow"/>
-    </mc:Fallback>
-  </mc:AlternateContent>
-  <p:timing>
-    <p:tnLst>
-      <p:par>
-        <p:cTn xmlns:p14="http://schemas.microsoft.com/office/powerpoint/2010/main" id="1" dur="indefinite" restart="never" nodeType="tmRoot"/>
-      </p:par>
-    </p:tnLst>
-  </p:timing>
 </p:sld>
 </file>
 
@@ -5945,16 +5955,21 @@
             <p:ph type="title"/>
           </p:nvPr>
         </p:nvSpPr>
-        <p:spPr/>
+        <p:spPr>
+          <a:xfrm>
+            <a:off x="3558619" y="359480"/>
+            <a:ext cx="3954544" cy="1143000"/>
+          </a:xfrm>
+        </p:spPr>
         <p:txBody>
           <a:bodyPr/>
           <a:lstStyle/>
           <a:p>
-            <a:r>
-              <a:rPr lang="en-US" dirty="0" smtClean="0"/>
-              <a:t>The text</a:t>
-            </a:r>
-            <a:endParaRPr lang="en-US" dirty="0"/>
+            <a:pPr algn="l"/>
+            <a:r>
+              <a:rPr lang="en-US" dirty="0"/>
+              <a:t>The textbook</a:t>
+            </a:r>
           </a:p>
         </p:txBody>
       </p:sp>
@@ -5966,8 +5981,8 @@
         </p:nvSpPr>
         <p:spPr>
           <a:xfrm>
-            <a:off x="764856" y="5469083"/>
-            <a:ext cx="6464388" cy="923330"/>
+            <a:off x="3686523" y="2782444"/>
+            <a:ext cx="5136324" cy="646331"/>
           </a:xfrm>
           <a:prstGeom prst="rect">
             <a:avLst/>
@@ -5982,35 +5997,31 @@
           <a:p>
             <a:r>
               <a:rPr lang="en-US" dirty="0"/>
-              <a:t> For an autographed copy of the textbook, you could see</a:t>
-            </a:r>
-          </a:p>
-          <a:p>
-            <a:r>
-              <a:rPr lang="en-US" dirty="0"/>
-              <a:t>Professor </a:t>
-            </a:r>
-            <a:r>
-              <a:rPr lang="en-US" dirty="0" err="1"/>
-              <a:t>Strang</a:t>
-            </a:r>
-            <a:r>
-              <a:rPr lang="en-US" dirty="0"/>
-              <a:t> in 2-245  </a:t>
-            </a:r>
-            <a:r>
-              <a:rPr lang="en-US" dirty="0" smtClean="0"/>
-              <a:t> </a:t>
-            </a:r>
-            <a:r>
-              <a:rPr lang="en-US" dirty="0"/>
-              <a:t>(teaching MWF 1-2).  In his</a:t>
-            </a:r>
-          </a:p>
-          <a:p>
-            <a:r>
-              <a:rPr lang="en-US" dirty="0"/>
-              <a:t>office payment is by cash or check.</a:t>
+              <a:t>For a </a:t>
+            </a:r>
+            <a:r>
+              <a:rPr lang="en-US" dirty="0">
+                <a:solidFill>
+                  <a:srgbClr val="FF0000"/>
+                </a:solidFill>
+              </a:rPr>
+              <a:t>discounted, autographed copy </a:t>
+            </a:r>
+            <a:r>
+              <a:rPr lang="en-US" dirty="0"/>
+              <a:t>of the textbook, see Professor Strang in </a:t>
+            </a:r>
+            <a:r>
+              <a:rPr lang="en-US" dirty="0">
+                <a:solidFill>
+                  <a:srgbClr val="FF0000"/>
+                </a:solidFill>
+              </a:rPr>
+              <a:t>2-245</a:t>
+            </a:r>
+            <a:r>
+              <a:rPr lang="en-US" dirty="0"/>
+              <a:t>.  (Cash or check only.)</a:t>
             </a:r>
           </a:p>
         </p:txBody>
@@ -6045,6 +6056,56 @@
           </a:prstGeom>
         </p:spPr>
       </p:pic>
+      <p:sp>
+        <p:nvSpPr>
+          <p:cNvPr id="5" name="Rectangle 4">
+            <a:extLst>
+              <a:ext uri="{FF2B5EF4-FFF2-40B4-BE49-F238E27FC236}">
+                <a16:creationId xmlns:a16="http://schemas.microsoft.com/office/drawing/2014/main" id="{5C1A2FAC-36D3-7F48-9728-9ABD28F5E4AC}"/>
+              </a:ext>
+            </a:extLst>
+          </p:cNvPr>
+          <p:cNvSpPr/>
+          <p:nvPr/>
+        </p:nvSpPr>
+        <p:spPr>
+          <a:xfrm>
+            <a:off x="3558619" y="1395881"/>
+            <a:ext cx="5392132" cy="830997"/>
+          </a:xfrm>
+          <a:prstGeom prst="rect">
+            <a:avLst/>
+          </a:prstGeom>
+        </p:spPr>
+        <p:txBody>
+          <a:bodyPr wrap="square">
+            <a:spAutoFit/>
+          </a:bodyPr>
+          <a:lstStyle/>
+          <a:p>
+            <a:r>
+              <a:rPr lang="en-US" sz="2400" dirty="0"/>
+              <a:t>Gil Strang, </a:t>
+            </a:r>
+            <a:r>
+              <a:rPr lang="en-US" sz="2400" i="1" dirty="0"/>
+              <a:t>Introduction to Linear Algebra</a:t>
+            </a:r>
+            <a:r>
+              <a:rPr lang="en-US" sz="2400" dirty="0"/>
+              <a:t>, 5</a:t>
+            </a:r>
+            <a:r>
+              <a:rPr lang="en-US" sz="2400" baseline="30000" dirty="0"/>
+              <a:t>th</a:t>
+            </a:r>
+            <a:r>
+              <a:rPr lang="en-US" sz="2400" dirty="0"/>
+              <a:t> edition</a:t>
+            </a:r>
+          </a:p>
+        </p:txBody>
+      </p:sp>
     </p:spTree>
     <p:extLst>
       <p:ext uri="{BB962C8B-B14F-4D97-AF65-F5344CB8AC3E}">
@@ -6085,16 +6146,20 @@
             <p:ph type="title"/>
           </p:nvPr>
         </p:nvSpPr>
-        <p:spPr/>
+        <p:spPr>
+          <a:xfrm>
+            <a:off x="457200" y="133236"/>
+            <a:ext cx="8229600" cy="1143000"/>
+          </a:xfrm>
+        </p:spPr>
         <p:txBody>
           <a:bodyPr/>
           <a:lstStyle/>
           <a:p>
             <a:r>
-              <a:rPr lang="en-US" dirty="0" smtClean="0"/>
+              <a:rPr lang="en-US" dirty="0"/>
               <a:t>Administrative Details</a:t>
             </a:r>
-            <a:endParaRPr lang="en-US" dirty="0"/>
           </a:p>
         </p:txBody>
       </p:sp>
@@ -6106,8 +6171,8 @@
         </p:nvSpPr>
         <p:spPr>
           <a:xfrm>
-            <a:off x="312444" y="1653077"/>
-            <a:ext cx="8340745" cy="4401205"/>
+            <a:off x="288776" y="1417638"/>
+            <a:ext cx="8566448" cy="4708981"/>
           </a:xfrm>
           <a:prstGeom prst="rect">
             <a:avLst/>
@@ -6121,26 +6186,26 @@
           <a:lstStyle/>
           <a:p>
             <a:r>
-              <a:rPr lang="en-US" sz="2000" dirty="0" smtClean="0"/>
-              <a:t>Lectures MWF11, 10-250</a:t>
-            </a:r>
-          </a:p>
-          <a:p>
-            <a:r>
-              <a:rPr lang="en-US" sz="2000" dirty="0" smtClean="0"/>
+              <a:rPr lang="en-US" sz="2000" dirty="0"/>
+              <a:t>Lectures MWF11, 54-100</a:t>
+            </a:r>
+          </a:p>
+          <a:p>
+            <a:r>
+              <a:rPr lang="en-US" sz="2000" dirty="0"/>
               <a:t>Tuesday recitations — use Stellar to switch sections</a:t>
             </a:r>
           </a:p>
           <a:p>
-            <a:endParaRPr lang="en-US" sz="2000" dirty="0" smtClean="0"/>
-          </a:p>
-          <a:p>
-            <a:r>
-              <a:rPr lang="en-US" sz="2000" dirty="0" smtClean="0"/>
+            <a:endParaRPr lang="en-US" sz="2000" dirty="0"/>
+          </a:p>
+          <a:p>
+            <a:r>
+              <a:rPr lang="en-US" sz="2000" dirty="0"/>
               <a:t>Weekly </a:t>
             </a:r>
             <a:r>
-              <a:rPr lang="en-US" sz="2000" dirty="0" err="1" smtClean="0">
+              <a:rPr lang="en-US" sz="2000" dirty="0" err="1">
                 <a:solidFill>
                   <a:srgbClr val="FF0000"/>
                 </a:solidFill>
@@ -6148,7 +6213,7 @@
               <a:t>psets</a:t>
             </a:r>
             <a:r>
-              <a:rPr lang="en-US" sz="2000" dirty="0" smtClean="0">
+              <a:rPr lang="en-US" sz="2000" dirty="0">
                 <a:solidFill>
                   <a:srgbClr val="FF0000"/>
                 </a:solidFill>
@@ -6159,32 +6224,24 @@
           <a:p>
             <a:r>
               <a:rPr lang="en-US" sz="2000" dirty="0"/>
-              <a:t>	</a:t>
-            </a:r>
-            <a:r>
-              <a:rPr lang="en-US" sz="2000" dirty="0" smtClean="0"/>
-              <a:t>— no extensions or makeup, but lowest </a:t>
-            </a:r>
-            <a:r>
-              <a:rPr lang="en-US" sz="2000" dirty="0" err="1" smtClean="0"/>
+              <a:t>	— no extensions or makeup, but lowest </a:t>
+            </a:r>
+            <a:r>
+              <a:rPr lang="en-US" sz="2000" dirty="0" err="1"/>
               <a:t>pset</a:t>
             </a:r>
             <a:r>
-              <a:rPr lang="en-US" sz="2000" dirty="0" smtClean="0"/>
+              <a:rPr lang="en-US" sz="2000" dirty="0"/>
               <a:t> score will be dropped</a:t>
             </a:r>
           </a:p>
           <a:p>
             <a:r>
               <a:rPr lang="en-US" sz="2000" dirty="0"/>
-              <a:t>	</a:t>
-            </a:r>
-            <a:r>
-              <a:rPr lang="en-US" sz="2000" dirty="0" smtClean="0"/>
-              <a:t>— </a:t>
-            </a:r>
-            <a:r>
-              <a:rPr lang="en-US" sz="2000" dirty="0" err="1" smtClean="0">
+              <a:t>	— </a:t>
+            </a:r>
+            <a:r>
+              <a:rPr lang="en-US" sz="2000" dirty="0" err="1">
                 <a:solidFill>
                   <a:srgbClr val="FF0000"/>
                 </a:solidFill>
@@ -6192,7 +6249,7 @@
               <a:t>pset</a:t>
             </a:r>
             <a:r>
-              <a:rPr lang="en-US" sz="2000" dirty="0" smtClean="0">
+              <a:rPr lang="en-US" sz="2000" dirty="0">
                 <a:solidFill>
                   <a:srgbClr val="FF0000"/>
                 </a:solidFill>
@@ -6205,11 +6262,11 @@
           </a:p>
           <a:p>
             <a:r>
-              <a:rPr lang="en-US" sz="2000" dirty="0" smtClean="0"/>
+              <a:rPr lang="en-US" sz="2000" dirty="0"/>
               <a:t>Grading: </a:t>
             </a:r>
             <a:r>
-              <a:rPr lang="en-US" sz="2000" dirty="0" smtClean="0">
+              <a:rPr lang="en-US" sz="2000" dirty="0">
                 <a:solidFill>
                   <a:srgbClr val="0000FF"/>
                 </a:solidFill>
@@ -6217,11 +6274,11 @@
               <a:t>homework 15%</a:t>
             </a:r>
             <a:r>
-              <a:rPr lang="en-US" sz="2000" dirty="0" smtClean="0"/>
+              <a:rPr lang="en-US" sz="2000" dirty="0"/>
               <a:t>, </a:t>
             </a:r>
             <a:r>
-              <a:rPr lang="en-US" sz="2000" dirty="0" smtClean="0">
+              <a:rPr lang="en-US" sz="2000" dirty="0">
                 <a:solidFill>
                   <a:srgbClr val="0000FF"/>
                 </a:solidFill>
@@ -6229,34 +6286,16 @@
               <a:t>3 exams 45% </a:t>
             </a:r>
             <a:r>
-              <a:rPr lang="en-US" sz="2000" dirty="0" smtClean="0"/>
-              <a:t>(3/2, 4/6, &amp; </a:t>
-            </a:r>
-            <a:r>
               <a:rPr lang="en-US" sz="2000" dirty="0"/>
-              <a:t>5</a:t>
-            </a:r>
-            <a:r>
-              <a:rPr lang="en-US" sz="2000" dirty="0" smtClean="0"/>
-              <a:t>/4 in 50-340),</a:t>
-            </a:r>
-          </a:p>
-          <a:p>
+              <a:t>(9/28, 10/26, &amp; 11/30), </a:t>
+            </a:r>
             <a:r>
               <a:rPr lang="en-US" sz="2000" dirty="0">
                 <a:solidFill>
                   <a:srgbClr val="0000FF"/>
                 </a:solidFill>
               </a:rPr>
-              <a:t> </a:t>
-            </a:r>
-            <a:r>
-              <a:rPr lang="en-US" sz="2000" dirty="0" smtClean="0">
-                <a:solidFill>
-                  <a:srgbClr val="0000FF"/>
-                </a:solidFill>
-              </a:rPr>
-              <a:t>                &amp; final exam 40%</a:t>
+              <a:t>&amp; final exam 40%</a:t>
             </a:r>
           </a:p>
           <a:p>
@@ -6268,7 +6307,7 @@
           </a:p>
           <a:p>
             <a:r>
-              <a:rPr lang="en-US" sz="2000" dirty="0" smtClean="0">
+              <a:rPr lang="en-US" sz="2000" dirty="0">
                 <a:solidFill>
                   <a:srgbClr val="000000"/>
                 </a:solidFill>
@@ -6276,7 +6315,7 @@
               <a:t>Collaboration policy</a:t>
             </a:r>
             <a:r>
-              <a:rPr lang="en-US" sz="2000" dirty="0" smtClean="0">
+              <a:rPr lang="en-US" sz="2000" dirty="0">
                 <a:solidFill>
                   <a:srgbClr val="0000FF"/>
                 </a:solidFill>
@@ -6284,7 +6323,7 @@
               <a:t>: talk to anyone </a:t>
             </a:r>
             <a:r>
-              <a:rPr lang="en-US" sz="2000" dirty="0" smtClean="0">
+              <a:rPr lang="en-US" sz="2000" dirty="0">
                 <a:solidFill>
                   <a:srgbClr val="000000"/>
                 </a:solidFill>
@@ -6292,7 +6331,7 @@
               <a:t>you want, </a:t>
             </a:r>
             <a:r>
-              <a:rPr lang="en-US" sz="2000" dirty="0" smtClean="0">
+              <a:rPr lang="en-US" sz="2000" dirty="0">
                 <a:solidFill>
                   <a:srgbClr val="0000FF"/>
                 </a:solidFill>
@@ -6300,7 +6339,7 @@
               <a:t>read anything </a:t>
             </a:r>
             <a:r>
-              <a:rPr lang="en-US" sz="2000" dirty="0" smtClean="0">
+              <a:rPr lang="en-US" sz="2000" dirty="0">
                 <a:solidFill>
                   <a:srgbClr val="000000"/>
                 </a:solidFill>
@@ -6315,67 +6354,93 @@
                   <a:srgbClr val="000000"/>
                 </a:solidFill>
               </a:rPr>
-              <a:t>	</a:t>
-            </a:r>
-            <a:r>
-              <a:rPr lang="en-US" sz="2000" dirty="0" smtClean="0">
+              <a:t>	• Make an effort on a problem before collaborating.</a:t>
+            </a:r>
+          </a:p>
+          <a:p>
+            <a:r>
+              <a:rPr lang="en-US" sz="2000" dirty="0">
                 <a:solidFill>
                   <a:srgbClr val="000000"/>
                 </a:solidFill>
               </a:rPr>
-              <a:t>• Make an effort on a problem before collaborating.</a:t>
-            </a:r>
-          </a:p>
-          <a:p>
+              <a:t>	• </a:t>
+            </a:r>
             <a:r>
               <a:rPr lang="en-US" sz="2000" dirty="0">
                 <a:solidFill>
+                  <a:srgbClr val="0000FF"/>
+                </a:solidFill>
+              </a:rPr>
+              <a:t>Write up your solutions independently </a:t>
+            </a:r>
+            <a:r>
+              <a:rPr lang="en-US" sz="2000" dirty="0">
+                <a:solidFill>
                   <a:srgbClr val="000000"/>
                 </a:solidFill>
               </a:rPr>
-              <a:t>	</a:t>
-            </a:r>
-            <a:r>
-              <a:rPr lang="en-US" sz="2000" dirty="0" smtClean="0">
+              <a:t>(from “blank sheet of paper”).</a:t>
+            </a:r>
+          </a:p>
+          <a:p>
+            <a:r>
+              <a:rPr lang="en-US" sz="2000" dirty="0">
                 <a:solidFill>
                   <a:srgbClr val="000000"/>
                 </a:solidFill>
               </a:rPr>
-              <a:t>• </a:t>
-            </a:r>
-            <a:r>
-              <a:rPr lang="en-US" sz="2000" dirty="0" smtClean="0">
-                <a:solidFill>
-                  <a:srgbClr val="0000FF"/>
-                </a:solidFill>
-              </a:rPr>
-              <a:t>Write up your solutions independently </a:t>
-            </a:r>
-            <a:r>
-              <a:rPr lang="en-US" sz="2000" dirty="0" smtClean="0">
+              <a:t>	• List your collaborators and external sources (not course materials).</a:t>
+            </a:r>
+          </a:p>
+          <a:p>
+            <a:endParaRPr lang="en-US" sz="2000" dirty="0">
+              <a:solidFill>
+                <a:srgbClr val="000000"/>
+              </a:solidFill>
+            </a:endParaRPr>
+          </a:p>
+          <a:p>
+            <a:r>
+              <a:rPr lang="en-US" sz="2000" dirty="0">
                 <a:solidFill>
                   <a:srgbClr val="000000"/>
                 </a:solidFill>
               </a:rPr>
-              <a:t>(from “blank sheet of paper”).</a:t>
-            </a:r>
-          </a:p>
-          <a:p>
+              <a:t>18.06 </a:t>
+            </a:r>
+            <a:r>
+              <a:rPr lang="en-US" sz="2000" dirty="0" err="1">
+                <a:solidFill>
+                  <a:srgbClr val="0C00FF"/>
+                </a:solidFill>
+              </a:rPr>
+              <a:t>piazza.com</a:t>
+            </a:r>
             <a:r>
               <a:rPr lang="en-US" sz="2000" dirty="0">
                 <a:solidFill>
+                  <a:srgbClr val="0C00FF"/>
+                </a:solidFill>
+              </a:rPr>
+              <a:t> </a:t>
+            </a:r>
+            <a:r>
+              <a:rPr lang="en-US" sz="2000" dirty="0">
+                <a:solidFill>
                   <a:srgbClr val="000000"/>
                 </a:solidFill>
               </a:rPr>
-              <a:t>	</a:t>
-            </a:r>
-            <a:r>
-              <a:rPr lang="en-US" sz="2000" dirty="0" smtClean="0">
+              <a:t>forum: </a:t>
+            </a:r>
+            <a:r>
+              <a:rPr lang="en-US" sz="2000" dirty="0">
                 <a:solidFill>
                   <a:srgbClr val="000000"/>
                 </a:solidFill>
-              </a:rPr>
-              <a:t>• List your collaborators and external sources (not course materials).</a:t>
+                <a:hlinkClick r:id="rId2"/>
+              </a:rPr>
+              <a:t>bit.ly/2Neh71U</a:t>
             </a:r>
             <a:endParaRPr lang="en-US" sz="2000" dirty="0">
               <a:solidFill>
@@ -6395,13 +6460,6 @@
   <p:clrMapOvr>
     <a:masterClrMapping/>
   </p:clrMapOvr>
-  <p:timing>
-    <p:tnLst>
-      <p:par>
-        <p:cTn xmlns:p14="http://schemas.microsoft.com/office/powerpoint/2010/main" id="1" dur="indefinite" restart="never" nodeType="tmRoot"/>
-      </p:par>
-    </p:tnLst>
-  </p:timing>
 </p:sld>
 </file>
 
@@ -6438,10 +6496,9 @@
           <a:lstStyle/>
           <a:p>
             <a:r>
-              <a:rPr lang="en-US" dirty="0" smtClean="0"/>
+              <a:rPr lang="en-US" dirty="0"/>
               <a:t>Syllabus and Calendar</a:t>
             </a:r>
-            <a:endParaRPr lang="en-US" dirty="0"/>
           </a:p>
         </p:txBody>
       </p:sp>
@@ -6468,19 +6525,19 @@
               </a:lnSpc>
             </a:pPr>
             <a:r>
-              <a:rPr lang="en-US" dirty="0" smtClean="0"/>
+              <a:rPr lang="en-US" dirty="0"/>
               <a:t>Significant overlap with </a:t>
             </a:r>
             <a:r>
-              <a:rPr lang="en-US" dirty="0" err="1" smtClean="0"/>
+              <a:rPr lang="en-US" dirty="0" err="1"/>
               <a:t>Strang’s</a:t>
             </a:r>
             <a:r>
-              <a:rPr lang="en-US" dirty="0" smtClean="0"/>
+              <a:rPr lang="en-US" dirty="0"/>
               <a:t> OCW video lectures: these are a </a:t>
             </a:r>
             <a:r>
-              <a:rPr lang="en-US" dirty="0" smtClean="0">
+              <a:rPr lang="en-US" dirty="0">
                 <a:solidFill>
                   <a:srgbClr val="FF0000"/>
                 </a:solidFill>
@@ -6488,11 +6545,11 @@
               <a:t>useful supplement </a:t>
             </a:r>
             <a:r>
-              <a:rPr lang="en-US" dirty="0" smtClean="0"/>
+              <a:rPr lang="en-US" dirty="0"/>
               <a:t>but </a:t>
             </a:r>
             <a:r>
-              <a:rPr lang="en-US" dirty="0" smtClean="0">
+              <a:rPr lang="en-US" dirty="0">
                 <a:solidFill>
                   <a:srgbClr val="FF0000"/>
                 </a:solidFill>
@@ -6500,8 +6557,20 @@
               <a:t>not a replacement </a:t>
             </a:r>
             <a:r>
-              <a:rPr lang="en-US" dirty="0" smtClean="0"/>
-              <a:t>for attending lecture. Likely topics:</a:t>
+              <a:rPr lang="en-US" dirty="0"/>
+              <a:t>for attending lecture. </a:t>
+            </a:r>
+            <a:r>
+              <a:rPr lang="en-US" dirty="0">
+                <a:solidFill>
+                  <a:srgbClr val="FF0000"/>
+                </a:solidFill>
+              </a:rPr>
+              <a:t>Likely</a:t>
+            </a:r>
+            <a:r>
+              <a:rPr lang="en-US" dirty="0"/>
+              <a:t> topics:</a:t>
             </a:r>
           </a:p>
           <a:p>
@@ -6511,28 +6580,24 @@
               </a:lnSpc>
             </a:pPr>
             <a:r>
-              <a:rPr lang="en-US" dirty="0" smtClean="0">
+              <a:rPr lang="en-US" dirty="0">
                 <a:solidFill>
                   <a:srgbClr val="0000FF"/>
                 </a:solidFill>
               </a:rPr>
-              <a:t>Exam 1: Friday 3/2. </a:t>
-            </a:r>
-            <a:r>
-              <a:rPr lang="en-US" dirty="0" smtClean="0"/>
+              <a:t>Exam 1: Friday 9/28. </a:t>
+            </a:r>
+            <a:r>
+              <a:rPr lang="en-US" dirty="0"/>
               <a:t>Elimination, LU factorization, </a:t>
             </a:r>
             <a:r>
-              <a:rPr lang="en-US" dirty="0" err="1" smtClean="0"/>
+              <a:rPr lang="en-US" dirty="0" err="1"/>
               <a:t>nullspaces</a:t>
             </a:r>
             <a:r>
               <a:rPr lang="en-US" dirty="0"/>
-              <a:t> </a:t>
-            </a:r>
-            <a:r>
-              <a:rPr lang="en-US" dirty="0" smtClean="0"/>
-              <a:t>and other subspaces, bases and dimensions, vector spaces, complexity. (Book: 1–3.5, 11.1)</a:t>
+              <a:t> and other subspaces, bases and dimensions, vector spaces, complexity. (Book: 1–3.5, 11.1)</a:t>
             </a:r>
           </a:p>
           <a:p>
@@ -6542,42 +6607,17 @@
               </a:lnSpc>
             </a:pPr>
             <a:r>
-              <a:rPr lang="en-US" dirty="0" smtClean="0">
+              <a:rPr lang="en-US" dirty="0">
                 <a:solidFill>
                   <a:srgbClr val="0000FF"/>
                 </a:solidFill>
               </a:rPr>
-              <a:t>Exam 2: Friday 4/6. </a:t>
-            </a:r>
-            <a:r>
-              <a:rPr lang="en-US" dirty="0" err="1" smtClean="0"/>
-              <a:t>Orthogonality</a:t>
-            </a:r>
-            <a:r>
-              <a:rPr lang="en-US" dirty="0" smtClean="0"/>
-              <a:t>, projections, least-squares, QR, Gram–Schmidt, orthogonal </a:t>
-            </a:r>
-            <a:r>
-              <a:rPr lang="en-US" dirty="0" smtClean="0"/>
-              <a:t>functions, determinants, infinite dimensional vector spaces  </a:t>
-            </a:r>
-            <a:r>
-              <a:rPr lang="en-US" dirty="0" smtClean="0"/>
-              <a:t>(Book</a:t>
-            </a:r>
-            <a:r>
-              <a:rPr lang="en-US" dirty="0" smtClean="0"/>
-              <a:t>: Up to end of chapter 5 , and 10.5 ).  Concentrating on material since exam 1, but linear algebra </a:t>
-            </a:r>
-            <a:r>
-              <a:rPr lang="en-US" smtClean="0"/>
-              <a:t>is  </a:t>
-            </a:r>
-            <a:r>
-              <a:rPr lang="en-US" dirty="0" smtClean="0"/>
-              <a:t>cumulative.</a:t>
-            </a:r>
-            <a:endParaRPr lang="en-US" dirty="0" smtClean="0"/>
+              <a:t>Exam 2: Friday 10/26. </a:t>
+            </a:r>
+            <a:r>
+              <a:rPr lang="en-US" dirty="0"/>
+              <a:t>Orthogonality, projections, least-squares, QR, Gram–Schmidt, orthogonal functions, determinants, infinite dimensional vector spaces  (Book: 1–5, 10.5).  Concentrating on material since exam 1, but linear algebra is cumulative!</a:t>
+            </a:r>
           </a:p>
           <a:p>
             <a:pPr>
@@ -6586,24 +6626,32 @@
               </a:lnSpc>
             </a:pPr>
             <a:r>
-              <a:rPr lang="en-US" dirty="0" smtClean="0">
+              <a:rPr lang="en-US" dirty="0">
                 <a:solidFill>
                   <a:srgbClr val="0000FF"/>
                 </a:solidFill>
               </a:rPr>
-              <a:t>Exam 3: Friday 5/4.</a:t>
-            </a:r>
-            <a:r>
-              <a:rPr lang="en-US" dirty="0" smtClean="0"/>
-              <a:t> Eigenvectors, determinants, similar </a:t>
-            </a:r>
-            <a:r>
-              <a:rPr lang="en-US" dirty="0" err="1" smtClean="0"/>
-              <a:t>matices</a:t>
-            </a:r>
-            <a:r>
-              <a:rPr lang="en-US" dirty="0" smtClean="0"/>
-              <a:t>, Markov matrices, ODEs, symmetric matrices, definite matrices, matrices from graphs and engineering. (Book: 1–7, 10.1–3.)</a:t>
+              <a:t>Exam 3: </a:t>
+            </a:r>
+            <a:r>
+              <a:rPr lang="en-US">
+                <a:solidFill>
+                  <a:srgbClr val="0000FF"/>
+                </a:solidFill>
+              </a:rPr>
+              <a:t>Friday 11/30</a:t>
+            </a:r>
+            <a:r>
+              <a:rPr lang="en-US" dirty="0">
+                <a:solidFill>
+                  <a:srgbClr val="0000FF"/>
+                </a:solidFill>
+              </a:rPr>
+              <a:t>.</a:t>
+            </a:r>
+            <a:r>
+              <a:rPr lang="en-US" dirty="0"/>
+              <a:t> Eigenvectors, determinants, similar matrices, Markov matrices, ODEs, symmetric matrices, definite matrices, matrices from graphs and engineering. (Book: 1–7, 10.1–3.)</a:t>
             </a:r>
           </a:p>
           <a:p>
@@ -6613,7 +6661,7 @@
               </a:lnSpc>
             </a:pPr>
             <a:r>
-              <a:rPr lang="en-US" dirty="0" smtClean="0">
+              <a:rPr lang="en-US" dirty="0">
                 <a:solidFill>
                   <a:srgbClr val="0000FF"/>
                 </a:solidFill>
@@ -6621,7 +6669,7 @@
               <a:t>Other topics: </a:t>
             </a:r>
             <a:r>
-              <a:rPr lang="en-US" dirty="0" smtClean="0"/>
+              <a:rPr lang="en-US" dirty="0"/>
               <a:t>defective matrices, SVD and principal-components analysis, sparse matrices and iterative methods, complex matrices, symmetric linear operators on functions.</a:t>
             </a:r>
           </a:p>
@@ -6632,7 +6680,7 @@
               </a:lnSpc>
             </a:pPr>
             <a:r>
-              <a:rPr lang="en-US" dirty="0" smtClean="0">
+              <a:rPr lang="en-US" dirty="0">
                 <a:solidFill>
                   <a:srgbClr val="0000FF"/>
                 </a:solidFill>
@@ -6640,7 +6688,7 @@
               <a:t>Final exam: </a:t>
             </a:r>
             <a:r>
-              <a:rPr lang="en-US" dirty="0" smtClean="0"/>
+              <a:rPr lang="en-US" dirty="0"/>
               <a:t>all of the above.</a:t>
             </a:r>
           </a:p>
@@ -6651,6 +6699,41 @@
               </a:lnSpc>
             </a:pPr>
             <a:endParaRPr lang="en-US" dirty="0"/>
+          </a:p>
+        </p:txBody>
+      </p:sp>
+      <p:sp>
+        <p:nvSpPr>
+          <p:cNvPr id="4" name="TextBox 3">
+            <a:extLst>
+              <a:ext uri="{FF2B5EF4-FFF2-40B4-BE49-F238E27FC236}">
+                <a16:creationId xmlns:a16="http://schemas.microsoft.com/office/drawing/2014/main" id="{D3A91307-5506-2842-936B-677E90244B5E}"/>
+              </a:ext>
+            </a:extLst>
+          </p:cNvPr>
+          <p:cNvSpPr txBox="1"/>
+          <p:nvPr/>
+        </p:nvSpPr>
+        <p:spPr>
+          <a:xfrm>
+            <a:off x="251714" y="5382706"/>
+            <a:ext cx="8640571" cy="369332"/>
+          </a:xfrm>
+          <a:prstGeom prst="rect">
+            <a:avLst/>
+          </a:prstGeom>
+          <a:noFill/>
+        </p:spPr>
+        <p:txBody>
+          <a:bodyPr wrap="none" rtlCol="0">
+            <a:spAutoFit/>
+          </a:bodyPr>
+          <a:lstStyle/>
+          <a:p>
+            <a:r>
+              <a:rPr lang="en-US" dirty="0"/>
+              <a:t>Before each exam, a definitive list of topics will be announced, along with a review session.</a:t>
+            </a:r>
           </a:p>
         </p:txBody>
       </p:sp>
@@ -6664,13 +6747,6 @@
   <p:clrMapOvr>
     <a:masterClrMapping/>
   </p:clrMapOvr>
-  <p:timing>
-    <p:tnLst>
-      <p:par>
-        <p:cTn xmlns:p14="http://schemas.microsoft.com/office/powerpoint/2010/main" id="1" dur="indefinite" restart="never" nodeType="tmRoot"/>
-      </p:par>
-    </p:tnLst>
-  </p:timing>
 </p:sld>
 </file>
 
@@ -6712,10 +6788,9 @@
           <a:lstStyle/>
           <a:p>
             <a:r>
-              <a:rPr lang="en-US" dirty="0" smtClean="0"/>
+              <a:rPr lang="en-US" dirty="0"/>
               <a:t>What is 18.06 about?</a:t>
             </a:r>
-            <a:endParaRPr lang="en-US" dirty="0"/>
           </a:p>
         </p:txBody>
       </p:sp>
@@ -6741,7 +6816,7 @@
           <a:graphicData uri="http://schemas.openxmlformats.org/presentationml/2006/ole">
             <mc:AlternateContent xmlns:mc="http://schemas.openxmlformats.org/markup-compatibility/2006">
               <mc:Choice xmlns:v="urn:schemas-microsoft-com:vml" Requires="v">
-                <p:oleObj spid="_x0000_s1143" name="Equation" r:id="rId3" imgW="1282700" imgH="685800" progId="Equation.3">
+                <p:oleObj spid="_x0000_s1157" name="Equation" r:id="rId3" imgW="1282700" imgH="685800" progId="Equation.3">
                   <p:embed/>
                 </p:oleObj>
               </mc:Choice>
@@ -6799,7 +6874,7 @@
           <a:lstStyle/>
           <a:p>
             <a:r>
-              <a:rPr lang="en-US" sz="2000" dirty="0" smtClean="0"/>
+              <a:rPr lang="en-US" sz="2000" dirty="0"/>
               <a:t>High school:</a:t>
             </a:r>
           </a:p>
@@ -6809,12 +6884,18 @@
               <a:t>	</a:t>
             </a:r>
             <a:r>
-              <a:rPr lang="en-US" sz="2000" dirty="0" smtClean="0">
+              <a:rPr lang="en-US" sz="2000" dirty="0">
                 <a:solidFill>
                   <a:srgbClr val="0000FF"/>
                 </a:solidFill>
               </a:rPr>
               <a:t>3 “linear” equations</a:t>
+            </a:r>
+          </a:p>
+          <a:p>
+            <a:r>
+              <a:rPr lang="en-US" sz="2000" dirty="0"/>
+              <a:t>	(only ± and × constants)</a:t>
             </a:r>
           </a:p>
           <a:p>
@@ -6823,45 +6904,34 @@
               <a:t>	</a:t>
             </a:r>
             <a:r>
-              <a:rPr lang="en-US" sz="2000" dirty="0" smtClean="0"/>
-              <a:t>(only ± and × constants)</a:t>
-            </a:r>
+              <a:rPr lang="en-US" sz="2000" dirty="0">
+                <a:solidFill>
+                  <a:srgbClr val="0000FF"/>
+                </a:solidFill>
+              </a:rPr>
+              <a:t>in 3 unknowns</a:t>
+            </a:r>
+          </a:p>
+          <a:p>
+            <a:endParaRPr lang="en-US" sz="2000" dirty="0"/>
           </a:p>
           <a:p>
             <a:r>
               <a:rPr lang="en-US" sz="2000" dirty="0"/>
-              <a:t>	</a:t>
-            </a:r>
-            <a:r>
-              <a:rPr lang="en-US" sz="2000" dirty="0" smtClean="0">
+              <a:t>Method: </a:t>
+            </a:r>
+            <a:r>
+              <a:rPr lang="en-US" sz="2000" dirty="0">
                 <a:solidFill>
                   <a:srgbClr val="0000FF"/>
                 </a:solidFill>
               </a:rPr>
-              <a:t>in 3 unknowns</a:t>
-            </a:r>
-          </a:p>
-          <a:p>
-            <a:endParaRPr lang="en-US" sz="2000" dirty="0"/>
-          </a:p>
-          <a:p>
-            <a:r>
-              <a:rPr lang="en-US" sz="2000" dirty="0" smtClean="0"/>
-              <a:t>Method: </a:t>
-            </a:r>
-            <a:r>
-              <a:rPr lang="en-US" sz="2000" dirty="0" smtClean="0">
-                <a:solidFill>
-                  <a:srgbClr val="0000FF"/>
-                </a:solidFill>
-              </a:rPr>
               <a:t>eliminate unknowns one at a time</a:t>
             </a:r>
             <a:r>
-              <a:rPr lang="en-US" sz="2000" dirty="0" smtClean="0"/>
+              <a:rPr lang="en-US" sz="2000" dirty="0"/>
               <a:t>.</a:t>
             </a:r>
-            <a:endParaRPr lang="en-US" sz="2000" dirty="0"/>
           </a:p>
         </p:txBody>
       </p:sp>
@@ -6889,11 +6959,11 @@
           <a:p>
             <a:pPr algn="ctr"/>
             <a:r>
-              <a:rPr lang="en-US" sz="2400" dirty="0" smtClean="0"/>
+              <a:rPr lang="en-US" sz="2400" dirty="0"/>
               <a:t>Equivalent </a:t>
             </a:r>
             <a:r>
-              <a:rPr lang="en-US" sz="2400" dirty="0" smtClean="0">
+              <a:rPr lang="en-US" sz="2400" dirty="0">
                 <a:solidFill>
                   <a:srgbClr val="FF0000"/>
                 </a:solidFill>
@@ -6901,23 +6971,8 @@
               <a:t>matrix</a:t>
             </a:r>
             <a:r>
-              <a:rPr lang="en-US" sz="2400" dirty="0" smtClean="0"/>
+              <a:rPr lang="en-US" sz="2400" dirty="0"/>
               <a:t> problem</a:t>
-            </a:r>
-          </a:p>
-          <a:p>
-            <a:pPr algn="ctr"/>
-            <a:endParaRPr lang="en-US" sz="2400" dirty="0" smtClean="0"/>
-          </a:p>
-          <a:p>
-            <a:pPr algn="ctr"/>
-            <a:r>
-              <a:rPr lang="en-US" sz="3200" dirty="0" smtClean="0">
-                <a:solidFill>
-                  <a:srgbClr val="FF0000"/>
-                </a:solidFill>
-              </a:rPr>
-              <a:t>Ax = b</a:t>
             </a:r>
           </a:p>
           <a:p>
@@ -6927,11 +6982,26 @@
           <a:p>
             <a:pPr algn="ctr"/>
             <a:r>
-              <a:rPr lang="en-US" sz="2400" dirty="0" smtClean="0"/>
+              <a:rPr lang="en-US" sz="3200" dirty="0">
+                <a:solidFill>
+                  <a:srgbClr val="FF0000"/>
+                </a:solidFill>
+              </a:rPr>
+              <a:t>Ax = b</a:t>
+            </a:r>
+          </a:p>
+          <a:p>
+            <a:pPr algn="ctr"/>
+            <a:endParaRPr lang="en-US" sz="2400" dirty="0"/>
+          </a:p>
+          <a:p>
+            <a:pPr algn="ctr"/>
+            <a:r>
+              <a:rPr lang="en-US" sz="2400" dirty="0"/>
               <a:t>Ax is a “</a:t>
             </a:r>
             <a:r>
-              <a:rPr lang="en-US" sz="2400" dirty="0" smtClean="0">
+              <a:rPr lang="en-US" sz="2400" dirty="0">
                 <a:solidFill>
                   <a:srgbClr val="0000FF"/>
                 </a:solidFill>
@@ -6939,29 +7009,29 @@
               <a:t>linear operation</a:t>
             </a:r>
             <a:r>
-              <a:rPr lang="en-US" sz="2400" dirty="0" smtClean="0"/>
+              <a:rPr lang="en-US" sz="2400" dirty="0"/>
               <a:t>:”</a:t>
             </a:r>
           </a:p>
           <a:p>
             <a:pPr algn="ctr"/>
             <a:r>
-              <a:rPr lang="en-US" sz="2400" dirty="0" smtClean="0"/>
+              <a:rPr lang="en-US" sz="2400" dirty="0"/>
               <a:t>A(</a:t>
             </a:r>
             <a:r>
-              <a:rPr lang="en-US" sz="2400" dirty="0" err="1" smtClean="0"/>
+              <a:rPr lang="en-US" sz="2400" dirty="0" err="1"/>
               <a:t>x+y</a:t>
             </a:r>
             <a:r>
-              <a:rPr lang="en-US" sz="2400" dirty="0" smtClean="0"/>
+              <a:rPr lang="en-US" sz="2400" dirty="0"/>
               <a:t>) = Ax + Ay</a:t>
             </a:r>
           </a:p>
           <a:p>
             <a:pPr algn="ctr"/>
             <a:r>
-              <a:rPr lang="en-US" sz="2400" dirty="0" smtClean="0"/>
+              <a:rPr lang="en-US" sz="2400" dirty="0"/>
               <a:t>A(3x) = 3Ax</a:t>
             </a:r>
           </a:p>
@@ -6989,7 +7059,7 @@
           <a:graphicData uri="http://schemas.openxmlformats.org/presentationml/2006/ole">
             <mc:AlternateContent xmlns:mc="http://schemas.openxmlformats.org/markup-compatibility/2006">
               <mc:Choice xmlns:v="urn:schemas-microsoft-com:vml" Requires="v">
-                <p:oleObj spid="_x0000_s1144" name="Equation" r:id="rId5" imgW="2082800" imgH="812800" progId="Equation.3">
+                <p:oleObj spid="_x0000_s1158" name="Equation" r:id="rId5" imgW="2082800" imgH="812800" progId="Equation.3">
                   <p:embed/>
                 </p:oleObj>
               </mc:Choice>
@@ -7047,18 +7117,13 @@
           <a:lstStyle/>
           <a:p>
             <a:r>
-              <a:rPr lang="en-US" sz="2800" dirty="0" smtClean="0">
+              <a:rPr lang="en-US" sz="2800" dirty="0">
                 <a:solidFill>
                   <a:srgbClr val="FF0000"/>
                 </a:solidFill>
               </a:rPr>
               <a:t>A</a:t>
             </a:r>
-            <a:endParaRPr lang="en-US" sz="2800" dirty="0">
-              <a:solidFill>
-                <a:srgbClr val="FF0000"/>
-              </a:solidFill>
-            </a:endParaRPr>
           </a:p>
         </p:txBody>
       </p:sp>
@@ -7118,18 +7183,13 @@
           <a:lstStyle/>
           <a:p>
             <a:r>
-              <a:rPr lang="en-US" sz="2800" dirty="0" smtClean="0">
+              <a:rPr lang="en-US" sz="2800" dirty="0">
                 <a:solidFill>
                   <a:srgbClr val="FF0000"/>
                 </a:solidFill>
               </a:rPr>
               <a:t>b</a:t>
             </a:r>
-            <a:endParaRPr lang="en-US" sz="2800" dirty="0">
-              <a:solidFill>
-                <a:srgbClr val="FF0000"/>
-              </a:solidFill>
-            </a:endParaRPr>
           </a:p>
         </p:txBody>
       </p:sp>
@@ -7359,21 +7419,8 @@
                     <a:srgbClr val="FF0000"/>
                   </a:solidFill>
                 </a:rPr>
-                <a:t>t</a:t>
+                <a:t>take “dot products” of rows × columns</a:t>
               </a:r>
-              <a:r>
-                <a:rPr lang="en-US" dirty="0" smtClean="0">
-                  <a:solidFill>
-                    <a:srgbClr val="FF0000"/>
-                  </a:solidFill>
-                </a:rPr>
-                <a:t>ake “dot products” of rows × columns</a:t>
-              </a:r>
-              <a:endParaRPr lang="en-US" dirty="0">
-                <a:solidFill>
-                  <a:srgbClr val="FF0000"/>
-                </a:solidFill>
-              </a:endParaRPr>
             </a:p>
           </p:txBody>
         </p:sp>
@@ -7403,20 +7450,15 @@
             <a:pPr algn="ctr"/>
             <a:r>
               <a:rPr lang="en-US" dirty="0"/>
-              <a:t>m</a:t>
-            </a:r>
-            <a:r>
-              <a:rPr lang="en-US" dirty="0" smtClean="0"/>
-              <a:t>atrix of</a:t>
+              <a:t>matrix of</a:t>
             </a:r>
           </a:p>
           <a:p>
             <a:pPr algn="ctr"/>
             <a:r>
-              <a:rPr lang="en-US" dirty="0" smtClean="0"/>
+              <a:rPr lang="en-US" dirty="0"/>
               <a:t>coefficients</a:t>
             </a:r>
-            <a:endParaRPr lang="en-US" dirty="0"/>
           </a:p>
         </p:txBody>
       </p:sp>
@@ -7445,20 +7487,15 @@
             <a:pPr algn="ctr"/>
             <a:r>
               <a:rPr lang="en-US" dirty="0"/>
-              <a:t>v</a:t>
-            </a:r>
-            <a:r>
-              <a:rPr lang="en-US" dirty="0" smtClean="0"/>
-              <a:t>ector of</a:t>
+              <a:t>vector of</a:t>
             </a:r>
           </a:p>
           <a:p>
             <a:pPr algn="ctr"/>
             <a:r>
-              <a:rPr lang="en-US" dirty="0" smtClean="0"/>
+              <a:rPr lang="en-US" dirty="0"/>
               <a:t>unknowns</a:t>
             </a:r>
-            <a:endParaRPr lang="en-US" dirty="0"/>
           </a:p>
         </p:txBody>
       </p:sp>
@@ -7487,24 +7524,15 @@
             <a:pPr algn="ctr"/>
             <a:r>
               <a:rPr lang="en-US" dirty="0"/>
-              <a:t>v</a:t>
-            </a:r>
-            <a:r>
-              <a:rPr lang="en-US" dirty="0" smtClean="0"/>
-              <a:t>ector of</a:t>
+              <a:t>vector of</a:t>
             </a:r>
           </a:p>
           <a:p>
             <a:pPr algn="ctr"/>
             <a:r>
               <a:rPr lang="en-US" dirty="0"/>
-              <a:t>r</a:t>
-            </a:r>
-            <a:r>
-              <a:rPr lang="en-US" dirty="0" smtClean="0"/>
-              <a:t>ight-hand sides</a:t>
-            </a:r>
-            <a:endParaRPr lang="en-US" dirty="0"/>
+              <a:t>right-hand sides</a:t>
+            </a:r>
           </a:p>
         </p:txBody>
       </p:sp>
@@ -7521,7 +7549,7 @@
   <p:timing>
     <p:tnLst>
       <p:par>
-        <p:cTn xmlns:p14="http://schemas.microsoft.com/office/powerpoint/2010/main" id="1" dur="indefinite" restart="never" nodeType="tmRoot">
+        <p:cTn id="1" dur="indefinite" restart="never" nodeType="tmRoot">
           <p:childTnLst>
             <p:seq concurrent="1" nextAc="seek">
               <p:cTn id="2" dur="indefinite" nodeType="mainSeq">
@@ -7634,10 +7662,9 @@
           <a:lstStyle/>
           <a:p>
             <a:r>
-              <a:rPr lang="en-US" dirty="0" smtClean="0"/>
+              <a:rPr lang="en-US" dirty="0"/>
               <a:t>What is 18.06 about?</a:t>
             </a:r>
-            <a:endParaRPr lang="en-US" dirty="0"/>
           </a:p>
         </p:txBody>
       </p:sp>
@@ -7665,7 +7692,7 @@
           <a:p>
             <a:pPr algn="ctr"/>
             <a:r>
-              <a:rPr lang="en-US" sz="2400" dirty="0" smtClean="0">
+              <a:rPr lang="en-US" sz="2400" dirty="0">
                 <a:solidFill>
                   <a:srgbClr val="FF0000"/>
                 </a:solidFill>
@@ -7676,11 +7703,11 @@
           <a:p>
             <a:pPr algn="ctr"/>
             <a:r>
-              <a:rPr lang="en-US" sz="2400" dirty="0" smtClean="0"/>
+              <a:rPr lang="en-US" sz="2400" dirty="0"/>
               <a:t>in</a:t>
             </a:r>
             <a:r>
-              <a:rPr lang="en-US" sz="2400" dirty="0" smtClean="0">
+              <a:rPr lang="en-US" sz="2400" dirty="0">
                 <a:solidFill>
                   <a:srgbClr val="FF0000"/>
                 </a:solidFill>
@@ -7688,18 +7715,18 @@
               <a:t> matrix</a:t>
             </a:r>
             <a:r>
-              <a:rPr lang="en-US" sz="2400" dirty="0" smtClean="0"/>
+              <a:rPr lang="en-US" sz="2400" dirty="0"/>
               <a:t> form</a:t>
             </a:r>
           </a:p>
           <a:p>
             <a:pPr algn="ctr"/>
-            <a:endParaRPr lang="en-US" sz="2400" dirty="0" smtClean="0"/>
+            <a:endParaRPr lang="en-US" sz="2400" dirty="0"/>
           </a:p>
           <a:p>
             <a:pPr algn="ctr"/>
             <a:r>
-              <a:rPr lang="en-US" sz="3200" dirty="0" smtClean="0">
+              <a:rPr lang="en-US" sz="3200" dirty="0">
                 <a:solidFill>
                   <a:srgbClr val="FF0000"/>
                 </a:solidFill>
@@ -7731,7 +7758,7 @@
           <a:graphicData uri="http://schemas.openxmlformats.org/presentationml/2006/ole">
             <mc:AlternateContent xmlns:mc="http://schemas.openxmlformats.org/markup-compatibility/2006">
               <mc:Choice xmlns:v="urn:schemas-microsoft-com:vml" Requires="v">
-                <p:oleObj spid="_x0000_s3136" name="Equation" r:id="rId3" imgW="2082800" imgH="812800" progId="Equation.3">
+                <p:oleObj spid="_x0000_s3143" name="Equation" r:id="rId3" imgW="2082800" imgH="812800" progId="Equation.3">
                   <p:embed/>
                 </p:oleObj>
               </mc:Choice>
@@ -7789,18 +7816,13 @@
           <a:lstStyle/>
           <a:p>
             <a:r>
-              <a:rPr lang="en-US" sz="2800" dirty="0" smtClean="0">
+              <a:rPr lang="en-US" sz="2800" dirty="0">
                 <a:solidFill>
                   <a:srgbClr val="FF0000"/>
                 </a:solidFill>
               </a:rPr>
               <a:t>A</a:t>
             </a:r>
-            <a:endParaRPr lang="en-US" sz="2800" dirty="0">
-              <a:solidFill>
-                <a:srgbClr val="FF0000"/>
-              </a:solidFill>
-            </a:endParaRPr>
           </a:p>
         </p:txBody>
       </p:sp>
@@ -7860,18 +7882,13 @@
           <a:lstStyle/>
           <a:p>
             <a:r>
-              <a:rPr lang="en-US" sz="2800" dirty="0" smtClean="0">
+              <a:rPr lang="en-US" sz="2800" dirty="0">
                 <a:solidFill>
                   <a:srgbClr val="FF0000"/>
                 </a:solidFill>
               </a:rPr>
               <a:t>b</a:t>
             </a:r>
-            <a:endParaRPr lang="en-US" sz="2800" dirty="0">
-              <a:solidFill>
-                <a:srgbClr val="FF0000"/>
-              </a:solidFill>
-            </a:endParaRPr>
           </a:p>
         </p:txBody>
       </p:sp>
@@ -7898,11 +7915,11 @@
           <a:lstStyle/>
           <a:p>
             <a:r>
-              <a:rPr lang="en-US" dirty="0" smtClean="0"/>
+              <a:rPr lang="en-US" dirty="0"/>
               <a:t>Will we learn </a:t>
             </a:r>
             <a:r>
-              <a:rPr lang="en-US" dirty="0" smtClean="0">
+              <a:rPr lang="en-US" dirty="0">
                 <a:solidFill>
                   <a:srgbClr val="0000FF"/>
                 </a:solidFill>
@@ -7910,7 +7927,7 @@
               <a:t>faster methods to solve this?  </a:t>
             </a:r>
             <a:r>
-              <a:rPr lang="en-US" dirty="0" smtClean="0">
+              <a:rPr lang="en-US" dirty="0">
                 <a:solidFill>
                   <a:srgbClr val="FF0000"/>
                 </a:solidFill>
@@ -7918,11 +7935,11 @@
               <a:t>No</a:t>
             </a:r>
             <a:r>
-              <a:rPr lang="en-US" dirty="0" smtClean="0"/>
+              <a:rPr lang="en-US" dirty="0"/>
               <a:t>. (Except if A is special.) The standard “Gaussian elimination” (and “LU factorization”) matrix methods are</a:t>
             </a:r>
             <a:r>
-              <a:rPr lang="en-US" dirty="0" smtClean="0">
+              <a:rPr lang="en-US" dirty="0">
                 <a:solidFill>
                   <a:srgbClr val="FF0000"/>
                 </a:solidFill>
@@ -7930,7 +7947,7 @@
               <a:t> just a slightly more organized</a:t>
             </a:r>
             <a:r>
-              <a:rPr lang="en-US" dirty="0" smtClean="0"/>
+              <a:rPr lang="en-US" dirty="0"/>
               <a:t> version of the high-school algebra elimination technique.</a:t>
             </a:r>
           </a:p>
@@ -7943,7 +7960,7 @@
           </a:p>
           <a:p>
             <a:r>
-              <a:rPr lang="en-US" dirty="0" smtClean="0">
+              <a:rPr lang="en-US" dirty="0">
                 <a:solidFill>
                   <a:srgbClr val="0000FF"/>
                 </a:solidFill>
@@ -7951,11 +7968,11 @@
               <a:t>Will we get better at doing these calculations by hand? </a:t>
             </a:r>
             <a:r>
-              <a:rPr lang="en-US" dirty="0" smtClean="0"/>
+              <a:rPr lang="en-US" dirty="0"/>
               <a:t>Maybe, but </a:t>
             </a:r>
             <a:r>
-              <a:rPr lang="en-US" dirty="0" smtClean="0">
+              <a:rPr lang="en-US" dirty="0">
                 <a:solidFill>
                   <a:srgbClr val="FF0000"/>
                 </a:solidFill>
@@ -7963,7 +7980,7 @@
               <a:t>who cares? </a:t>
             </a:r>
             <a:r>
-              <a:rPr lang="en-US" dirty="0" smtClean="0"/>
+              <a:rPr lang="en-US" dirty="0"/>
               <a:t>Nowadays, all important matrix calculations are done by computers.</a:t>
             </a:r>
           </a:p>
@@ -7972,11 +7989,11 @@
           </a:p>
           <a:p>
             <a:r>
-              <a:rPr lang="en-US" dirty="0" smtClean="0"/>
+              <a:rPr lang="en-US" dirty="0"/>
               <a:t>Will we learn </a:t>
             </a:r>
             <a:r>
-              <a:rPr lang="en-US" dirty="0" smtClean="0">
+              <a:rPr lang="en-US" dirty="0">
                 <a:solidFill>
                   <a:srgbClr val="0000FF"/>
                 </a:solidFill>
@@ -7984,7 +8001,7 @@
               <a:t>more about the computer algorithms? </a:t>
             </a:r>
             <a:r>
-              <a:rPr lang="en-US" dirty="0" smtClean="0">
+              <a:rPr lang="en-US" dirty="0">
                 <a:solidFill>
                   <a:srgbClr val="FF0000"/>
                 </a:solidFill>
@@ -7992,11 +8009,11 @@
               <a:t>A little. </a:t>
             </a:r>
             <a:r>
-              <a:rPr lang="en-US" dirty="0" smtClean="0"/>
+              <a:rPr lang="en-US" dirty="0"/>
               <a:t>But mostly the techniques for “serious” numerical linear-algebra are </a:t>
             </a:r>
             <a:r>
-              <a:rPr lang="en-US" dirty="0" smtClean="0">
+              <a:rPr lang="en-US" dirty="0">
                 <a:solidFill>
                   <a:srgbClr val="FF0000"/>
                 </a:solidFill>
@@ -8004,11 +8021,11 @@
               <a:t>topics for another course </a:t>
             </a:r>
             <a:r>
-              <a:rPr lang="en-US" dirty="0" smtClean="0"/>
+              <a:rPr lang="en-US" dirty="0"/>
               <a:t>(e.g. </a:t>
             </a:r>
             <a:r>
-              <a:rPr lang="en-US" dirty="0" smtClean="0">
+              <a:rPr lang="en-US" dirty="0">
                 <a:solidFill>
                   <a:srgbClr val="FF0000"/>
                 </a:solidFill>
@@ -8016,7 +8033,7 @@
               <a:t>18.335</a:t>
             </a:r>
             <a:r>
-              <a:rPr lang="en-US" dirty="0" smtClean="0"/>
+              <a:rPr lang="en-US" dirty="0"/>
               <a:t>).</a:t>
             </a:r>
           </a:p>
@@ -8032,13 +8049,6 @@
   <p:clrMapOvr>
     <a:masterClrMapping/>
   </p:clrMapOvr>
-  <p:timing>
-    <p:tnLst>
-      <p:par>
-        <p:cTn xmlns:p14="http://schemas.microsoft.com/office/powerpoint/2010/main" id="1" dur="indefinite" restart="never" nodeType="tmRoot"/>
-      </p:par>
-    </p:tnLst>
-  </p:timing>
 </p:sld>
 </file>
 
@@ -8082,41 +8092,40 @@
           <a:lstStyle/>
           <a:p>
             <a:r>
-              <a:rPr lang="en-US" dirty="0" smtClean="0"/>
+              <a:rPr lang="en-US" dirty="0"/>
               <a:t>How do we </a:t>
             </a:r>
             <a:r>
-              <a:rPr lang="en-US" i="1" dirty="0" smtClean="0"/>
+              <a:rPr lang="en-US" i="1" dirty="0"/>
               <a:t>think</a:t>
             </a:r>
             <a:r>
-              <a:rPr lang="en-US" dirty="0" smtClean="0"/>
+              <a:rPr lang="en-US" dirty="0"/>
               <a:t> about linear systems?</a:t>
             </a:r>
             <a:br>
-              <a:rPr lang="en-US" dirty="0" smtClean="0"/>
+              <a:rPr lang="en-US" dirty="0"/>
             </a:br>
             <a:r>
-              <a:rPr lang="en-US" sz="3600" dirty="0" smtClean="0"/>
+              <a:rPr lang="en-US" sz="3600" dirty="0"/>
               <a:t>(imagine someone gives you a 10</a:t>
             </a:r>
             <a:r>
-              <a:rPr lang="en-US" sz="3600" baseline="30000" dirty="0" smtClean="0"/>
+              <a:rPr lang="en-US" sz="3600" baseline="30000" dirty="0"/>
               <a:t>6</a:t>
             </a:r>
             <a:r>
-              <a:rPr lang="en-US" sz="3600" dirty="0" smtClean="0"/>
+              <a:rPr lang="en-US" sz="3600" dirty="0"/>
               <a:t>×10</a:t>
             </a:r>
             <a:r>
-              <a:rPr lang="en-US" sz="3600" baseline="30000" dirty="0" smtClean="0"/>
+              <a:rPr lang="en-US" sz="3600" baseline="30000" dirty="0"/>
               <a:t>6</a:t>
             </a:r>
             <a:r>
-              <a:rPr lang="en-US" sz="3600" dirty="0" smtClean="0"/>
+              <a:rPr lang="en-US" sz="3600" dirty="0"/>
               <a:t> matrix)</a:t>
             </a:r>
-            <a:endParaRPr lang="en-US" sz="3600" dirty="0"/>
           </a:p>
         </p:txBody>
       </p:sp>
@@ -8148,16 +8157,8 @@
               </a:lnSpc>
             </a:pPr>
             <a:r>
-              <a:rPr lang="en-US" dirty="0" smtClean="0"/>
-              <a:t>All the formulas for 2×2 and </a:t>
-            </a:r>
-            <a:r>
-              <a:rPr lang="en-US" dirty="0"/>
-              <a:t>3</a:t>
-            </a:r>
-            <a:r>
-              <a:rPr lang="en-US" dirty="0" smtClean="0"/>
-              <a:t>×3 matrices would fit on one piece of paper. They aren’t the reason why linear algebra is important (as a class or a field of study).</a:t>
+              <a:rPr lang="en-US" dirty="0"/>
+              <a:t>All the formulas for 2×2 and 3×3 matrices would fit on one piece of paper. They aren’t the reason why linear algebra is important (as a class or a field of study).</a:t>
             </a:r>
           </a:p>
           <a:p>
@@ -8167,11 +8168,11 @@
               </a:lnSpc>
             </a:pPr>
             <a:r>
-              <a:rPr lang="en-US" dirty="0" smtClean="0"/>
+              <a:rPr lang="en-US" dirty="0"/>
               <a:t>Large problems are solved by computers, but must be </a:t>
             </a:r>
             <a:r>
-              <a:rPr lang="en-US" dirty="0" smtClean="0">
+              <a:rPr lang="en-US" dirty="0">
                 <a:solidFill>
                   <a:srgbClr val="FF0000"/>
                 </a:solidFill>
@@ -8179,7 +8180,7 @@
               <a:t>understood by human beings. </a:t>
             </a:r>
             <a:r>
-              <a:rPr lang="en-US" dirty="0" smtClean="0"/>
+              <a:rPr lang="en-US" dirty="0"/>
               <a:t>(And we need to give computers the right tasks!)</a:t>
             </a:r>
           </a:p>
@@ -8190,11 +8191,11 @@
               </a:lnSpc>
             </a:pPr>
             <a:r>
-              <a:rPr lang="en-US" dirty="0" smtClean="0"/>
+              <a:rPr lang="en-US" dirty="0"/>
               <a:t>Understand </a:t>
             </a:r>
             <a:r>
-              <a:rPr lang="en-US" dirty="0" smtClean="0">
+              <a:rPr lang="en-US" dirty="0">
                 <a:solidFill>
                   <a:srgbClr val="0C00FF"/>
                 </a:solidFill>
@@ -8202,7 +8203,7 @@
               <a:t>non-square problems</a:t>
             </a:r>
             <a:r>
-              <a:rPr lang="en-US" dirty="0" smtClean="0"/>
+              <a:rPr lang="en-US" dirty="0"/>
               <a:t>: #equations &gt; #unknowns or vice versa</a:t>
             </a:r>
           </a:p>
@@ -8213,14 +8214,14 @@
               </a:lnSpc>
             </a:pPr>
             <a:r>
-              <a:rPr lang="en-US" dirty="0" smtClean="0">
+              <a:rPr lang="en-US" dirty="0">
                 <a:solidFill>
                   <a:srgbClr val="FF0000"/>
                 </a:solidFill>
               </a:rPr>
               <a:t>Break up matrices into simpler pieces</a:t>
             </a:r>
-            <a:endParaRPr lang="en-US" dirty="0" smtClean="0"/>
+            <a:endParaRPr lang="en-US" dirty="0"/>
           </a:p>
           <a:p>
             <a:pPr lvl="1">
@@ -8229,11 +8230,11 @@
               </a:lnSpc>
             </a:pPr>
             <a:r>
-              <a:rPr lang="en-US" dirty="0" smtClean="0"/>
+              <a:rPr lang="en-US" dirty="0"/>
               <a:t>Factorize matrices into </a:t>
             </a:r>
             <a:r>
-              <a:rPr lang="en-US" dirty="0" smtClean="0">
+              <a:rPr lang="en-US" dirty="0">
                 <a:solidFill>
                   <a:srgbClr val="0000FF"/>
                 </a:solidFill>
@@ -8241,47 +8242,47 @@
               <a:t>products of simpler matrices</a:t>
             </a:r>
             <a:r>
-              <a:rPr lang="en-US" dirty="0" smtClean="0"/>
+              <a:rPr lang="en-US" dirty="0"/>
               <a:t>: A=LU (triangular: Gauss), A=QR (orthogonal/triangular), A=X</a:t>
             </a:r>
             <a:r>
-              <a:rPr lang="el-GR" dirty="0" smtClean="0"/>
+              <a:rPr lang="el-GR" dirty="0"/>
               <a:t>Λ</a:t>
             </a:r>
             <a:r>
-              <a:rPr lang="en-US" dirty="0" smtClean="0"/>
+              <a:rPr lang="en-US" dirty="0"/>
               <a:t>X</a:t>
             </a:r>
             <a:r>
-              <a:rPr lang="en-US" baseline="30000" dirty="0" smtClean="0"/>
+              <a:rPr lang="en-US" baseline="30000" dirty="0"/>
               <a:t>–1</a:t>
             </a:r>
             <a:r>
-              <a:rPr lang="en-US" dirty="0" smtClean="0"/>
+              <a:rPr lang="en-US" dirty="0"/>
               <a:t> (diagonal: </a:t>
             </a:r>
             <a:r>
-              <a:rPr lang="en-US" dirty="0" err="1" smtClean="0"/>
+              <a:rPr lang="en-US" dirty="0" err="1"/>
               <a:t>eigenvecs</a:t>
             </a:r>
             <a:r>
-              <a:rPr lang="en-US" dirty="0" smtClean="0"/>
+              <a:rPr lang="en-US" dirty="0"/>
               <a:t>/</a:t>
             </a:r>
             <a:r>
-              <a:rPr lang="en-US" dirty="0" err="1" smtClean="0"/>
+              <a:rPr lang="en-US" dirty="0" err="1"/>
               <a:t>vals</a:t>
             </a:r>
             <a:r>
-              <a:rPr lang="en-US" dirty="0" smtClean="0"/>
+              <a:rPr lang="en-US" dirty="0"/>
               <a:t>), A=U</a:t>
             </a:r>
             <a:r>
-              <a:rPr lang="el-GR" dirty="0" smtClean="0"/>
+              <a:rPr lang="el-GR" dirty="0"/>
               <a:t>Σ</a:t>
             </a:r>
             <a:r>
-              <a:rPr lang="en-US" dirty="0" smtClean="0"/>
+              <a:rPr lang="en-US" dirty="0"/>
               <a:t>V* (orthogonal/diagonal: SVD)</a:t>
             </a:r>
           </a:p>
@@ -8292,7 +8293,7 @@
               </a:lnSpc>
             </a:pPr>
             <a:r>
-              <a:rPr lang="en-US" dirty="0" err="1" smtClean="0">
+              <a:rPr lang="en-US" dirty="0" err="1">
                 <a:solidFill>
                   <a:srgbClr val="0000FF"/>
                 </a:solidFill>
@@ -8300,7 +8301,7 @@
               <a:t>Submatrices</a:t>
             </a:r>
             <a:r>
-              <a:rPr lang="en-US" dirty="0" smtClean="0">
+              <a:rPr lang="en-US" dirty="0">
                 <a:solidFill>
                   <a:srgbClr val="0000FF"/>
                 </a:solidFill>
@@ -8308,7 +8309,7 @@
               <a:t> </a:t>
             </a:r>
             <a:r>
-              <a:rPr lang="en-US" dirty="0" smtClean="0"/>
+              <a:rPr lang="en-US" dirty="0"/>
               <a:t>(matrices of matrices).</a:t>
             </a:r>
           </a:p>
@@ -8319,7 +8320,7 @@
               </a:lnSpc>
             </a:pPr>
             <a:r>
-              <a:rPr lang="en-US" dirty="0" smtClean="0">
+              <a:rPr lang="en-US" dirty="0">
                 <a:solidFill>
                   <a:srgbClr val="FF0000"/>
                 </a:solidFill>
@@ -8327,11 +8328,11 @@
               <a:t>Break up vectors into simpler pieces</a:t>
             </a:r>
             <a:r>
-              <a:rPr lang="en-US" dirty="0" smtClean="0"/>
+              <a:rPr lang="en-US" dirty="0"/>
               <a:t>: </a:t>
             </a:r>
             <a:r>
-              <a:rPr lang="en-US" dirty="0" smtClean="0">
+              <a:rPr lang="en-US" dirty="0">
                 <a:solidFill>
                   <a:srgbClr val="0000FF"/>
                 </a:solidFill>
@@ -8339,7 +8340,7 @@
               <a:t>subspaces</a:t>
             </a:r>
             <a:r>
-              <a:rPr lang="en-US" dirty="0" smtClean="0"/>
+              <a:rPr lang="en-US" dirty="0"/>
               <a:t> and basis choices.</a:t>
             </a:r>
           </a:p>
@@ -8350,11 +8351,11 @@
               </a:lnSpc>
             </a:pPr>
             <a:r>
-              <a:rPr lang="en-US" dirty="0" smtClean="0"/>
+              <a:rPr lang="en-US" dirty="0"/>
               <a:t>Algebraic </a:t>
             </a:r>
             <a:r>
-              <a:rPr lang="en-US" dirty="0" smtClean="0">
+              <a:rPr lang="en-US" dirty="0">
                 <a:solidFill>
                   <a:srgbClr val="FF0000"/>
                 </a:solidFill>
@@ -8362,11 +8363,11 @@
               <a:t>manipulations to turn harder/unfamiliar problems </a:t>
             </a:r>
             <a:r>
-              <a:rPr lang="en-US" dirty="0" smtClean="0"/>
+              <a:rPr lang="en-US" dirty="0"/>
               <a:t>(e.g. minimization or differential equations) into </a:t>
             </a:r>
             <a:r>
-              <a:rPr lang="en-US" dirty="0" smtClean="0">
+              <a:rPr lang="en-US" dirty="0">
                 <a:solidFill>
                   <a:srgbClr val="FF0000"/>
                 </a:solidFill>
@@ -8374,11 +8375,11 @@
               <a:t>simpler/familiar </a:t>
             </a:r>
             <a:r>
-              <a:rPr lang="en-US" dirty="0" smtClean="0"/>
+              <a:rPr lang="en-US" dirty="0"/>
               <a:t>ones: </a:t>
             </a:r>
             <a:r>
-              <a:rPr lang="en-US" dirty="0" smtClean="0">
+              <a:rPr lang="en-US" dirty="0">
                 <a:solidFill>
                   <a:srgbClr val="0000FF"/>
                 </a:solidFill>
@@ -8392,7 +8393,7 @@
                 <a:spcPct val="150000"/>
               </a:lnSpc>
             </a:pPr>
-            <a:endParaRPr lang="en-US" dirty="0" smtClean="0"/>
+            <a:endParaRPr lang="en-US" dirty="0"/>
           </a:p>
           <a:p>
             <a:pPr>
@@ -8414,13 +8415,6 @@
   <p:clrMapOvr>
     <a:masterClrMapping/>
   </p:clrMapOvr>
-  <p:timing>
-    <p:tnLst>
-      <p:par>
-        <p:cTn xmlns:p14="http://schemas.microsoft.com/office/powerpoint/2010/main" id="1" dur="indefinite" restart="never" nodeType="tmRoot"/>
-      </p:par>
-    </p:tnLst>
-  </p:timing>
 </p:sld>
 </file>
 
@@ -8465,7 +8459,7 @@
           <a:p>
             <a:pPr algn="ctr"/>
             <a:r>
-              <a:rPr lang="en-US" sz="2400" dirty="0" smtClean="0">
+              <a:rPr lang="en-US" sz="2400" dirty="0">
                 <a:solidFill>
                   <a:srgbClr val="3366FF"/>
                 </a:solidFill>
@@ -8476,22 +8470,22 @@
           <a:p>
             <a:pPr algn="ctr"/>
             <a:r>
-              <a:rPr lang="en-US" sz="2400" dirty="0" smtClean="0"/>
+              <a:rPr lang="en-US" sz="2400" dirty="0"/>
               <a:t>on </a:t>
             </a:r>
             <a:r>
-              <a:rPr lang="en-US" sz="2400" dirty="0" err="1" smtClean="0"/>
+              <a:rPr lang="en-US" sz="2400" dirty="0" err="1"/>
               <a:t>psets</a:t>
             </a:r>
             <a:r>
-              <a:rPr lang="en-US" sz="2400" dirty="0" smtClean="0"/>
+              <a:rPr lang="en-US" sz="2400" dirty="0"/>
               <a:t> or exams of the form</a:t>
             </a:r>
           </a:p>
           <a:p>
             <a:pPr algn="ctr"/>
             <a:r>
-              <a:rPr lang="en-US" sz="2400" dirty="0" smtClean="0"/>
+              <a:rPr lang="en-US" sz="2400" dirty="0"/>
               <a:t>“solve this system of equations.”</a:t>
             </a:r>
           </a:p>
@@ -8502,11 +8496,11 @@
           <a:p>
             <a:pPr algn="ctr"/>
             <a:r>
-              <a:rPr lang="en-US" sz="2400" dirty="0" smtClean="0"/>
+              <a:rPr lang="en-US" sz="2400" dirty="0"/>
               <a:t>… we will turn it upside-down, give you the answer and ask the question, ask about properties of the solution from partial information, … the general goal is to </a:t>
             </a:r>
             <a:r>
-              <a:rPr lang="en-US" sz="2400" dirty="0" smtClean="0">
+              <a:rPr lang="en-US" sz="2400" dirty="0">
                 <a:solidFill>
                   <a:srgbClr val="3366FF"/>
                 </a:solidFill>
@@ -8514,7 +8508,7 @@
               <a:t>require you to understand the crank </a:t>
             </a:r>
             <a:r>
-              <a:rPr lang="en-US" sz="2400" dirty="0" smtClean="0"/>
+              <a:rPr lang="en-US" sz="2400" dirty="0"/>
               <a:t>rather than just turn it.</a:t>
             </a:r>
           </a:p>
@@ -8534,13 +8528,6 @@
   <p:clrMapOvr>
     <a:masterClrMapping/>
   </p:clrMapOvr>
-  <p:timing>
-    <p:tnLst>
-      <p:par>
-        <p:cTn xmlns:p14="http://schemas.microsoft.com/office/powerpoint/2010/main" id="1" dur="indefinite" restart="never" nodeType="tmRoot"/>
-      </p:par>
-    </p:tnLst>
-  </p:timing>
 </p:sld>
 </file>
 
